--- a/Session 3/Classical medical image recognition.pptx
+++ b/Session 3/Classical medical image recognition.pptx
@@ -9,44 +9,45 @@
     <p:sldId id="299" r:id="rId3"/>
     <p:sldId id="258" r:id="rId4"/>
     <p:sldId id="263" r:id="rId5"/>
-    <p:sldId id="260" r:id="rId6"/>
-    <p:sldId id="289" r:id="rId7"/>
-    <p:sldId id="298" r:id="rId8"/>
-    <p:sldId id="290" r:id="rId9"/>
-    <p:sldId id="262" r:id="rId10"/>
-    <p:sldId id="264" r:id="rId11"/>
-    <p:sldId id="265" r:id="rId12"/>
-    <p:sldId id="266" r:id="rId13"/>
-    <p:sldId id="267" r:id="rId14"/>
-    <p:sldId id="268" r:id="rId15"/>
-    <p:sldId id="297" r:id="rId16"/>
-    <p:sldId id="270" r:id="rId17"/>
-    <p:sldId id="271" r:id="rId18"/>
-    <p:sldId id="272" r:id="rId19"/>
-    <p:sldId id="296" r:id="rId20"/>
-    <p:sldId id="294" r:id="rId21"/>
-    <p:sldId id="276" r:id="rId22"/>
-    <p:sldId id="274" r:id="rId23"/>
-    <p:sldId id="275" r:id="rId24"/>
-    <p:sldId id="278" r:id="rId25"/>
-    <p:sldId id="277" r:id="rId26"/>
-    <p:sldId id="292" r:id="rId27"/>
-    <p:sldId id="293" r:id="rId28"/>
-    <p:sldId id="281" r:id="rId29"/>
-    <p:sldId id="282" r:id="rId30"/>
-    <p:sldId id="283" r:id="rId31"/>
-    <p:sldId id="295" r:id="rId32"/>
-    <p:sldId id="287" r:id="rId33"/>
-    <p:sldId id="288" r:id="rId34"/>
-    <p:sldId id="284" r:id="rId35"/>
-    <p:sldId id="286" r:id="rId36"/>
-    <p:sldId id="285" r:id="rId37"/>
-    <p:sldId id="291" r:id="rId38"/>
+    <p:sldId id="300" r:id="rId6"/>
+    <p:sldId id="260" r:id="rId7"/>
+    <p:sldId id="289" r:id="rId8"/>
+    <p:sldId id="298" r:id="rId9"/>
+    <p:sldId id="290" r:id="rId10"/>
+    <p:sldId id="262" r:id="rId11"/>
+    <p:sldId id="264" r:id="rId12"/>
+    <p:sldId id="265" r:id="rId13"/>
+    <p:sldId id="266" r:id="rId14"/>
+    <p:sldId id="267" r:id="rId15"/>
+    <p:sldId id="268" r:id="rId16"/>
+    <p:sldId id="297" r:id="rId17"/>
+    <p:sldId id="270" r:id="rId18"/>
+    <p:sldId id="271" r:id="rId19"/>
+    <p:sldId id="272" r:id="rId20"/>
+    <p:sldId id="296" r:id="rId21"/>
+    <p:sldId id="294" r:id="rId22"/>
+    <p:sldId id="276" r:id="rId23"/>
+    <p:sldId id="274" r:id="rId24"/>
+    <p:sldId id="275" r:id="rId25"/>
+    <p:sldId id="278" r:id="rId26"/>
+    <p:sldId id="277" r:id="rId27"/>
+    <p:sldId id="292" r:id="rId28"/>
+    <p:sldId id="293" r:id="rId29"/>
+    <p:sldId id="281" r:id="rId30"/>
+    <p:sldId id="282" r:id="rId31"/>
+    <p:sldId id="283" r:id="rId32"/>
+    <p:sldId id="295" r:id="rId33"/>
+    <p:sldId id="287" r:id="rId34"/>
+    <p:sldId id="288" r:id="rId35"/>
+    <p:sldId id="284" r:id="rId36"/>
+    <p:sldId id="286" r:id="rId37"/>
+    <p:sldId id="285" r:id="rId38"/>
+    <p:sldId id="291" r:id="rId39"/>
   </p:sldIdLst>
   <p:sldSz cx="12192000" cy="6858000"/>
   <p:notesSz cx="6858000" cy="9144000"/>
   <p:custDataLst>
-    <p:tags r:id="rId39"/>
+    <p:tags r:id="rId40"/>
   </p:custDataLst>
   <p:defaultTextStyle>
     <a:defPPr>
@@ -293,7 +294,7 @@
           <a:p>
             <a:fld id="{0ED2724B-C02D-4659-AB2F-FA69750149CA}" type="datetimeFigureOut">
               <a:rPr lang="de-DE" smtClean="0"/>
-              <a:t>17.05.2021</a:t>
+              <a:t>19.05.2021</a:t>
             </a:fld>
             <a:endParaRPr lang="de-DE"/>
           </a:p>
@@ -463,7 +464,7 @@
           <a:p>
             <a:fld id="{0ED2724B-C02D-4659-AB2F-FA69750149CA}" type="datetimeFigureOut">
               <a:rPr lang="de-DE" smtClean="0"/>
-              <a:t>17.05.2021</a:t>
+              <a:t>19.05.2021</a:t>
             </a:fld>
             <a:endParaRPr lang="de-DE"/>
           </a:p>
@@ -643,7 +644,7 @@
           <a:p>
             <a:fld id="{0ED2724B-C02D-4659-AB2F-FA69750149CA}" type="datetimeFigureOut">
               <a:rPr lang="de-DE" smtClean="0"/>
-              <a:t>17.05.2021</a:t>
+              <a:t>19.05.2021</a:t>
             </a:fld>
             <a:endParaRPr lang="de-DE"/>
           </a:p>
@@ -813,7 +814,7 @@
           <a:p>
             <a:fld id="{0ED2724B-C02D-4659-AB2F-FA69750149CA}" type="datetimeFigureOut">
               <a:rPr lang="de-DE" smtClean="0"/>
-              <a:t>17.05.2021</a:t>
+              <a:t>19.05.2021</a:t>
             </a:fld>
             <a:endParaRPr lang="de-DE"/>
           </a:p>
@@ -1059,7 +1060,7 @@
           <a:p>
             <a:fld id="{0ED2724B-C02D-4659-AB2F-FA69750149CA}" type="datetimeFigureOut">
               <a:rPr lang="de-DE" smtClean="0"/>
-              <a:t>17.05.2021</a:t>
+              <a:t>19.05.2021</a:t>
             </a:fld>
             <a:endParaRPr lang="de-DE"/>
           </a:p>
@@ -1291,7 +1292,7 @@
           <a:p>
             <a:fld id="{0ED2724B-C02D-4659-AB2F-FA69750149CA}" type="datetimeFigureOut">
               <a:rPr lang="de-DE" smtClean="0"/>
-              <a:t>17.05.2021</a:t>
+              <a:t>19.05.2021</a:t>
             </a:fld>
             <a:endParaRPr lang="de-DE"/>
           </a:p>
@@ -1658,7 +1659,7 @@
           <a:p>
             <a:fld id="{0ED2724B-C02D-4659-AB2F-FA69750149CA}" type="datetimeFigureOut">
               <a:rPr lang="de-DE" smtClean="0"/>
-              <a:t>17.05.2021</a:t>
+              <a:t>19.05.2021</a:t>
             </a:fld>
             <a:endParaRPr lang="de-DE"/>
           </a:p>
@@ -1776,7 +1777,7 @@
           <a:p>
             <a:fld id="{0ED2724B-C02D-4659-AB2F-FA69750149CA}" type="datetimeFigureOut">
               <a:rPr lang="de-DE" smtClean="0"/>
-              <a:t>17.05.2021</a:t>
+              <a:t>19.05.2021</a:t>
             </a:fld>
             <a:endParaRPr lang="de-DE"/>
           </a:p>
@@ -1871,7 +1872,7 @@
           <a:p>
             <a:fld id="{0ED2724B-C02D-4659-AB2F-FA69750149CA}" type="datetimeFigureOut">
               <a:rPr lang="de-DE" smtClean="0"/>
-              <a:t>17.05.2021</a:t>
+              <a:t>19.05.2021</a:t>
             </a:fld>
             <a:endParaRPr lang="de-DE"/>
           </a:p>
@@ -2148,7 +2149,7 @@
           <a:p>
             <a:fld id="{0ED2724B-C02D-4659-AB2F-FA69750149CA}" type="datetimeFigureOut">
               <a:rPr lang="de-DE" smtClean="0"/>
-              <a:t>17.05.2021</a:t>
+              <a:t>19.05.2021</a:t>
             </a:fld>
             <a:endParaRPr lang="de-DE"/>
           </a:p>
@@ -2401,7 +2402,7 @@
           <a:p>
             <a:fld id="{0ED2724B-C02D-4659-AB2F-FA69750149CA}" type="datetimeFigureOut">
               <a:rPr lang="de-DE" smtClean="0"/>
-              <a:t>17.05.2021</a:t>
+              <a:t>19.05.2021</a:t>
             </a:fld>
             <a:endParaRPr lang="de-DE"/>
           </a:p>
@@ -2614,7 +2615,7 @@
           <a:p>
             <a:fld id="{0ED2724B-C02D-4659-AB2F-FA69750149CA}" type="datetimeFigureOut">
               <a:rPr lang="de-DE" smtClean="0"/>
-              <a:t>17.05.2021</a:t>
+              <a:t>19.05.2021</a:t>
             </a:fld>
             <a:endParaRPr lang="de-DE"/>
           </a:p>
@@ -3029,10 +3030,15 @@
             <p:ph type="ctrTitle"/>
           </p:nvPr>
         </p:nvSpPr>
-        <p:spPr/>
+        <p:spPr>
+          <a:xfrm>
+            <a:off x="1524000" y="1350964"/>
+            <a:ext cx="9144000" cy="2387600"/>
+          </a:xfrm>
+        </p:spPr>
         <p:txBody>
           <a:bodyPr>
-            <a:normAutofit/>
+            <a:normAutofit fontScale="90000"/>
           </a:bodyPr>
           <a:lstStyle/>
           <a:p>
@@ -3044,7 +3050,7 @@
                 <a:latin typeface="Arial" panose="020B0604020202020204" pitchFamily="34" charset="0"/>
                 <a:cs typeface="Arial" panose="020B0604020202020204" pitchFamily="34" charset="0"/>
               </a:rPr>
-              <a:t>Classical medical image recognition</a:t>
+              <a:t>Feature extraction for biomedical imaging applications</a:t>
             </a:r>
             <a:endParaRPr lang="de-DE" dirty="0">
               <a:solidFill>
@@ -3068,7 +3074,7 @@
         </p:nvSpPr>
         <p:spPr>
           <a:xfrm>
-            <a:off x="1329783" y="3613189"/>
+            <a:off x="1329783" y="3978288"/>
             <a:ext cx="9532434" cy="1655762"/>
           </a:xfrm>
         </p:spPr>
@@ -3077,25 +3083,35 @@
           <a:lstStyle/>
           <a:p>
             <a:r>
-              <a:rPr lang="en-US" dirty="0" smtClean="0">
+              <a:rPr lang="de-DE" dirty="0" err="1"/>
+              <a:t>EpiGenResSchool</a:t>
+            </a:r>
+            <a:r>
+              <a:rPr lang="de-DE" dirty="0"/>
+              <a:t> </a:t>
+            </a:r>
+            <a:r>
+              <a:rPr lang="de-DE" dirty="0" err="1" smtClean="0"/>
+              <a:t>image</a:t>
+            </a:r>
+            <a:r>
+              <a:rPr lang="de-DE" dirty="0" smtClean="0"/>
+              <a:t> </a:t>
+            </a:r>
+            <a:r>
+              <a:rPr lang="de-DE" dirty="0" err="1" smtClean="0"/>
+              <a:t>computing</a:t>
+            </a:r>
+            <a:endParaRPr lang="de-DE" dirty="0" smtClean="0"/>
+          </a:p>
+          <a:p>
+            <a:r>
+              <a:rPr lang="de-DE" dirty="0" smtClean="0">
                 <a:latin typeface="Arial" panose="020B0604020202020204" pitchFamily="34" charset="0"/>
                 <a:cs typeface="Arial" panose="020B0604020202020204" pitchFamily="34" charset="0"/>
               </a:rPr>
-              <a:t>How I learned to stop worrying about deep learning and love </a:t>
-            </a:r>
-          </a:p>
-          <a:p>
-            <a:r>
-              <a:rPr lang="en-US" dirty="0" smtClean="0">
-                <a:latin typeface="Arial" panose="020B0604020202020204" pitchFamily="34" charset="0"/>
-                <a:cs typeface="Arial" panose="020B0604020202020204" pitchFamily="34" charset="0"/>
-              </a:rPr>
-              <a:t>hand-crafted features</a:t>
-            </a:r>
-            <a:endParaRPr lang="de-DE" dirty="0">
-              <a:latin typeface="Arial" panose="020B0604020202020204" pitchFamily="34" charset="0"/>
-              <a:cs typeface="Arial" panose="020B0604020202020204" pitchFamily="34" charset="0"/>
-            </a:endParaRPr>
+              <a:t>19.05.2021</a:t>
+            </a:r>
           </a:p>
         </p:txBody>
       </p:sp>
@@ -3120,6 +3136,981 @@
 </file>
 
 <file path=ppt/slides/slide10.xml><?xml version="1.0" encoding="utf-8"?>
+<p:sld xmlns:a="http://schemas.openxmlformats.org/drawingml/2006/main" xmlns:r="http://schemas.openxmlformats.org/officeDocument/2006/relationships" xmlns:p="http://schemas.openxmlformats.org/presentationml/2006/main">
+  <p:cSld>
+    <p:spTree>
+      <p:nvGrpSpPr>
+        <p:cNvPr id="1" name=""/>
+        <p:cNvGrpSpPr/>
+        <p:nvPr/>
+      </p:nvGrpSpPr>
+      <p:grpSpPr>
+        <a:xfrm>
+          <a:off x="0" y="0"/>
+          <a:ext cx="0" cy="0"/>
+          <a:chOff x="0" y="0"/>
+          <a:chExt cx="0" cy="0"/>
+        </a:xfrm>
+      </p:grpSpPr>
+      <p:sp>
+        <p:nvSpPr>
+          <p:cNvPr id="2" name="Title 1"/>
+          <p:cNvSpPr>
+            <a:spLocks noGrp="1"/>
+          </p:cNvSpPr>
+          <p:nvPr>
+            <p:ph type="title"/>
+          </p:nvPr>
+        </p:nvSpPr>
+        <p:spPr/>
+        <p:txBody>
+          <a:bodyPr/>
+          <a:lstStyle/>
+          <a:p>
+            <a:r>
+              <a:rPr lang="de-DE" dirty="0" smtClean="0">
+                <a:solidFill>
+                  <a:schemeClr val="accent1"/>
+                </a:solidFill>
+                <a:latin typeface="Arial" panose="020B0604020202020204" pitchFamily="34" charset="0"/>
+                <a:cs typeface="Arial" panose="020B0604020202020204" pitchFamily="34" charset="0"/>
+              </a:rPr>
+              <a:t>Statistical </a:t>
+            </a:r>
+            <a:r>
+              <a:rPr lang="en-US" dirty="0" smtClean="0">
+                <a:solidFill>
+                  <a:schemeClr val="accent1"/>
+                </a:solidFill>
+                <a:latin typeface="Arial" panose="020B0604020202020204" pitchFamily="34" charset="0"/>
+                <a:cs typeface="Arial" panose="020B0604020202020204" pitchFamily="34" charset="0"/>
+              </a:rPr>
+              <a:t>features</a:t>
+            </a:r>
+            <a:endParaRPr lang="en-US" dirty="0">
+              <a:solidFill>
+                <a:schemeClr val="accent1"/>
+              </a:solidFill>
+              <a:latin typeface="Arial" panose="020B0604020202020204" pitchFamily="34" charset="0"/>
+              <a:cs typeface="Arial" panose="020B0604020202020204" pitchFamily="34" charset="0"/>
+            </a:endParaRPr>
+          </a:p>
+        </p:txBody>
+      </p:sp>
+      <p:sp>
+        <p:nvSpPr>
+          <p:cNvPr id="41" name="Content Placeholder 2"/>
+          <p:cNvSpPr txBox="1">
+            <a:spLocks/>
+          </p:cNvSpPr>
+          <p:nvPr/>
+        </p:nvSpPr>
+        <p:spPr>
+          <a:xfrm>
+            <a:off x="838200" y="1825625"/>
+            <a:ext cx="11150600" cy="4351338"/>
+          </a:xfrm>
+          <a:prstGeom prst="rect">
+            <a:avLst/>
+          </a:prstGeom>
+        </p:spPr>
+        <p:txBody>
+          <a:bodyPr vert="horz" lIns="91440" tIns="45720" rIns="91440" bIns="45720" rtlCol="0">
+            <a:normAutofit/>
+          </a:bodyPr>
+          <a:lstStyle>
+            <a:lvl1pPr marL="228600" indent="-228600" algn="l" defTabSz="914400" rtl="0" eaLnBrk="1" latinLnBrk="0" hangingPunct="1">
+              <a:lnSpc>
+                <a:spcPct val="90000"/>
+              </a:lnSpc>
+              <a:spcBef>
+                <a:spcPts val="1000"/>
+              </a:spcBef>
+              <a:buFont typeface="Arial" panose="020B0604020202020204" pitchFamily="34" charset="0"/>
+              <a:buChar char="•"/>
+              <a:defRPr sz="2800" kern="1200">
+                <a:solidFill>
+                  <a:schemeClr val="tx1"/>
+                </a:solidFill>
+                <a:latin typeface="+mn-lt"/>
+                <a:ea typeface="+mn-ea"/>
+                <a:cs typeface="+mn-cs"/>
+              </a:defRPr>
+            </a:lvl1pPr>
+            <a:lvl2pPr marL="685800" indent="-228600" algn="l" defTabSz="914400" rtl="0" eaLnBrk="1" latinLnBrk="0" hangingPunct="1">
+              <a:lnSpc>
+                <a:spcPct val="90000"/>
+              </a:lnSpc>
+              <a:spcBef>
+                <a:spcPts val="500"/>
+              </a:spcBef>
+              <a:buFont typeface="Arial" panose="020B0604020202020204" pitchFamily="34" charset="0"/>
+              <a:buChar char="•"/>
+              <a:defRPr sz="2400" kern="1200">
+                <a:solidFill>
+                  <a:schemeClr val="tx1"/>
+                </a:solidFill>
+                <a:latin typeface="+mn-lt"/>
+                <a:ea typeface="+mn-ea"/>
+                <a:cs typeface="+mn-cs"/>
+              </a:defRPr>
+            </a:lvl2pPr>
+            <a:lvl3pPr marL="1143000" indent="-228600" algn="l" defTabSz="914400" rtl="0" eaLnBrk="1" latinLnBrk="0" hangingPunct="1">
+              <a:lnSpc>
+                <a:spcPct val="90000"/>
+              </a:lnSpc>
+              <a:spcBef>
+                <a:spcPts val="500"/>
+              </a:spcBef>
+              <a:buFont typeface="Arial" panose="020B0604020202020204" pitchFamily="34" charset="0"/>
+              <a:buChar char="•"/>
+              <a:defRPr sz="2000" kern="1200">
+                <a:solidFill>
+                  <a:schemeClr val="tx1"/>
+                </a:solidFill>
+                <a:latin typeface="+mn-lt"/>
+                <a:ea typeface="+mn-ea"/>
+                <a:cs typeface="+mn-cs"/>
+              </a:defRPr>
+            </a:lvl3pPr>
+            <a:lvl4pPr marL="1600200" indent="-228600" algn="l" defTabSz="914400" rtl="0" eaLnBrk="1" latinLnBrk="0" hangingPunct="1">
+              <a:lnSpc>
+                <a:spcPct val="90000"/>
+              </a:lnSpc>
+              <a:spcBef>
+                <a:spcPts val="500"/>
+              </a:spcBef>
+              <a:buFont typeface="Arial" panose="020B0604020202020204" pitchFamily="34" charset="0"/>
+              <a:buChar char="•"/>
+              <a:defRPr sz="1800" kern="1200">
+                <a:solidFill>
+                  <a:schemeClr val="tx1"/>
+                </a:solidFill>
+                <a:latin typeface="+mn-lt"/>
+                <a:ea typeface="+mn-ea"/>
+                <a:cs typeface="+mn-cs"/>
+              </a:defRPr>
+            </a:lvl4pPr>
+            <a:lvl5pPr marL="2057400" indent="-228600" algn="l" defTabSz="914400" rtl="0" eaLnBrk="1" latinLnBrk="0" hangingPunct="1">
+              <a:lnSpc>
+                <a:spcPct val="90000"/>
+              </a:lnSpc>
+              <a:spcBef>
+                <a:spcPts val="500"/>
+              </a:spcBef>
+              <a:buFont typeface="Arial" panose="020B0604020202020204" pitchFamily="34" charset="0"/>
+              <a:buChar char="•"/>
+              <a:defRPr sz="1800" kern="1200">
+                <a:solidFill>
+                  <a:schemeClr val="tx1"/>
+                </a:solidFill>
+                <a:latin typeface="+mn-lt"/>
+                <a:ea typeface="+mn-ea"/>
+                <a:cs typeface="+mn-cs"/>
+              </a:defRPr>
+            </a:lvl5pPr>
+            <a:lvl6pPr marL="2514600" indent="-228600" algn="l" defTabSz="914400" rtl="0" eaLnBrk="1" latinLnBrk="0" hangingPunct="1">
+              <a:lnSpc>
+                <a:spcPct val="90000"/>
+              </a:lnSpc>
+              <a:spcBef>
+                <a:spcPts val="500"/>
+              </a:spcBef>
+              <a:buFont typeface="Arial" panose="020B0604020202020204" pitchFamily="34" charset="0"/>
+              <a:buChar char="•"/>
+              <a:defRPr sz="1800" kern="1200">
+                <a:solidFill>
+                  <a:schemeClr val="tx1"/>
+                </a:solidFill>
+                <a:latin typeface="+mn-lt"/>
+                <a:ea typeface="+mn-ea"/>
+                <a:cs typeface="+mn-cs"/>
+              </a:defRPr>
+            </a:lvl6pPr>
+            <a:lvl7pPr marL="2971800" indent="-228600" algn="l" defTabSz="914400" rtl="0" eaLnBrk="1" latinLnBrk="0" hangingPunct="1">
+              <a:lnSpc>
+                <a:spcPct val="90000"/>
+              </a:lnSpc>
+              <a:spcBef>
+                <a:spcPts val="500"/>
+              </a:spcBef>
+              <a:buFont typeface="Arial" panose="020B0604020202020204" pitchFamily="34" charset="0"/>
+              <a:buChar char="•"/>
+              <a:defRPr sz="1800" kern="1200">
+                <a:solidFill>
+                  <a:schemeClr val="tx1"/>
+                </a:solidFill>
+                <a:latin typeface="+mn-lt"/>
+                <a:ea typeface="+mn-ea"/>
+                <a:cs typeface="+mn-cs"/>
+              </a:defRPr>
+            </a:lvl7pPr>
+            <a:lvl8pPr marL="3429000" indent="-228600" algn="l" defTabSz="914400" rtl="0" eaLnBrk="1" latinLnBrk="0" hangingPunct="1">
+              <a:lnSpc>
+                <a:spcPct val="90000"/>
+              </a:lnSpc>
+              <a:spcBef>
+                <a:spcPts val="500"/>
+              </a:spcBef>
+              <a:buFont typeface="Arial" panose="020B0604020202020204" pitchFamily="34" charset="0"/>
+              <a:buChar char="•"/>
+              <a:defRPr sz="1800" kern="1200">
+                <a:solidFill>
+                  <a:schemeClr val="tx1"/>
+                </a:solidFill>
+                <a:latin typeface="+mn-lt"/>
+                <a:ea typeface="+mn-ea"/>
+                <a:cs typeface="+mn-cs"/>
+              </a:defRPr>
+            </a:lvl8pPr>
+            <a:lvl9pPr marL="3886200" indent="-228600" algn="l" defTabSz="914400" rtl="0" eaLnBrk="1" latinLnBrk="0" hangingPunct="1">
+              <a:lnSpc>
+                <a:spcPct val="90000"/>
+              </a:lnSpc>
+              <a:spcBef>
+                <a:spcPts val="500"/>
+              </a:spcBef>
+              <a:buFont typeface="Arial" panose="020B0604020202020204" pitchFamily="34" charset="0"/>
+              <a:buChar char="•"/>
+              <a:defRPr sz="1800" kern="1200">
+                <a:solidFill>
+                  <a:schemeClr val="tx1"/>
+                </a:solidFill>
+                <a:latin typeface="+mn-lt"/>
+                <a:ea typeface="+mn-ea"/>
+                <a:cs typeface="+mn-cs"/>
+              </a:defRPr>
+            </a:lvl9pPr>
+          </a:lstStyle>
+          <a:p>
+            <a:r>
+              <a:rPr lang="en-US" sz="1800" dirty="0" smtClean="0">
+                <a:solidFill>
+                  <a:schemeClr val="bg2">
+                    <a:lumMod val="25000"/>
+                  </a:schemeClr>
+                </a:solidFill>
+                <a:latin typeface="Arial" panose="020B0604020202020204" pitchFamily="34" charset="0"/>
+                <a:cs typeface="Arial" panose="020B0604020202020204" pitchFamily="34" charset="0"/>
+              </a:rPr>
+              <a:t>For every image, calculate the main statistical features (per channel)</a:t>
+            </a:r>
+          </a:p>
+          <a:p>
+            <a:endParaRPr lang="en-US" sz="1800" dirty="0" smtClean="0">
+              <a:solidFill>
+                <a:schemeClr val="bg2">
+                  <a:lumMod val="25000"/>
+                </a:schemeClr>
+              </a:solidFill>
+              <a:latin typeface="Arial" panose="020B0604020202020204" pitchFamily="34" charset="0"/>
+              <a:cs typeface="Arial" panose="020B0604020202020204" pitchFamily="34" charset="0"/>
+            </a:endParaRPr>
+          </a:p>
+          <a:p>
+            <a:pPr marL="0" indent="0">
+              <a:buNone/>
+            </a:pPr>
+            <a:endParaRPr lang="en-US" sz="1800" dirty="0">
+              <a:solidFill>
+                <a:schemeClr val="bg2">
+                  <a:lumMod val="25000"/>
+                </a:schemeClr>
+              </a:solidFill>
+              <a:latin typeface="Arial" panose="020B0604020202020204" pitchFamily="34" charset="0"/>
+              <a:cs typeface="Arial" panose="020B0604020202020204" pitchFamily="34" charset="0"/>
+            </a:endParaRPr>
+          </a:p>
+          <a:p>
+            <a:pPr marL="0" indent="0">
+              <a:buNone/>
+            </a:pPr>
+            <a:r>
+              <a:rPr lang="en-US" sz="1800" dirty="0" smtClean="0">
+                <a:solidFill>
+                  <a:schemeClr val="bg2">
+                    <a:lumMod val="25000"/>
+                  </a:schemeClr>
+                </a:solidFill>
+                <a:latin typeface="Arial" panose="020B0604020202020204" pitchFamily="34" charset="0"/>
+                <a:cs typeface="Arial" panose="020B0604020202020204" pitchFamily="34" charset="0"/>
+              </a:rPr>
+              <a:t>		Min pixel intensity			Mean</a:t>
+            </a:r>
+            <a:endParaRPr lang="en-US" sz="1800" dirty="0">
+              <a:solidFill>
+                <a:schemeClr val="bg2">
+                  <a:lumMod val="25000"/>
+                </a:schemeClr>
+              </a:solidFill>
+              <a:latin typeface="Arial" panose="020B0604020202020204" pitchFamily="34" charset="0"/>
+              <a:cs typeface="Arial" panose="020B0604020202020204" pitchFamily="34" charset="0"/>
+            </a:endParaRPr>
+          </a:p>
+          <a:p>
+            <a:pPr marL="0" indent="0">
+              <a:buNone/>
+            </a:pPr>
+            <a:r>
+              <a:rPr lang="en-US" sz="1800" dirty="0" smtClean="0">
+                <a:solidFill>
+                  <a:schemeClr val="bg2">
+                    <a:lumMod val="25000"/>
+                  </a:schemeClr>
+                </a:solidFill>
+                <a:latin typeface="Arial" panose="020B0604020202020204" pitchFamily="34" charset="0"/>
+                <a:cs typeface="Arial" panose="020B0604020202020204" pitchFamily="34" charset="0"/>
+              </a:rPr>
+              <a:t>		Standard </a:t>
+            </a:r>
+            <a:r>
+              <a:rPr lang="en-US" sz="1800" dirty="0">
+                <a:solidFill>
+                  <a:schemeClr val="bg2">
+                    <a:lumMod val="25000"/>
+                  </a:schemeClr>
+                </a:solidFill>
+                <a:latin typeface="Arial" panose="020B0604020202020204" pitchFamily="34" charset="0"/>
+                <a:cs typeface="Arial" panose="020B0604020202020204" pitchFamily="34" charset="0"/>
+              </a:rPr>
+              <a:t>Deviation, </a:t>
+            </a:r>
+            <a:r>
+              <a:rPr lang="en-US" sz="1800" dirty="0" smtClean="0">
+                <a:solidFill>
+                  <a:schemeClr val="bg2">
+                    <a:lumMod val="25000"/>
+                  </a:schemeClr>
+                </a:solidFill>
+                <a:latin typeface="Arial" panose="020B0604020202020204" pitchFamily="34" charset="0"/>
+                <a:cs typeface="Arial" panose="020B0604020202020204" pitchFamily="34" charset="0"/>
+              </a:rPr>
+              <a:t>		kurtosis</a:t>
+            </a:r>
+          </a:p>
+          <a:p>
+            <a:pPr marL="0" indent="0">
+              <a:buNone/>
+            </a:pPr>
+            <a:r>
+              <a:rPr lang="en-US" sz="1800" dirty="0" smtClean="0">
+                <a:solidFill>
+                  <a:schemeClr val="bg2">
+                    <a:lumMod val="25000"/>
+                  </a:schemeClr>
+                </a:solidFill>
+                <a:latin typeface="Arial" panose="020B0604020202020204" pitchFamily="34" charset="0"/>
+                <a:cs typeface="Arial" panose="020B0604020202020204" pitchFamily="34" charset="0"/>
+              </a:rPr>
+              <a:t>		Skewness			Shannon entropy</a:t>
+            </a:r>
+          </a:p>
+          <a:p>
+            <a:pPr marL="0" indent="0">
+              <a:buNone/>
+            </a:pPr>
+            <a:r>
+              <a:rPr lang="en-US" sz="1800" dirty="0" smtClean="0">
+                <a:solidFill>
+                  <a:schemeClr val="bg2">
+                    <a:lumMod val="25000"/>
+                  </a:schemeClr>
+                </a:solidFill>
+                <a:latin typeface="Arial" panose="020B0604020202020204" pitchFamily="34" charset="0"/>
+                <a:cs typeface="Arial" panose="020B0604020202020204" pitchFamily="34" charset="0"/>
+              </a:rPr>
+              <a:t>		Percentiles 			Max pixel intensity</a:t>
+            </a:r>
+          </a:p>
+          <a:p>
+            <a:pPr marL="0" indent="0">
+              <a:buNone/>
+            </a:pPr>
+            <a:r>
+              <a:rPr lang="en-US" sz="1800" dirty="0">
+                <a:solidFill>
+                  <a:schemeClr val="bg2">
+                    <a:lumMod val="25000"/>
+                  </a:schemeClr>
+                </a:solidFill>
+                <a:latin typeface="Arial" panose="020B0604020202020204" pitchFamily="34" charset="0"/>
+                <a:cs typeface="Arial" panose="020B0604020202020204" pitchFamily="34" charset="0"/>
+              </a:rPr>
+              <a:t>	</a:t>
+            </a:r>
+            <a:r>
+              <a:rPr lang="en-US" sz="1800" dirty="0" smtClean="0">
+                <a:solidFill>
+                  <a:schemeClr val="bg2">
+                    <a:lumMod val="25000"/>
+                  </a:schemeClr>
+                </a:solidFill>
+                <a:latin typeface="Arial" panose="020B0604020202020204" pitchFamily="34" charset="0"/>
+                <a:cs typeface="Arial" panose="020B0604020202020204" pitchFamily="34" charset="0"/>
+              </a:rPr>
+              <a:t>	Sum of pixel intensities		Energy of signal (sum of squared pixels)</a:t>
+            </a:r>
+          </a:p>
+          <a:p>
+            <a:pPr marL="0" indent="0">
+              <a:buNone/>
+            </a:pPr>
+            <a:endParaRPr lang="en-US" sz="1800" dirty="0">
+              <a:solidFill>
+                <a:schemeClr val="bg2">
+                  <a:lumMod val="25000"/>
+                </a:schemeClr>
+              </a:solidFill>
+              <a:latin typeface="Arial" panose="020B0604020202020204" pitchFamily="34" charset="0"/>
+              <a:cs typeface="Arial" panose="020B0604020202020204" pitchFamily="34" charset="0"/>
+            </a:endParaRPr>
+          </a:p>
+          <a:p>
+            <a:pPr marL="0" indent="0">
+              <a:buNone/>
+            </a:pPr>
+            <a:endParaRPr lang="en-US" sz="1800" dirty="0" smtClean="0">
+              <a:solidFill>
+                <a:schemeClr val="bg2">
+                  <a:lumMod val="25000"/>
+                </a:schemeClr>
+              </a:solidFill>
+              <a:latin typeface="Arial" panose="020B0604020202020204" pitchFamily="34" charset="0"/>
+              <a:cs typeface="Arial" panose="020B0604020202020204" pitchFamily="34" charset="0"/>
+            </a:endParaRPr>
+          </a:p>
+          <a:p>
+            <a:pPr marL="0" indent="0">
+              <a:buNone/>
+            </a:pPr>
+            <a:r>
+              <a:rPr lang="en-US" sz="1800" dirty="0" smtClean="0">
+                <a:solidFill>
+                  <a:schemeClr val="bg2">
+                    <a:lumMod val="25000"/>
+                  </a:schemeClr>
+                </a:solidFill>
+                <a:latin typeface="Arial" panose="020B0604020202020204" pitchFamily="34" charset="0"/>
+                <a:cs typeface="Arial" panose="020B0604020202020204" pitchFamily="34" charset="0"/>
+              </a:rPr>
+              <a:t>This also works for time series, sequential data an so on…</a:t>
+            </a:r>
+          </a:p>
+          <a:p>
+            <a:pPr marL="0" indent="0">
+              <a:buNone/>
+            </a:pPr>
+            <a:endParaRPr lang="en-US" sz="1800" dirty="0">
+              <a:solidFill>
+                <a:schemeClr val="bg2">
+                  <a:lumMod val="25000"/>
+                </a:schemeClr>
+              </a:solidFill>
+              <a:latin typeface="Arial" panose="020B0604020202020204" pitchFamily="34" charset="0"/>
+              <a:cs typeface="Arial" panose="020B0604020202020204" pitchFamily="34" charset="0"/>
+            </a:endParaRPr>
+          </a:p>
+          <a:p>
+            <a:pPr marL="0" indent="0">
+              <a:buNone/>
+            </a:pPr>
+            <a:endParaRPr lang="en-US" sz="1800" dirty="0" smtClean="0">
+              <a:solidFill>
+                <a:schemeClr val="bg2">
+                  <a:lumMod val="25000"/>
+                </a:schemeClr>
+              </a:solidFill>
+              <a:latin typeface="Arial" panose="020B0604020202020204" pitchFamily="34" charset="0"/>
+              <a:cs typeface="Arial" panose="020B0604020202020204" pitchFamily="34" charset="0"/>
+            </a:endParaRPr>
+          </a:p>
+          <a:p>
+            <a:pPr marL="0" indent="0">
+              <a:buNone/>
+            </a:pPr>
+            <a:endParaRPr lang="en-US" sz="1800" dirty="0" smtClean="0">
+              <a:solidFill>
+                <a:schemeClr val="bg2">
+                  <a:lumMod val="25000"/>
+                </a:schemeClr>
+              </a:solidFill>
+              <a:latin typeface="Arial" panose="020B0604020202020204" pitchFamily="34" charset="0"/>
+              <a:cs typeface="Arial" panose="020B0604020202020204" pitchFamily="34" charset="0"/>
+            </a:endParaRPr>
+          </a:p>
+        </p:txBody>
+      </p:sp>
+    </p:spTree>
+    <p:extLst>
+      <p:ext uri="{BB962C8B-B14F-4D97-AF65-F5344CB8AC3E}">
+        <p14:creationId xmlns:p14="http://schemas.microsoft.com/office/powerpoint/2010/main" val="980105025"/>
+      </p:ext>
+    </p:extLst>
+  </p:cSld>
+  <p:clrMapOvr>
+    <a:masterClrMapping/>
+  </p:clrMapOvr>
+  <p:timing>
+    <p:tnLst>
+      <p:par>
+        <p:cTn id="1" dur="indefinite" restart="never" nodeType="tmRoot">
+          <p:childTnLst>
+            <p:seq concurrent="1" nextAc="seek">
+              <p:cTn id="2" dur="indefinite" nodeType="mainSeq">
+                <p:childTnLst>
+                  <p:par>
+                    <p:cTn id="3" fill="hold">
+                      <p:stCondLst>
+                        <p:cond delay="indefinite"/>
+                      </p:stCondLst>
+                      <p:childTnLst>
+                        <p:par>
+                          <p:cTn id="4" fill="hold">
+                            <p:stCondLst>
+                              <p:cond delay="0"/>
+                            </p:stCondLst>
+                            <p:childTnLst>
+                              <p:par>
+                                <p:cTn id="5" presetID="10" presetClass="entr" presetSubtype="0" fill="hold" nodeType="clickEffect">
+                                  <p:stCondLst>
+                                    <p:cond delay="0"/>
+                                  </p:stCondLst>
+                                  <p:childTnLst>
+                                    <p:set>
+                                      <p:cBhvr>
+                                        <p:cTn id="6" dur="1" fill="hold">
+                                          <p:stCondLst>
+                                            <p:cond delay="0"/>
+                                          </p:stCondLst>
+                                        </p:cTn>
+                                        <p:tgtEl>
+                                          <p:spTgt spid="41">
+                                            <p:txEl>
+                                              <p:pRg st="0" end="0"/>
+                                            </p:txEl>
+                                          </p:spTgt>
+                                        </p:tgtEl>
+                                        <p:attrNameLst>
+                                          <p:attrName>style.visibility</p:attrName>
+                                        </p:attrNameLst>
+                                      </p:cBhvr>
+                                      <p:to>
+                                        <p:strVal val="visible"/>
+                                      </p:to>
+                                    </p:set>
+                                    <p:animEffect transition="in" filter="fade">
+                                      <p:cBhvr>
+                                        <p:cTn id="7" dur="500"/>
+                                        <p:tgtEl>
+                                          <p:spTgt spid="41">
+                                            <p:txEl>
+                                              <p:pRg st="0" end="0"/>
+                                            </p:txEl>
+                                          </p:spTgt>
+                                        </p:tgtEl>
+                                      </p:cBhvr>
+                                    </p:animEffect>
+                                  </p:childTnLst>
+                                </p:cTn>
+                              </p:par>
+                            </p:childTnLst>
+                          </p:cTn>
+                        </p:par>
+                      </p:childTnLst>
+                    </p:cTn>
+                  </p:par>
+                  <p:par>
+                    <p:cTn id="8" fill="hold">
+                      <p:stCondLst>
+                        <p:cond delay="indefinite"/>
+                      </p:stCondLst>
+                      <p:childTnLst>
+                        <p:par>
+                          <p:cTn id="9" fill="hold">
+                            <p:stCondLst>
+                              <p:cond delay="0"/>
+                            </p:stCondLst>
+                            <p:childTnLst>
+                              <p:par>
+                                <p:cTn id="10" presetID="10" presetClass="entr" presetSubtype="0" fill="hold" nodeType="clickEffect">
+                                  <p:stCondLst>
+                                    <p:cond delay="0"/>
+                                  </p:stCondLst>
+                                  <p:childTnLst>
+                                    <p:set>
+                                      <p:cBhvr>
+                                        <p:cTn id="11" dur="1" fill="hold">
+                                          <p:stCondLst>
+                                            <p:cond delay="0"/>
+                                          </p:stCondLst>
+                                        </p:cTn>
+                                        <p:tgtEl>
+                                          <p:spTgt spid="41">
+                                            <p:txEl>
+                                              <p:pRg st="3" end="3"/>
+                                            </p:txEl>
+                                          </p:spTgt>
+                                        </p:tgtEl>
+                                        <p:attrNameLst>
+                                          <p:attrName>style.visibility</p:attrName>
+                                        </p:attrNameLst>
+                                      </p:cBhvr>
+                                      <p:to>
+                                        <p:strVal val="visible"/>
+                                      </p:to>
+                                    </p:set>
+                                    <p:animEffect transition="in" filter="fade">
+                                      <p:cBhvr>
+                                        <p:cTn id="12" dur="500"/>
+                                        <p:tgtEl>
+                                          <p:spTgt spid="41">
+                                            <p:txEl>
+                                              <p:pRg st="3" end="3"/>
+                                            </p:txEl>
+                                          </p:spTgt>
+                                        </p:tgtEl>
+                                      </p:cBhvr>
+                                    </p:animEffect>
+                                  </p:childTnLst>
+                                </p:cTn>
+                              </p:par>
+                            </p:childTnLst>
+                          </p:cTn>
+                        </p:par>
+                      </p:childTnLst>
+                    </p:cTn>
+                  </p:par>
+                  <p:par>
+                    <p:cTn id="13" fill="hold">
+                      <p:stCondLst>
+                        <p:cond delay="indefinite"/>
+                      </p:stCondLst>
+                      <p:childTnLst>
+                        <p:par>
+                          <p:cTn id="14" fill="hold">
+                            <p:stCondLst>
+                              <p:cond delay="0"/>
+                            </p:stCondLst>
+                            <p:childTnLst>
+                              <p:par>
+                                <p:cTn id="15" presetID="10" presetClass="entr" presetSubtype="0" fill="hold" nodeType="clickEffect">
+                                  <p:stCondLst>
+                                    <p:cond delay="0"/>
+                                  </p:stCondLst>
+                                  <p:childTnLst>
+                                    <p:set>
+                                      <p:cBhvr>
+                                        <p:cTn id="16" dur="1" fill="hold">
+                                          <p:stCondLst>
+                                            <p:cond delay="0"/>
+                                          </p:stCondLst>
+                                        </p:cTn>
+                                        <p:tgtEl>
+                                          <p:spTgt spid="41">
+                                            <p:txEl>
+                                              <p:pRg st="4" end="4"/>
+                                            </p:txEl>
+                                          </p:spTgt>
+                                        </p:tgtEl>
+                                        <p:attrNameLst>
+                                          <p:attrName>style.visibility</p:attrName>
+                                        </p:attrNameLst>
+                                      </p:cBhvr>
+                                      <p:to>
+                                        <p:strVal val="visible"/>
+                                      </p:to>
+                                    </p:set>
+                                    <p:animEffect transition="in" filter="fade">
+                                      <p:cBhvr>
+                                        <p:cTn id="17" dur="500"/>
+                                        <p:tgtEl>
+                                          <p:spTgt spid="41">
+                                            <p:txEl>
+                                              <p:pRg st="4" end="4"/>
+                                            </p:txEl>
+                                          </p:spTgt>
+                                        </p:tgtEl>
+                                      </p:cBhvr>
+                                    </p:animEffect>
+                                  </p:childTnLst>
+                                </p:cTn>
+                              </p:par>
+                            </p:childTnLst>
+                          </p:cTn>
+                        </p:par>
+                      </p:childTnLst>
+                    </p:cTn>
+                  </p:par>
+                  <p:par>
+                    <p:cTn id="18" fill="hold">
+                      <p:stCondLst>
+                        <p:cond delay="indefinite"/>
+                      </p:stCondLst>
+                      <p:childTnLst>
+                        <p:par>
+                          <p:cTn id="19" fill="hold">
+                            <p:stCondLst>
+                              <p:cond delay="0"/>
+                            </p:stCondLst>
+                            <p:childTnLst>
+                              <p:par>
+                                <p:cTn id="20" presetID="10" presetClass="entr" presetSubtype="0" fill="hold" nodeType="clickEffect">
+                                  <p:stCondLst>
+                                    <p:cond delay="0"/>
+                                  </p:stCondLst>
+                                  <p:childTnLst>
+                                    <p:set>
+                                      <p:cBhvr>
+                                        <p:cTn id="21" dur="1" fill="hold">
+                                          <p:stCondLst>
+                                            <p:cond delay="0"/>
+                                          </p:stCondLst>
+                                        </p:cTn>
+                                        <p:tgtEl>
+                                          <p:spTgt spid="41">
+                                            <p:txEl>
+                                              <p:pRg st="5" end="5"/>
+                                            </p:txEl>
+                                          </p:spTgt>
+                                        </p:tgtEl>
+                                        <p:attrNameLst>
+                                          <p:attrName>style.visibility</p:attrName>
+                                        </p:attrNameLst>
+                                      </p:cBhvr>
+                                      <p:to>
+                                        <p:strVal val="visible"/>
+                                      </p:to>
+                                    </p:set>
+                                    <p:animEffect transition="in" filter="fade">
+                                      <p:cBhvr>
+                                        <p:cTn id="22" dur="500"/>
+                                        <p:tgtEl>
+                                          <p:spTgt spid="41">
+                                            <p:txEl>
+                                              <p:pRg st="5" end="5"/>
+                                            </p:txEl>
+                                          </p:spTgt>
+                                        </p:tgtEl>
+                                      </p:cBhvr>
+                                    </p:animEffect>
+                                  </p:childTnLst>
+                                </p:cTn>
+                              </p:par>
+                            </p:childTnLst>
+                          </p:cTn>
+                        </p:par>
+                      </p:childTnLst>
+                    </p:cTn>
+                  </p:par>
+                  <p:par>
+                    <p:cTn id="23" fill="hold">
+                      <p:stCondLst>
+                        <p:cond delay="indefinite"/>
+                      </p:stCondLst>
+                      <p:childTnLst>
+                        <p:par>
+                          <p:cTn id="24" fill="hold">
+                            <p:stCondLst>
+                              <p:cond delay="0"/>
+                            </p:stCondLst>
+                            <p:childTnLst>
+                              <p:par>
+                                <p:cTn id="25" presetID="10" presetClass="entr" presetSubtype="0" fill="hold" nodeType="clickEffect">
+                                  <p:stCondLst>
+                                    <p:cond delay="0"/>
+                                  </p:stCondLst>
+                                  <p:childTnLst>
+                                    <p:set>
+                                      <p:cBhvr>
+                                        <p:cTn id="26" dur="1" fill="hold">
+                                          <p:stCondLst>
+                                            <p:cond delay="0"/>
+                                          </p:stCondLst>
+                                        </p:cTn>
+                                        <p:tgtEl>
+                                          <p:spTgt spid="41">
+                                            <p:txEl>
+                                              <p:pRg st="6" end="6"/>
+                                            </p:txEl>
+                                          </p:spTgt>
+                                        </p:tgtEl>
+                                        <p:attrNameLst>
+                                          <p:attrName>style.visibility</p:attrName>
+                                        </p:attrNameLst>
+                                      </p:cBhvr>
+                                      <p:to>
+                                        <p:strVal val="visible"/>
+                                      </p:to>
+                                    </p:set>
+                                    <p:animEffect transition="in" filter="fade">
+                                      <p:cBhvr>
+                                        <p:cTn id="27" dur="500"/>
+                                        <p:tgtEl>
+                                          <p:spTgt spid="41">
+                                            <p:txEl>
+                                              <p:pRg st="6" end="6"/>
+                                            </p:txEl>
+                                          </p:spTgt>
+                                        </p:tgtEl>
+                                      </p:cBhvr>
+                                    </p:animEffect>
+                                  </p:childTnLst>
+                                </p:cTn>
+                              </p:par>
+                            </p:childTnLst>
+                          </p:cTn>
+                        </p:par>
+                      </p:childTnLst>
+                    </p:cTn>
+                  </p:par>
+                  <p:par>
+                    <p:cTn id="28" fill="hold">
+                      <p:stCondLst>
+                        <p:cond delay="indefinite"/>
+                      </p:stCondLst>
+                      <p:childTnLst>
+                        <p:par>
+                          <p:cTn id="29" fill="hold">
+                            <p:stCondLst>
+                              <p:cond delay="0"/>
+                            </p:stCondLst>
+                            <p:childTnLst>
+                              <p:par>
+                                <p:cTn id="30" presetID="10" presetClass="entr" presetSubtype="0" fill="hold" nodeType="clickEffect">
+                                  <p:stCondLst>
+                                    <p:cond delay="0"/>
+                                  </p:stCondLst>
+                                  <p:childTnLst>
+                                    <p:set>
+                                      <p:cBhvr>
+                                        <p:cTn id="31" dur="1" fill="hold">
+                                          <p:stCondLst>
+                                            <p:cond delay="0"/>
+                                          </p:stCondLst>
+                                        </p:cTn>
+                                        <p:tgtEl>
+                                          <p:spTgt spid="41">
+                                            <p:txEl>
+                                              <p:pRg st="7" end="7"/>
+                                            </p:txEl>
+                                          </p:spTgt>
+                                        </p:tgtEl>
+                                        <p:attrNameLst>
+                                          <p:attrName>style.visibility</p:attrName>
+                                        </p:attrNameLst>
+                                      </p:cBhvr>
+                                      <p:to>
+                                        <p:strVal val="visible"/>
+                                      </p:to>
+                                    </p:set>
+                                    <p:animEffect transition="in" filter="fade">
+                                      <p:cBhvr>
+                                        <p:cTn id="32" dur="500"/>
+                                        <p:tgtEl>
+                                          <p:spTgt spid="41">
+                                            <p:txEl>
+                                              <p:pRg st="7" end="7"/>
+                                            </p:txEl>
+                                          </p:spTgt>
+                                        </p:tgtEl>
+                                      </p:cBhvr>
+                                    </p:animEffect>
+                                  </p:childTnLst>
+                                </p:cTn>
+                              </p:par>
+                            </p:childTnLst>
+                          </p:cTn>
+                        </p:par>
+                      </p:childTnLst>
+                    </p:cTn>
+                  </p:par>
+                  <p:par>
+                    <p:cTn id="33" fill="hold">
+                      <p:stCondLst>
+                        <p:cond delay="indefinite"/>
+                      </p:stCondLst>
+                      <p:childTnLst>
+                        <p:par>
+                          <p:cTn id="34" fill="hold">
+                            <p:stCondLst>
+                              <p:cond delay="0"/>
+                            </p:stCondLst>
+                            <p:childTnLst>
+                              <p:par>
+                                <p:cTn id="35" presetID="10" presetClass="entr" presetSubtype="0" fill="hold" nodeType="clickEffect">
+                                  <p:stCondLst>
+                                    <p:cond delay="0"/>
+                                  </p:stCondLst>
+                                  <p:childTnLst>
+                                    <p:set>
+                                      <p:cBhvr>
+                                        <p:cTn id="36" dur="1" fill="hold">
+                                          <p:stCondLst>
+                                            <p:cond delay="0"/>
+                                          </p:stCondLst>
+                                        </p:cTn>
+                                        <p:tgtEl>
+                                          <p:spTgt spid="41">
+                                            <p:txEl>
+                                              <p:pRg st="10" end="10"/>
+                                            </p:txEl>
+                                          </p:spTgt>
+                                        </p:tgtEl>
+                                        <p:attrNameLst>
+                                          <p:attrName>style.visibility</p:attrName>
+                                        </p:attrNameLst>
+                                      </p:cBhvr>
+                                      <p:to>
+                                        <p:strVal val="visible"/>
+                                      </p:to>
+                                    </p:set>
+                                    <p:animEffect transition="in" filter="fade">
+                                      <p:cBhvr>
+                                        <p:cTn id="37" dur="500"/>
+                                        <p:tgtEl>
+                                          <p:spTgt spid="41">
+                                            <p:txEl>
+                                              <p:pRg st="10" end="10"/>
+                                            </p:txEl>
+                                          </p:spTgt>
+                                        </p:tgtEl>
+                                      </p:cBhvr>
+                                    </p:animEffect>
+                                  </p:childTnLst>
+                                </p:cTn>
+                              </p:par>
+                            </p:childTnLst>
+                          </p:cTn>
+                        </p:par>
+                      </p:childTnLst>
+                    </p:cTn>
+                  </p:par>
+                </p:childTnLst>
+              </p:cTn>
+              <p:prevCondLst>
+                <p:cond evt="onPrev" delay="0">
+                  <p:tgtEl>
+                    <p:sldTgt/>
+                  </p:tgtEl>
+                </p:cond>
+              </p:prevCondLst>
+              <p:nextCondLst>
+                <p:cond evt="onNext" delay="0">
+                  <p:tgtEl>
+                    <p:sldTgt/>
+                  </p:tgtEl>
+                </p:cond>
+              </p:nextCondLst>
+            </p:seq>
+          </p:childTnLst>
+        </p:cTn>
+      </p:par>
+    </p:tnLst>
+  </p:timing>
+</p:sld>
+</file>
+
+<file path=ppt/slides/slide11.xml><?xml version="1.0" encoding="utf-8"?>
 <p:sld xmlns:a="http://schemas.openxmlformats.org/drawingml/2006/main" xmlns:r="http://schemas.openxmlformats.org/officeDocument/2006/relationships" xmlns:p="http://schemas.openxmlformats.org/presentationml/2006/main">
   <p:cSld>
     <p:spTree>
@@ -4302,7 +5293,7 @@
 </p:sld>
 </file>
 
-<file path=ppt/slides/slide11.xml><?xml version="1.0" encoding="utf-8"?>
+<file path=ppt/slides/slide12.xml><?xml version="1.0" encoding="utf-8"?>
 <p:sld xmlns:a="http://schemas.openxmlformats.org/drawingml/2006/main" xmlns:r="http://schemas.openxmlformats.org/officeDocument/2006/relationships" xmlns:p="http://schemas.openxmlformats.org/presentationml/2006/main">
   <p:cSld>
     <p:spTree>
@@ -5078,7 +6069,7 @@
 </p:sld>
 </file>
 
-<file path=ppt/slides/slide12.xml><?xml version="1.0" encoding="utf-8"?>
+<file path=ppt/slides/slide13.xml><?xml version="1.0" encoding="utf-8"?>
 <p:sld xmlns:a="http://schemas.openxmlformats.org/drawingml/2006/main" xmlns:r="http://schemas.openxmlformats.org/officeDocument/2006/relationships" xmlns:p="http://schemas.openxmlformats.org/presentationml/2006/main">
   <p:cSld>
     <p:spTree>
@@ -5180,6 +6171,52 @@
           </a:prstGeom>
         </p:spPr>
       </p:pic>
+      <p:sp>
+        <p:nvSpPr>
+          <p:cNvPr id="4" name="Rectangle 3"/>
+          <p:cNvSpPr/>
+          <p:nvPr/>
+        </p:nvSpPr>
+        <p:spPr>
+          <a:xfrm>
+            <a:off x="2248520" y="4478865"/>
+            <a:ext cx="7521497" cy="382859"/>
+          </a:xfrm>
+          <a:prstGeom prst="rect">
+            <a:avLst/>
+          </a:prstGeom>
+          <a:noFill/>
+          <a:ln w="38100">
+            <a:solidFill>
+              <a:srgbClr val="FF0000"/>
+            </a:solidFill>
+          </a:ln>
+        </p:spPr>
+        <p:style>
+          <a:lnRef idx="2">
+            <a:schemeClr val="accent1">
+              <a:shade val="50000"/>
+            </a:schemeClr>
+          </a:lnRef>
+          <a:fillRef idx="1">
+            <a:schemeClr val="accent1"/>
+          </a:fillRef>
+          <a:effectRef idx="0">
+            <a:schemeClr val="accent1"/>
+          </a:effectRef>
+          <a:fontRef idx="minor">
+            <a:schemeClr val="lt1"/>
+          </a:fontRef>
+        </p:style>
+        <p:txBody>
+          <a:bodyPr rtlCol="0" anchor="ctr"/>
+          <a:lstStyle/>
+          <a:p>
+            <a:pPr algn="ctr"/>
+            <a:endParaRPr lang="de-DE"/>
+          </a:p>
+        </p:txBody>
+      </p:sp>
     </p:spTree>
     <p:extLst>
       <p:ext uri="{BB962C8B-B14F-4D97-AF65-F5344CB8AC3E}">
@@ -5193,14 +6230,93 @@
   <p:timing>
     <p:tnLst>
       <p:par>
-        <p:cTn id="1" dur="indefinite" restart="never" nodeType="tmRoot"/>
+        <p:cTn id="1" dur="indefinite" restart="never" nodeType="tmRoot">
+          <p:childTnLst>
+            <p:seq concurrent="1" nextAc="seek">
+              <p:cTn id="2" dur="indefinite" nodeType="mainSeq">
+                <p:childTnLst>
+                  <p:par>
+                    <p:cTn id="3" fill="hold">
+                      <p:stCondLst>
+                        <p:cond delay="indefinite"/>
+                      </p:stCondLst>
+                      <p:childTnLst>
+                        <p:par>
+                          <p:cTn id="4" fill="hold">
+                            <p:stCondLst>
+                              <p:cond delay="0"/>
+                            </p:stCondLst>
+                            <p:childTnLst>
+                              <p:par>
+                                <p:cTn id="5" presetID="10" presetClass="entr" presetSubtype="0" fill="hold" grpId="0" nodeType="clickEffect">
+                                  <p:stCondLst>
+                                    <p:cond delay="0"/>
+                                  </p:stCondLst>
+                                  <p:childTnLst>
+                                    <p:set>
+                                      <p:cBhvr>
+                                        <p:cTn id="6" dur="1" fill="hold">
+                                          <p:stCondLst>
+                                            <p:cond delay="0"/>
+                                          </p:stCondLst>
+                                        </p:cTn>
+                                        <p:tgtEl>
+                                          <p:spTgt spid="4"/>
+                                        </p:tgtEl>
+                                        <p:attrNameLst>
+                                          <p:attrName>style.visibility</p:attrName>
+                                        </p:attrNameLst>
+                                      </p:cBhvr>
+                                      <p:to>
+                                        <p:strVal val="visible"/>
+                                      </p:to>
+                                    </p:set>
+                                    <p:animEffect transition="in" filter="fade">
+                                      <p:cBhvr>
+                                        <p:cTn id="7" dur="500"/>
+                                        <p:tgtEl>
+                                          <p:spTgt spid="4"/>
+                                        </p:tgtEl>
+                                      </p:cBhvr>
+                                    </p:animEffect>
+                                  </p:childTnLst>
+                                </p:cTn>
+                              </p:par>
+                            </p:childTnLst>
+                          </p:cTn>
+                        </p:par>
+                      </p:childTnLst>
+                    </p:cTn>
+                  </p:par>
+                </p:childTnLst>
+              </p:cTn>
+              <p:prevCondLst>
+                <p:cond evt="onPrev" delay="0">
+                  <p:tgtEl>
+                    <p:sldTgt/>
+                  </p:tgtEl>
+                </p:cond>
+              </p:prevCondLst>
+              <p:nextCondLst>
+                <p:cond evt="onNext" delay="0">
+                  <p:tgtEl>
+                    <p:sldTgt/>
+                  </p:tgtEl>
+                </p:cond>
+              </p:nextCondLst>
+            </p:seq>
+          </p:childTnLst>
+        </p:cTn>
       </p:par>
     </p:tnLst>
+    <p:bldLst>
+      <p:bldP spid="4" grpId="0" animBg="1"/>
+    </p:bldLst>
   </p:timing>
 </p:sld>
 </file>
 
-<file path=ppt/slides/slide13.xml><?xml version="1.0" encoding="utf-8"?>
+<file path=ppt/slides/slide14.xml><?xml version="1.0" encoding="utf-8"?>
 <p:sld xmlns:a="http://schemas.openxmlformats.org/drawingml/2006/main" xmlns:r="http://schemas.openxmlformats.org/officeDocument/2006/relationships" xmlns:p="http://schemas.openxmlformats.org/presentationml/2006/main">
   <p:cSld>
     <p:spTree>
@@ -5322,7 +6438,7 @@
 </p:sld>
 </file>
 
-<file path=ppt/slides/slide14.xml><?xml version="1.0" encoding="utf-8"?>
+<file path=ppt/slides/slide15.xml><?xml version="1.0" encoding="utf-8"?>
 <p:sld xmlns:a="http://schemas.openxmlformats.org/drawingml/2006/main" xmlns:r="http://schemas.openxmlformats.org/officeDocument/2006/relationships" xmlns:p="http://schemas.openxmlformats.org/presentationml/2006/main">
   <p:cSld>
     <p:spTree>
@@ -5444,7 +6560,7 @@
 </p:sld>
 </file>
 
-<file path=ppt/slides/slide15.xml><?xml version="1.0" encoding="utf-8"?>
+<file path=ppt/slides/slide16.xml><?xml version="1.0" encoding="utf-8"?>
 <p:sld xmlns:a="http://schemas.openxmlformats.org/drawingml/2006/main" xmlns:r="http://schemas.openxmlformats.org/officeDocument/2006/relationships" xmlns:p="http://schemas.openxmlformats.org/presentationml/2006/main">
   <p:cSld>
     <p:spTree>
@@ -5650,7 +6766,7 @@
 </p:sld>
 </file>
 
-<file path=ppt/slides/slide16.xml><?xml version="1.0" encoding="utf-8"?>
+<file path=ppt/slides/slide17.xml><?xml version="1.0" encoding="utf-8"?>
 <p:sld xmlns:a="http://schemas.openxmlformats.org/drawingml/2006/main" xmlns:r="http://schemas.openxmlformats.org/officeDocument/2006/relationships" xmlns:p="http://schemas.openxmlformats.org/presentationml/2006/main">
   <p:cSld>
     <p:spTree>
@@ -6582,7 +7698,7 @@
 </p:sld>
 </file>
 
-<file path=ppt/slides/slide17.xml><?xml version="1.0" encoding="utf-8"?>
+<file path=ppt/slides/slide18.xml><?xml version="1.0" encoding="utf-8"?>
 <p:sld xmlns:a="http://schemas.openxmlformats.org/drawingml/2006/main" xmlns:r="http://schemas.openxmlformats.org/officeDocument/2006/relationships" xmlns:p="http://schemas.openxmlformats.org/presentationml/2006/main">
   <p:cSld>
     <p:spTree>
@@ -6674,6 +7790,52 @@
           </a:prstGeom>
         </p:spPr>
       </p:pic>
+      <p:sp>
+        <p:nvSpPr>
+          <p:cNvPr id="4" name="Rectangle 3"/>
+          <p:cNvSpPr/>
+          <p:nvPr/>
+        </p:nvSpPr>
+        <p:spPr>
+          <a:xfrm>
+            <a:off x="1926787" y="4724399"/>
+            <a:ext cx="7521497" cy="370159"/>
+          </a:xfrm>
+          <a:prstGeom prst="rect">
+            <a:avLst/>
+          </a:prstGeom>
+          <a:noFill/>
+          <a:ln w="38100">
+            <a:solidFill>
+              <a:srgbClr val="FF0000"/>
+            </a:solidFill>
+          </a:ln>
+        </p:spPr>
+        <p:style>
+          <a:lnRef idx="2">
+            <a:schemeClr val="accent1">
+              <a:shade val="50000"/>
+            </a:schemeClr>
+          </a:lnRef>
+          <a:fillRef idx="1">
+            <a:schemeClr val="accent1"/>
+          </a:fillRef>
+          <a:effectRef idx="0">
+            <a:schemeClr val="accent1"/>
+          </a:effectRef>
+          <a:fontRef idx="minor">
+            <a:schemeClr val="lt1"/>
+          </a:fontRef>
+        </p:style>
+        <p:txBody>
+          <a:bodyPr rtlCol="0" anchor="ctr"/>
+          <a:lstStyle/>
+          <a:p>
+            <a:pPr algn="ctr"/>
+            <a:endParaRPr lang="de-DE"/>
+          </a:p>
+        </p:txBody>
+      </p:sp>
     </p:spTree>
     <p:extLst>
       <p:ext uri="{BB962C8B-B14F-4D97-AF65-F5344CB8AC3E}">
@@ -6687,14 +7849,93 @@
   <p:timing>
     <p:tnLst>
       <p:par>
-        <p:cTn id="1" dur="indefinite" restart="never" nodeType="tmRoot"/>
+        <p:cTn id="1" dur="indefinite" restart="never" nodeType="tmRoot">
+          <p:childTnLst>
+            <p:seq concurrent="1" nextAc="seek">
+              <p:cTn id="2" dur="indefinite" nodeType="mainSeq">
+                <p:childTnLst>
+                  <p:par>
+                    <p:cTn id="3" fill="hold">
+                      <p:stCondLst>
+                        <p:cond delay="indefinite"/>
+                      </p:stCondLst>
+                      <p:childTnLst>
+                        <p:par>
+                          <p:cTn id="4" fill="hold">
+                            <p:stCondLst>
+                              <p:cond delay="0"/>
+                            </p:stCondLst>
+                            <p:childTnLst>
+                              <p:par>
+                                <p:cTn id="5" presetID="10" presetClass="entr" presetSubtype="0" fill="hold" grpId="0" nodeType="clickEffect">
+                                  <p:stCondLst>
+                                    <p:cond delay="0"/>
+                                  </p:stCondLst>
+                                  <p:childTnLst>
+                                    <p:set>
+                                      <p:cBhvr>
+                                        <p:cTn id="6" dur="1" fill="hold">
+                                          <p:stCondLst>
+                                            <p:cond delay="0"/>
+                                          </p:stCondLst>
+                                        </p:cTn>
+                                        <p:tgtEl>
+                                          <p:spTgt spid="4"/>
+                                        </p:tgtEl>
+                                        <p:attrNameLst>
+                                          <p:attrName>style.visibility</p:attrName>
+                                        </p:attrNameLst>
+                                      </p:cBhvr>
+                                      <p:to>
+                                        <p:strVal val="visible"/>
+                                      </p:to>
+                                    </p:set>
+                                    <p:animEffect transition="in" filter="fade">
+                                      <p:cBhvr>
+                                        <p:cTn id="7" dur="500"/>
+                                        <p:tgtEl>
+                                          <p:spTgt spid="4"/>
+                                        </p:tgtEl>
+                                      </p:cBhvr>
+                                    </p:animEffect>
+                                  </p:childTnLst>
+                                </p:cTn>
+                              </p:par>
+                            </p:childTnLst>
+                          </p:cTn>
+                        </p:par>
+                      </p:childTnLst>
+                    </p:cTn>
+                  </p:par>
+                </p:childTnLst>
+              </p:cTn>
+              <p:prevCondLst>
+                <p:cond evt="onPrev" delay="0">
+                  <p:tgtEl>
+                    <p:sldTgt/>
+                  </p:tgtEl>
+                </p:cond>
+              </p:prevCondLst>
+              <p:nextCondLst>
+                <p:cond evt="onNext" delay="0">
+                  <p:tgtEl>
+                    <p:sldTgt/>
+                  </p:tgtEl>
+                </p:cond>
+              </p:nextCondLst>
+            </p:seq>
+          </p:childTnLst>
+        </p:cTn>
       </p:par>
     </p:tnLst>
+    <p:bldLst>
+      <p:bldP spid="4" grpId="0" animBg="1"/>
+    </p:bldLst>
   </p:timing>
 </p:sld>
 </file>
 
-<file path=ppt/slides/slide18.xml><?xml version="1.0" encoding="utf-8"?>
+<file path=ppt/slides/slide19.xml><?xml version="1.0" encoding="utf-8"?>
 <p:sld xmlns:a="http://schemas.openxmlformats.org/drawingml/2006/main" xmlns:r="http://schemas.openxmlformats.org/officeDocument/2006/relationships" xmlns:p="http://schemas.openxmlformats.org/presentationml/2006/main">
   <p:cSld>
     <p:spTree>
@@ -6790,203 +8031,6 @@
     <p:extLst>
       <p:ext uri="{BB962C8B-B14F-4D97-AF65-F5344CB8AC3E}">
         <p14:creationId xmlns:p14="http://schemas.microsoft.com/office/powerpoint/2010/main" val="3711549471"/>
-      </p:ext>
-    </p:extLst>
-  </p:cSld>
-  <p:clrMapOvr>
-    <a:masterClrMapping/>
-  </p:clrMapOvr>
-  <p:timing>
-    <p:tnLst>
-      <p:par>
-        <p:cTn id="1" dur="indefinite" restart="never" nodeType="tmRoot"/>
-      </p:par>
-    </p:tnLst>
-  </p:timing>
-</p:sld>
-</file>
-
-<file path=ppt/slides/slide19.xml><?xml version="1.0" encoding="utf-8"?>
-<p:sld xmlns:a="http://schemas.openxmlformats.org/drawingml/2006/main" xmlns:r="http://schemas.openxmlformats.org/officeDocument/2006/relationships" xmlns:p="http://schemas.openxmlformats.org/presentationml/2006/main">
-  <p:cSld>
-    <p:spTree>
-      <p:nvGrpSpPr>
-        <p:cNvPr id="1" name=""/>
-        <p:cNvGrpSpPr/>
-        <p:nvPr/>
-      </p:nvGrpSpPr>
-      <p:grpSpPr>
-        <a:xfrm>
-          <a:off x="0" y="0"/>
-          <a:ext cx="0" cy="0"/>
-          <a:chOff x="0" y="0"/>
-          <a:chExt cx="0" cy="0"/>
-        </a:xfrm>
-      </p:grpSpPr>
-      <p:sp>
-        <p:nvSpPr>
-          <p:cNvPr id="2" name="Title 1"/>
-          <p:cNvSpPr>
-            <a:spLocks noGrp="1"/>
-          </p:cNvSpPr>
-          <p:nvPr>
-            <p:ph type="title"/>
-          </p:nvPr>
-        </p:nvSpPr>
-        <p:spPr/>
-        <p:txBody>
-          <a:bodyPr/>
-          <a:lstStyle/>
-          <a:p>
-            <a:r>
-              <a:rPr lang="de-DE" dirty="0" smtClean="0">
-                <a:solidFill>
-                  <a:schemeClr val="accent1"/>
-                </a:solidFill>
-                <a:latin typeface="Arial" panose="020B0604020202020204" pitchFamily="34" charset="0"/>
-                <a:cs typeface="Arial" panose="020B0604020202020204" pitchFamily="34" charset="0"/>
-              </a:rPr>
-              <a:t>Agenda</a:t>
-            </a:r>
-            <a:endParaRPr lang="de-DE" dirty="0">
-              <a:solidFill>
-                <a:schemeClr val="accent1"/>
-              </a:solidFill>
-              <a:latin typeface="Arial" panose="020B0604020202020204" pitchFamily="34" charset="0"/>
-              <a:cs typeface="Arial" panose="020B0604020202020204" pitchFamily="34" charset="0"/>
-            </a:endParaRPr>
-          </a:p>
-        </p:txBody>
-      </p:sp>
-      <p:sp>
-        <p:nvSpPr>
-          <p:cNvPr id="3" name="Content Placeholder 2"/>
-          <p:cNvSpPr>
-            <a:spLocks noGrp="1"/>
-          </p:cNvSpPr>
-          <p:nvPr>
-            <p:ph idx="1"/>
-          </p:nvPr>
-        </p:nvSpPr>
-        <p:spPr/>
-        <p:txBody>
-          <a:bodyPr>
-            <a:normAutofit/>
-          </a:bodyPr>
-          <a:lstStyle/>
-          <a:p>
-            <a:r>
-              <a:rPr lang="en-US" sz="2400" dirty="0">
-                <a:solidFill>
-                  <a:schemeClr val="bg2">
-                    <a:lumMod val="75000"/>
-                  </a:schemeClr>
-                </a:solidFill>
-                <a:latin typeface="Arial" panose="020B0604020202020204" pitchFamily="34" charset="0"/>
-                <a:cs typeface="Arial" panose="020B0604020202020204" pitchFamily="34" charset="0"/>
-              </a:rPr>
-              <a:t>Introduction</a:t>
-            </a:r>
-          </a:p>
-          <a:p>
-            <a:r>
-              <a:rPr lang="en-US" sz="2400" dirty="0">
-                <a:solidFill>
-                  <a:schemeClr val="bg2">
-                    <a:lumMod val="75000"/>
-                  </a:schemeClr>
-                </a:solidFill>
-                <a:latin typeface="Arial" panose="020B0604020202020204" pitchFamily="34" charset="0"/>
-                <a:cs typeface="Arial" panose="020B0604020202020204" pitchFamily="34" charset="0"/>
-              </a:rPr>
-              <a:t>Statistical features</a:t>
-            </a:r>
-          </a:p>
-          <a:p>
-            <a:r>
-              <a:rPr lang="en-US" sz="2400" dirty="0">
-                <a:solidFill>
-                  <a:schemeClr val="bg2">
-                    <a:lumMod val="75000"/>
-                  </a:schemeClr>
-                </a:solidFill>
-                <a:latin typeface="Arial" panose="020B0604020202020204" pitchFamily="34" charset="0"/>
-                <a:cs typeface="Arial" panose="020B0604020202020204" pitchFamily="34" charset="0"/>
-              </a:rPr>
-              <a:t>GLCM features</a:t>
-            </a:r>
-          </a:p>
-          <a:p>
-            <a:r>
-              <a:rPr lang="en-US" sz="2400" dirty="0">
-                <a:solidFill>
-                  <a:schemeClr val="bg2">
-                    <a:lumMod val="25000"/>
-                  </a:schemeClr>
-                </a:solidFill>
-                <a:latin typeface="Arial" panose="020B0604020202020204" pitchFamily="34" charset="0"/>
-                <a:cs typeface="Arial" panose="020B0604020202020204" pitchFamily="34" charset="0"/>
-              </a:rPr>
-              <a:t>Single-cell features</a:t>
-            </a:r>
-          </a:p>
-          <a:p>
-            <a:r>
-              <a:rPr lang="en-US" sz="2400" dirty="0">
-                <a:solidFill>
-                  <a:schemeClr val="bg2">
-                    <a:lumMod val="75000"/>
-                  </a:schemeClr>
-                </a:solidFill>
-                <a:latin typeface="Arial" panose="020B0604020202020204" pitchFamily="34" charset="0"/>
-                <a:cs typeface="Arial" panose="020B0604020202020204" pitchFamily="34" charset="0"/>
-              </a:rPr>
-              <a:t>Other Features</a:t>
-            </a:r>
-          </a:p>
-          <a:p>
-            <a:r>
-              <a:rPr lang="en-US" sz="2400" dirty="0">
-                <a:solidFill>
-                  <a:schemeClr val="bg2">
-                    <a:lumMod val="75000"/>
-                  </a:schemeClr>
-                </a:solidFill>
-                <a:latin typeface="Arial" panose="020B0604020202020204" pitchFamily="34" charset="0"/>
-                <a:cs typeface="Arial" panose="020B0604020202020204" pitchFamily="34" charset="0"/>
-              </a:rPr>
-              <a:t>Recommendation</a:t>
-            </a:r>
-          </a:p>
-          <a:p>
-            <a:pPr lvl="1"/>
-            <a:endParaRPr lang="en-US" sz="2000" dirty="0" smtClean="0">
-              <a:solidFill>
-                <a:schemeClr val="bg2">
-                  <a:lumMod val="25000"/>
-                </a:schemeClr>
-              </a:solidFill>
-              <a:latin typeface="Arial" panose="020B0604020202020204" pitchFamily="34" charset="0"/>
-              <a:cs typeface="Arial" panose="020B0604020202020204" pitchFamily="34" charset="0"/>
-            </a:endParaRPr>
-          </a:p>
-          <a:p>
-            <a:endParaRPr lang="en-US" sz="2400" dirty="0">
-              <a:solidFill>
-                <a:schemeClr val="bg2">
-                  <a:lumMod val="25000"/>
-                </a:schemeClr>
-              </a:solidFill>
-              <a:latin typeface="Arial" panose="020B0604020202020204" pitchFamily="34" charset="0"/>
-              <a:cs typeface="Arial" panose="020B0604020202020204" pitchFamily="34" charset="0"/>
-            </a:endParaRPr>
-          </a:p>
-        </p:txBody>
-      </p:sp>
-    </p:spTree>
-    <p:extLst>
-      <p:ext uri="{BB962C8B-B14F-4D97-AF65-F5344CB8AC3E}">
-        <p14:creationId xmlns:p14="http://schemas.microsoft.com/office/powerpoint/2010/main" val="3172235550"/>
       </p:ext>
     </p:extLst>
   </p:cSld>
@@ -7233,6 +8277,203 @@
           <a:lstStyle/>
           <a:p>
             <a:r>
+              <a:rPr lang="de-DE" dirty="0" smtClean="0">
+                <a:solidFill>
+                  <a:schemeClr val="accent1"/>
+                </a:solidFill>
+                <a:latin typeface="Arial" panose="020B0604020202020204" pitchFamily="34" charset="0"/>
+                <a:cs typeface="Arial" panose="020B0604020202020204" pitchFamily="34" charset="0"/>
+              </a:rPr>
+              <a:t>Agenda</a:t>
+            </a:r>
+            <a:endParaRPr lang="de-DE" dirty="0">
+              <a:solidFill>
+                <a:schemeClr val="accent1"/>
+              </a:solidFill>
+              <a:latin typeface="Arial" panose="020B0604020202020204" pitchFamily="34" charset="0"/>
+              <a:cs typeface="Arial" panose="020B0604020202020204" pitchFamily="34" charset="0"/>
+            </a:endParaRPr>
+          </a:p>
+        </p:txBody>
+      </p:sp>
+      <p:sp>
+        <p:nvSpPr>
+          <p:cNvPr id="3" name="Content Placeholder 2"/>
+          <p:cNvSpPr>
+            <a:spLocks noGrp="1"/>
+          </p:cNvSpPr>
+          <p:nvPr>
+            <p:ph idx="1"/>
+          </p:nvPr>
+        </p:nvSpPr>
+        <p:spPr/>
+        <p:txBody>
+          <a:bodyPr>
+            <a:normAutofit/>
+          </a:bodyPr>
+          <a:lstStyle/>
+          <a:p>
+            <a:r>
+              <a:rPr lang="en-US" sz="2400" dirty="0">
+                <a:solidFill>
+                  <a:schemeClr val="bg2">
+                    <a:lumMod val="75000"/>
+                  </a:schemeClr>
+                </a:solidFill>
+                <a:latin typeface="Arial" panose="020B0604020202020204" pitchFamily="34" charset="0"/>
+                <a:cs typeface="Arial" panose="020B0604020202020204" pitchFamily="34" charset="0"/>
+              </a:rPr>
+              <a:t>Introduction</a:t>
+            </a:r>
+          </a:p>
+          <a:p>
+            <a:r>
+              <a:rPr lang="en-US" sz="2400" dirty="0">
+                <a:solidFill>
+                  <a:schemeClr val="bg2">
+                    <a:lumMod val="75000"/>
+                  </a:schemeClr>
+                </a:solidFill>
+                <a:latin typeface="Arial" panose="020B0604020202020204" pitchFamily="34" charset="0"/>
+                <a:cs typeface="Arial" panose="020B0604020202020204" pitchFamily="34" charset="0"/>
+              </a:rPr>
+              <a:t>Statistical features</a:t>
+            </a:r>
+          </a:p>
+          <a:p>
+            <a:r>
+              <a:rPr lang="en-US" sz="2400" dirty="0">
+                <a:solidFill>
+                  <a:schemeClr val="bg2">
+                    <a:lumMod val="75000"/>
+                  </a:schemeClr>
+                </a:solidFill>
+                <a:latin typeface="Arial" panose="020B0604020202020204" pitchFamily="34" charset="0"/>
+                <a:cs typeface="Arial" panose="020B0604020202020204" pitchFamily="34" charset="0"/>
+              </a:rPr>
+              <a:t>GLCM features</a:t>
+            </a:r>
+          </a:p>
+          <a:p>
+            <a:r>
+              <a:rPr lang="en-US" sz="2400" dirty="0">
+                <a:solidFill>
+                  <a:schemeClr val="bg2">
+                    <a:lumMod val="25000"/>
+                  </a:schemeClr>
+                </a:solidFill>
+                <a:latin typeface="Arial" panose="020B0604020202020204" pitchFamily="34" charset="0"/>
+                <a:cs typeface="Arial" panose="020B0604020202020204" pitchFamily="34" charset="0"/>
+              </a:rPr>
+              <a:t>Single-cell features</a:t>
+            </a:r>
+          </a:p>
+          <a:p>
+            <a:r>
+              <a:rPr lang="en-US" sz="2400" dirty="0">
+                <a:solidFill>
+                  <a:schemeClr val="bg2">
+                    <a:lumMod val="75000"/>
+                  </a:schemeClr>
+                </a:solidFill>
+                <a:latin typeface="Arial" panose="020B0604020202020204" pitchFamily="34" charset="0"/>
+                <a:cs typeface="Arial" panose="020B0604020202020204" pitchFamily="34" charset="0"/>
+              </a:rPr>
+              <a:t>Other Features</a:t>
+            </a:r>
+          </a:p>
+          <a:p>
+            <a:r>
+              <a:rPr lang="en-US" sz="2400" dirty="0">
+                <a:solidFill>
+                  <a:schemeClr val="bg2">
+                    <a:lumMod val="75000"/>
+                  </a:schemeClr>
+                </a:solidFill>
+                <a:latin typeface="Arial" panose="020B0604020202020204" pitchFamily="34" charset="0"/>
+                <a:cs typeface="Arial" panose="020B0604020202020204" pitchFamily="34" charset="0"/>
+              </a:rPr>
+              <a:t>Recommendation</a:t>
+            </a:r>
+          </a:p>
+          <a:p>
+            <a:pPr lvl="1"/>
+            <a:endParaRPr lang="en-US" sz="2000" dirty="0" smtClean="0">
+              <a:solidFill>
+                <a:schemeClr val="bg2">
+                  <a:lumMod val="25000"/>
+                </a:schemeClr>
+              </a:solidFill>
+              <a:latin typeface="Arial" panose="020B0604020202020204" pitchFamily="34" charset="0"/>
+              <a:cs typeface="Arial" panose="020B0604020202020204" pitchFamily="34" charset="0"/>
+            </a:endParaRPr>
+          </a:p>
+          <a:p>
+            <a:endParaRPr lang="en-US" sz="2400" dirty="0">
+              <a:solidFill>
+                <a:schemeClr val="bg2">
+                  <a:lumMod val="25000"/>
+                </a:schemeClr>
+              </a:solidFill>
+              <a:latin typeface="Arial" panose="020B0604020202020204" pitchFamily="34" charset="0"/>
+              <a:cs typeface="Arial" panose="020B0604020202020204" pitchFamily="34" charset="0"/>
+            </a:endParaRPr>
+          </a:p>
+        </p:txBody>
+      </p:sp>
+    </p:spTree>
+    <p:extLst>
+      <p:ext uri="{BB962C8B-B14F-4D97-AF65-F5344CB8AC3E}">
+        <p14:creationId xmlns:p14="http://schemas.microsoft.com/office/powerpoint/2010/main" val="3172235550"/>
+      </p:ext>
+    </p:extLst>
+  </p:cSld>
+  <p:clrMapOvr>
+    <a:masterClrMapping/>
+  </p:clrMapOvr>
+  <p:timing>
+    <p:tnLst>
+      <p:par>
+        <p:cTn id="1" dur="indefinite" restart="never" nodeType="tmRoot"/>
+      </p:par>
+    </p:tnLst>
+  </p:timing>
+</p:sld>
+</file>
+
+<file path=ppt/slides/slide21.xml><?xml version="1.0" encoding="utf-8"?>
+<p:sld xmlns:a="http://schemas.openxmlformats.org/drawingml/2006/main" xmlns:r="http://schemas.openxmlformats.org/officeDocument/2006/relationships" xmlns:p="http://schemas.openxmlformats.org/presentationml/2006/main">
+  <p:cSld>
+    <p:spTree>
+      <p:nvGrpSpPr>
+        <p:cNvPr id="1" name=""/>
+        <p:cNvGrpSpPr/>
+        <p:nvPr/>
+      </p:nvGrpSpPr>
+      <p:grpSpPr>
+        <a:xfrm>
+          <a:off x="0" y="0"/>
+          <a:ext cx="0" cy="0"/>
+          <a:chOff x="0" y="0"/>
+          <a:chExt cx="0" cy="0"/>
+        </a:xfrm>
+      </p:grpSpPr>
+      <p:sp>
+        <p:nvSpPr>
+          <p:cNvPr id="2" name="Title 1"/>
+          <p:cNvSpPr>
+            <a:spLocks noGrp="1"/>
+          </p:cNvSpPr>
+          <p:nvPr>
+            <p:ph type="title"/>
+          </p:nvPr>
+        </p:nvSpPr>
+        <p:spPr/>
+        <p:txBody>
+          <a:bodyPr/>
+          <a:lstStyle/>
+          <a:p>
+            <a:r>
               <a:rPr lang="en-US" dirty="0" smtClean="0">
                 <a:solidFill>
                   <a:schemeClr val="accent1"/>
@@ -7807,7 +9048,7 @@
 </p:sld>
 </file>
 
-<file path=ppt/slides/slide21.xml><?xml version="1.0" encoding="utf-8"?>
+<file path=ppt/slides/slide22.xml><?xml version="1.0" encoding="utf-8"?>
 <p:sld xmlns:a="http://schemas.openxmlformats.org/drawingml/2006/main" xmlns:r="http://schemas.openxmlformats.org/officeDocument/2006/relationships" xmlns:p="http://schemas.openxmlformats.org/presentationml/2006/main">
   <p:cSld>
     <p:spTree>
@@ -7888,7 +9129,7 @@
         </p:spPr>
         <p:txBody>
           <a:bodyPr vert="horz" lIns="91440" tIns="45720" rIns="91440" bIns="45720" rtlCol="0">
-            <a:normAutofit/>
+            <a:normAutofit lnSpcReduction="10000"/>
           </a:bodyPr>
           <a:lstStyle>
             <a:lvl1pPr marL="228600" indent="-228600" algn="l" defTabSz="914400" rtl="0" eaLnBrk="1" latinLnBrk="0" hangingPunct="1">
@@ -8450,7 +9691,7 @@
               <a:t>Extent			</a:t>
             </a:r>
             <a:r>
-              <a:rPr lang="en-US" altLang="de-DE" sz="1800" dirty="0" err="1">
+              <a:rPr lang="en-US" altLang="de-DE" sz="1800" dirty="0" err="1" smtClean="0">
                 <a:solidFill>
                   <a:schemeClr val="bg2">
                     <a:lumMod val="25000"/>
@@ -8460,6 +9701,33 @@
                 <a:cs typeface="Arial" panose="020B0604020202020204" pitchFamily="34" charset="0"/>
               </a:rPr>
               <a:t>PixelList</a:t>
+            </a:r>
+            <a:endParaRPr lang="en-US" altLang="de-DE" sz="1800" dirty="0" smtClean="0">
+              <a:solidFill>
+                <a:schemeClr val="bg2">
+                  <a:lumMod val="25000"/>
+                </a:schemeClr>
+              </a:solidFill>
+              <a:latin typeface="Arial" panose="020B0604020202020204" pitchFamily="34" charset="0"/>
+              <a:cs typeface="Arial" panose="020B0604020202020204" pitchFamily="34" charset="0"/>
+            </a:endParaRPr>
+          </a:p>
+          <a:p>
+            <a:pPr>
+              <a:buFont typeface="Wingdings" panose="05000000000000000000" pitchFamily="2" charset="2"/>
+              <a:buNone/>
+            </a:pPr>
+            <a:r>
+              <a:rPr lang="en-US" altLang="de-DE" sz="1800" dirty="0" err="1" smtClean="0">
+                <a:solidFill>
+                  <a:schemeClr val="bg2">
+                    <a:lumMod val="25000"/>
+                  </a:schemeClr>
+                </a:solidFill>
+                <a:latin typeface="Arial" panose="020B0604020202020204" pitchFamily="34" charset="0"/>
+                <a:cs typeface="Arial" panose="020B0604020202020204" pitchFamily="34" charset="0"/>
+              </a:rPr>
+              <a:t>Colocalization</a:t>
             </a:r>
             <a:endParaRPr lang="en-US" altLang="de-DE" sz="1800" dirty="0">
               <a:solidFill>
@@ -8540,6 +9808,35 @@
           </a:p>
         </p:txBody>
       </p:sp>
+      <p:pic>
+        <p:nvPicPr>
+          <p:cNvPr id="5" name="Picture 4"/>
+          <p:cNvPicPr>
+            <a:picLocks noChangeAspect="1"/>
+          </p:cNvPicPr>
+          <p:nvPr/>
+        </p:nvPicPr>
+        <p:blipFill rotWithShape="1">
+          <a:blip r:embed="rId2">
+            <a:extLst>
+              <a:ext uri="{28A0092B-C50C-407E-A947-70E740481C1C}">
+                <a14:useLocalDpi xmlns:a14="http://schemas.microsoft.com/office/drawing/2010/main" val="0"/>
+              </a:ext>
+            </a:extLst>
+          </a:blip>
+          <a:srcRect l="11058" t="14475" r="74740" b="12428"/>
+          <a:stretch/>
+        </p:blipFill>
+        <p:spPr>
+          <a:xfrm>
+            <a:off x="8341113" y="2253303"/>
+            <a:ext cx="1293542" cy="3120827"/>
+          </a:xfrm>
+          <a:prstGeom prst="rect">
+            <a:avLst/>
+          </a:prstGeom>
+        </p:spPr>
+      </p:pic>
     </p:spTree>
     <p:extLst>
       <p:ext uri="{BB962C8B-B14F-4D97-AF65-F5344CB8AC3E}">
@@ -9196,7 +10493,7 @@
                                         <p:tgtEl>
                                           <p:spTgt spid="10">
                                             <p:txEl>
-                                              <p:pRg st="12" end="12"/>
+                                              <p:pRg st="11" end="11"/>
                                             </p:txEl>
                                           </p:spTgt>
                                         </p:tgtEl>
@@ -9214,7 +10511,7 @@
                                         <p:tgtEl>
                                           <p:spTgt spid="10">
                                             <p:txEl>
-                                              <p:pRg st="12" end="12"/>
+                                              <p:pRg st="11" end="11"/>
                                             </p:txEl>
                                           </p:spTgt>
                                         </p:tgtEl>
@@ -9242,7 +10539,7 @@
                             </p:stCondLst>
                             <p:childTnLst>
                               <p:par>
-                                <p:cTn id="60" presetID="10" presetClass="entr" presetSubtype="0" fill="hold" grpId="0" nodeType="clickEffect">
+                                <p:cTn id="60" presetID="10" presetClass="entr" presetSubtype="0" fill="hold" nodeType="clickEffect">
                                   <p:stCondLst>
                                     <p:cond delay="0"/>
                                   </p:stCondLst>
@@ -9255,7 +10552,11 @@
                                           </p:stCondLst>
                                         </p:cTn>
                                         <p:tgtEl>
-                                          <p:spTgt spid="3"/>
+                                          <p:spTgt spid="10">
+                                            <p:txEl>
+                                              <p:pRg st="13" end="13"/>
+                                            </p:txEl>
+                                          </p:spTgt>
                                         </p:tgtEl>
                                         <p:attrNameLst>
                                           <p:attrName>style.visibility</p:attrName>
@@ -9268,6 +10569,63 @@
                                     <p:animEffect transition="in" filter="fade">
                                       <p:cBhvr>
                                         <p:cTn id="62" dur="500"/>
+                                        <p:tgtEl>
+                                          <p:spTgt spid="10">
+                                            <p:txEl>
+                                              <p:pRg st="13" end="13"/>
+                                            </p:txEl>
+                                          </p:spTgt>
+                                        </p:tgtEl>
+                                      </p:cBhvr>
+                                    </p:animEffect>
+                                  </p:childTnLst>
+                                </p:cTn>
+                              </p:par>
+                            </p:childTnLst>
+                          </p:cTn>
+                        </p:par>
+                      </p:childTnLst>
+                    </p:cTn>
+                  </p:par>
+                  <p:par>
+                    <p:cTn id="63" fill="hold">
+                      <p:stCondLst>
+                        <p:cond delay="indefinite"/>
+                      </p:stCondLst>
+                      <p:childTnLst>
+                        <p:par>
+                          <p:cTn id="64" fill="hold">
+                            <p:stCondLst>
+                              <p:cond delay="0"/>
+                            </p:stCondLst>
+                            <p:childTnLst>
+                              <p:par>
+                                <p:cTn id="65" presetID="10" presetClass="entr" presetSubtype="0" fill="hold" grpId="0" nodeType="clickEffect">
+                                  <p:stCondLst>
+                                    <p:cond delay="0"/>
+                                  </p:stCondLst>
+                                  <p:childTnLst>
+                                    <p:set>
+                                      <p:cBhvr>
+                                        <p:cTn id="66" dur="1" fill="hold">
+                                          <p:stCondLst>
+                                            <p:cond delay="0"/>
+                                          </p:stCondLst>
+                                        </p:cTn>
+                                        <p:tgtEl>
+                                          <p:spTgt spid="3"/>
+                                        </p:tgtEl>
+                                        <p:attrNameLst>
+                                          <p:attrName>style.visibility</p:attrName>
+                                        </p:attrNameLst>
+                                      </p:cBhvr>
+                                      <p:to>
+                                        <p:strVal val="visible"/>
+                                      </p:to>
+                                    </p:set>
+                                    <p:animEffect transition="in" filter="fade">
+                                      <p:cBhvr>
+                                        <p:cTn id="67" dur="500"/>
                                         <p:tgtEl>
                                           <p:spTgt spid="3"/>
                                         </p:tgtEl>
@@ -9310,7 +10668,7 @@
 </p:sld>
 </file>
 
-<file path=ppt/slides/slide22.xml><?xml version="1.0" encoding="utf-8"?>
+<file path=ppt/slides/slide23.xml><?xml version="1.0" encoding="utf-8"?>
 <p:sld xmlns:a="http://schemas.openxmlformats.org/drawingml/2006/main" xmlns:r="http://schemas.openxmlformats.org/officeDocument/2006/relationships" xmlns:p="http://schemas.openxmlformats.org/presentationml/2006/main">
   <p:cSld>
     <p:spTree>
@@ -10155,7 +11513,7 @@
 </p:sld>
 </file>
 
-<file path=ppt/slides/slide23.xml><?xml version="1.0" encoding="utf-8"?>
+<file path=ppt/slides/slide24.xml><?xml version="1.0" encoding="utf-8"?>
 <p:sld xmlns:a="http://schemas.openxmlformats.org/drawingml/2006/main" xmlns:r="http://schemas.openxmlformats.org/officeDocument/2006/relationships" xmlns:p="http://schemas.openxmlformats.org/presentationml/2006/main">
   <p:cSld>
     <p:spTree>
@@ -11451,7 +12809,7 @@
 </p:sld>
 </file>
 
-<file path=ppt/slides/slide24.xml><?xml version="1.0" encoding="utf-8"?>
+<file path=ppt/slides/slide25.xml><?xml version="1.0" encoding="utf-8"?>
 <p:sld xmlns:a="http://schemas.openxmlformats.org/drawingml/2006/main" xmlns:r="http://schemas.openxmlformats.org/officeDocument/2006/relationships" xmlns:p="http://schemas.openxmlformats.org/presentationml/2006/main">
   <p:cSld>
     <p:spTree>
@@ -12781,7 +14139,7 @@
 </p:sld>
 </file>
 
-<file path=ppt/slides/slide25.xml><?xml version="1.0" encoding="utf-8"?>
+<file path=ppt/slides/slide26.xml><?xml version="1.0" encoding="utf-8"?>
 <p:sld xmlns:a="http://schemas.openxmlformats.org/drawingml/2006/main" xmlns:r="http://schemas.openxmlformats.org/officeDocument/2006/relationships" xmlns:p="http://schemas.openxmlformats.org/presentationml/2006/main">
   <p:cSld>
     <p:spTree>
@@ -13915,7 +15273,7 @@
 </p:sld>
 </file>
 
-<file path=ppt/slides/slide26.xml><?xml version="1.0" encoding="utf-8"?>
+<file path=ppt/slides/slide27.xml><?xml version="1.0" encoding="utf-8"?>
 <p:sld xmlns:a="http://schemas.openxmlformats.org/drawingml/2006/main" xmlns:r="http://schemas.openxmlformats.org/officeDocument/2006/relationships" xmlns:p="http://schemas.openxmlformats.org/presentationml/2006/main">
   <p:cSld>
     <p:spTree>
@@ -14027,7 +15385,7 @@
 </p:sld>
 </file>
 
-<file path=ppt/slides/slide27.xml><?xml version="1.0" encoding="utf-8"?>
+<file path=ppt/slides/slide28.xml><?xml version="1.0" encoding="utf-8"?>
 <p:sld xmlns:a="http://schemas.openxmlformats.org/drawingml/2006/main" xmlns:r="http://schemas.openxmlformats.org/officeDocument/2006/relationships" xmlns:p="http://schemas.openxmlformats.org/presentationml/2006/main">
   <p:cSld>
     <p:spTree>
@@ -14141,7 +15499,7 @@
 </p:sld>
 </file>
 
-<file path=ppt/slides/slide28.xml><?xml version="1.0" encoding="utf-8"?>
+<file path=ppt/slides/slide29.xml><?xml version="1.0" encoding="utf-8"?>
 <p:sld xmlns:a="http://schemas.openxmlformats.org/drawingml/2006/main" xmlns:r="http://schemas.openxmlformats.org/officeDocument/2006/relationships" xmlns:p="http://schemas.openxmlformats.org/presentationml/2006/main">
   <p:cSld>
     <p:spTree>
@@ -15174,203 +16532,6 @@
 </p:sld>
 </file>
 
-<file path=ppt/slides/slide29.xml><?xml version="1.0" encoding="utf-8"?>
-<p:sld xmlns:a="http://schemas.openxmlformats.org/drawingml/2006/main" xmlns:r="http://schemas.openxmlformats.org/officeDocument/2006/relationships" xmlns:p="http://schemas.openxmlformats.org/presentationml/2006/main">
-  <p:cSld>
-    <p:spTree>
-      <p:nvGrpSpPr>
-        <p:cNvPr id="1" name=""/>
-        <p:cNvGrpSpPr/>
-        <p:nvPr/>
-      </p:nvGrpSpPr>
-      <p:grpSpPr>
-        <a:xfrm>
-          <a:off x="0" y="0"/>
-          <a:ext cx="0" cy="0"/>
-          <a:chOff x="0" y="0"/>
-          <a:chExt cx="0" cy="0"/>
-        </a:xfrm>
-      </p:grpSpPr>
-      <p:sp>
-        <p:nvSpPr>
-          <p:cNvPr id="2" name="Title 1"/>
-          <p:cNvSpPr>
-            <a:spLocks noGrp="1"/>
-          </p:cNvSpPr>
-          <p:nvPr>
-            <p:ph type="title"/>
-          </p:nvPr>
-        </p:nvSpPr>
-        <p:spPr/>
-        <p:txBody>
-          <a:bodyPr/>
-          <a:lstStyle/>
-          <a:p>
-            <a:r>
-              <a:rPr lang="de-DE" dirty="0" smtClean="0">
-                <a:solidFill>
-                  <a:schemeClr val="accent1"/>
-                </a:solidFill>
-                <a:latin typeface="Arial" panose="020B0604020202020204" pitchFamily="34" charset="0"/>
-                <a:cs typeface="Arial" panose="020B0604020202020204" pitchFamily="34" charset="0"/>
-              </a:rPr>
-              <a:t>Agenda</a:t>
-            </a:r>
-            <a:endParaRPr lang="de-DE" dirty="0">
-              <a:solidFill>
-                <a:schemeClr val="accent1"/>
-              </a:solidFill>
-              <a:latin typeface="Arial" panose="020B0604020202020204" pitchFamily="34" charset="0"/>
-              <a:cs typeface="Arial" panose="020B0604020202020204" pitchFamily="34" charset="0"/>
-            </a:endParaRPr>
-          </a:p>
-        </p:txBody>
-      </p:sp>
-      <p:sp>
-        <p:nvSpPr>
-          <p:cNvPr id="3" name="Content Placeholder 2"/>
-          <p:cNvSpPr>
-            <a:spLocks noGrp="1"/>
-          </p:cNvSpPr>
-          <p:nvPr>
-            <p:ph idx="1"/>
-          </p:nvPr>
-        </p:nvSpPr>
-        <p:spPr/>
-        <p:txBody>
-          <a:bodyPr>
-            <a:normAutofit/>
-          </a:bodyPr>
-          <a:lstStyle/>
-          <a:p>
-            <a:r>
-              <a:rPr lang="en-US" sz="2400" dirty="0">
-                <a:solidFill>
-                  <a:schemeClr val="bg2">
-                    <a:lumMod val="75000"/>
-                  </a:schemeClr>
-                </a:solidFill>
-                <a:latin typeface="Arial" panose="020B0604020202020204" pitchFamily="34" charset="0"/>
-                <a:cs typeface="Arial" panose="020B0604020202020204" pitchFamily="34" charset="0"/>
-              </a:rPr>
-              <a:t>Introduction</a:t>
-            </a:r>
-          </a:p>
-          <a:p>
-            <a:r>
-              <a:rPr lang="en-US" sz="2400" dirty="0">
-                <a:solidFill>
-                  <a:schemeClr val="bg2">
-                    <a:lumMod val="75000"/>
-                  </a:schemeClr>
-                </a:solidFill>
-                <a:latin typeface="Arial" panose="020B0604020202020204" pitchFamily="34" charset="0"/>
-                <a:cs typeface="Arial" panose="020B0604020202020204" pitchFamily="34" charset="0"/>
-              </a:rPr>
-              <a:t>Statistical features</a:t>
-            </a:r>
-          </a:p>
-          <a:p>
-            <a:r>
-              <a:rPr lang="en-US" sz="2400" dirty="0">
-                <a:solidFill>
-                  <a:schemeClr val="bg2">
-                    <a:lumMod val="75000"/>
-                  </a:schemeClr>
-                </a:solidFill>
-                <a:latin typeface="Arial" panose="020B0604020202020204" pitchFamily="34" charset="0"/>
-                <a:cs typeface="Arial" panose="020B0604020202020204" pitchFamily="34" charset="0"/>
-              </a:rPr>
-              <a:t>GLCM features</a:t>
-            </a:r>
-          </a:p>
-          <a:p>
-            <a:r>
-              <a:rPr lang="en-US" sz="2400" dirty="0" smtClean="0">
-                <a:solidFill>
-                  <a:schemeClr val="bg2">
-                    <a:lumMod val="75000"/>
-                  </a:schemeClr>
-                </a:solidFill>
-                <a:latin typeface="Arial" panose="020B0604020202020204" pitchFamily="34" charset="0"/>
-                <a:cs typeface="Arial" panose="020B0604020202020204" pitchFamily="34" charset="0"/>
-              </a:rPr>
-              <a:t>Single-cell features</a:t>
-            </a:r>
-          </a:p>
-          <a:p>
-            <a:r>
-              <a:rPr lang="en-US" sz="2400" dirty="0">
-                <a:solidFill>
-                  <a:schemeClr val="bg2">
-                    <a:lumMod val="25000"/>
-                  </a:schemeClr>
-                </a:solidFill>
-                <a:latin typeface="Arial" panose="020B0604020202020204" pitchFamily="34" charset="0"/>
-                <a:cs typeface="Arial" panose="020B0604020202020204" pitchFamily="34" charset="0"/>
-              </a:rPr>
-              <a:t>Other Features</a:t>
-            </a:r>
-          </a:p>
-          <a:p>
-            <a:r>
-              <a:rPr lang="en-US" sz="2400" dirty="0" smtClean="0">
-                <a:solidFill>
-                  <a:schemeClr val="bg2">
-                    <a:lumMod val="75000"/>
-                  </a:schemeClr>
-                </a:solidFill>
-                <a:latin typeface="Arial" panose="020B0604020202020204" pitchFamily="34" charset="0"/>
-                <a:cs typeface="Arial" panose="020B0604020202020204" pitchFamily="34" charset="0"/>
-              </a:rPr>
-              <a:t>Recommendation</a:t>
-            </a:r>
-          </a:p>
-          <a:p>
-            <a:pPr lvl="1"/>
-            <a:endParaRPr lang="en-US" sz="2000" dirty="0" smtClean="0">
-              <a:solidFill>
-                <a:schemeClr val="bg2">
-                  <a:lumMod val="25000"/>
-                </a:schemeClr>
-              </a:solidFill>
-              <a:latin typeface="Arial" panose="020B0604020202020204" pitchFamily="34" charset="0"/>
-              <a:cs typeface="Arial" panose="020B0604020202020204" pitchFamily="34" charset="0"/>
-            </a:endParaRPr>
-          </a:p>
-          <a:p>
-            <a:endParaRPr lang="en-US" sz="2400" dirty="0">
-              <a:solidFill>
-                <a:schemeClr val="bg2">
-                  <a:lumMod val="25000"/>
-                </a:schemeClr>
-              </a:solidFill>
-              <a:latin typeface="Arial" panose="020B0604020202020204" pitchFamily="34" charset="0"/>
-              <a:cs typeface="Arial" panose="020B0604020202020204" pitchFamily="34" charset="0"/>
-            </a:endParaRPr>
-          </a:p>
-        </p:txBody>
-      </p:sp>
-    </p:spTree>
-    <p:extLst>
-      <p:ext uri="{BB962C8B-B14F-4D97-AF65-F5344CB8AC3E}">
-        <p14:creationId xmlns:p14="http://schemas.microsoft.com/office/powerpoint/2010/main" val="3646604172"/>
-      </p:ext>
-    </p:extLst>
-  </p:cSld>
-  <p:clrMapOvr>
-    <a:masterClrMapping/>
-  </p:clrMapOvr>
-  <p:timing>
-    <p:tnLst>
-      <p:par>
-        <p:cTn id="1" dur="indefinite" restart="never" nodeType="tmRoot"/>
-      </p:par>
-    </p:tnLst>
-  </p:timing>
-</p:sld>
-</file>
-
 <file path=ppt/slides/slide3.xml><?xml version="1.0" encoding="utf-8"?>
 <p:sld xmlns:a="http://schemas.openxmlformats.org/drawingml/2006/main" xmlns:r="http://schemas.openxmlformats.org/officeDocument/2006/relationships" xmlns:p="http://schemas.openxmlformats.org/presentationml/2006/main">
   <p:cSld>
@@ -16317,6 +17478,203 @@
           <a:lstStyle/>
           <a:p>
             <a:r>
+              <a:rPr lang="de-DE" dirty="0" smtClean="0">
+                <a:solidFill>
+                  <a:schemeClr val="accent1"/>
+                </a:solidFill>
+                <a:latin typeface="Arial" panose="020B0604020202020204" pitchFamily="34" charset="0"/>
+                <a:cs typeface="Arial" panose="020B0604020202020204" pitchFamily="34" charset="0"/>
+              </a:rPr>
+              <a:t>Agenda</a:t>
+            </a:r>
+            <a:endParaRPr lang="de-DE" dirty="0">
+              <a:solidFill>
+                <a:schemeClr val="accent1"/>
+              </a:solidFill>
+              <a:latin typeface="Arial" panose="020B0604020202020204" pitchFamily="34" charset="0"/>
+              <a:cs typeface="Arial" panose="020B0604020202020204" pitchFamily="34" charset="0"/>
+            </a:endParaRPr>
+          </a:p>
+        </p:txBody>
+      </p:sp>
+      <p:sp>
+        <p:nvSpPr>
+          <p:cNvPr id="3" name="Content Placeholder 2"/>
+          <p:cNvSpPr>
+            <a:spLocks noGrp="1"/>
+          </p:cNvSpPr>
+          <p:nvPr>
+            <p:ph idx="1"/>
+          </p:nvPr>
+        </p:nvSpPr>
+        <p:spPr/>
+        <p:txBody>
+          <a:bodyPr>
+            <a:normAutofit/>
+          </a:bodyPr>
+          <a:lstStyle/>
+          <a:p>
+            <a:r>
+              <a:rPr lang="en-US" sz="2400" dirty="0">
+                <a:solidFill>
+                  <a:schemeClr val="bg2">
+                    <a:lumMod val="75000"/>
+                  </a:schemeClr>
+                </a:solidFill>
+                <a:latin typeface="Arial" panose="020B0604020202020204" pitchFamily="34" charset="0"/>
+                <a:cs typeface="Arial" panose="020B0604020202020204" pitchFamily="34" charset="0"/>
+              </a:rPr>
+              <a:t>Introduction</a:t>
+            </a:r>
+          </a:p>
+          <a:p>
+            <a:r>
+              <a:rPr lang="en-US" sz="2400" dirty="0">
+                <a:solidFill>
+                  <a:schemeClr val="bg2">
+                    <a:lumMod val="75000"/>
+                  </a:schemeClr>
+                </a:solidFill>
+                <a:latin typeface="Arial" panose="020B0604020202020204" pitchFamily="34" charset="0"/>
+                <a:cs typeface="Arial" panose="020B0604020202020204" pitchFamily="34" charset="0"/>
+              </a:rPr>
+              <a:t>Statistical features</a:t>
+            </a:r>
+          </a:p>
+          <a:p>
+            <a:r>
+              <a:rPr lang="en-US" sz="2400" dirty="0">
+                <a:solidFill>
+                  <a:schemeClr val="bg2">
+                    <a:lumMod val="75000"/>
+                  </a:schemeClr>
+                </a:solidFill>
+                <a:latin typeface="Arial" panose="020B0604020202020204" pitchFamily="34" charset="0"/>
+                <a:cs typeface="Arial" panose="020B0604020202020204" pitchFamily="34" charset="0"/>
+              </a:rPr>
+              <a:t>GLCM features</a:t>
+            </a:r>
+          </a:p>
+          <a:p>
+            <a:r>
+              <a:rPr lang="en-US" sz="2400" dirty="0" smtClean="0">
+                <a:solidFill>
+                  <a:schemeClr val="bg2">
+                    <a:lumMod val="75000"/>
+                  </a:schemeClr>
+                </a:solidFill>
+                <a:latin typeface="Arial" panose="020B0604020202020204" pitchFamily="34" charset="0"/>
+                <a:cs typeface="Arial" panose="020B0604020202020204" pitchFamily="34" charset="0"/>
+              </a:rPr>
+              <a:t>Single-cell features</a:t>
+            </a:r>
+          </a:p>
+          <a:p>
+            <a:r>
+              <a:rPr lang="en-US" sz="2400" dirty="0">
+                <a:solidFill>
+                  <a:schemeClr val="bg2">
+                    <a:lumMod val="25000"/>
+                  </a:schemeClr>
+                </a:solidFill>
+                <a:latin typeface="Arial" panose="020B0604020202020204" pitchFamily="34" charset="0"/>
+                <a:cs typeface="Arial" panose="020B0604020202020204" pitchFamily="34" charset="0"/>
+              </a:rPr>
+              <a:t>Other Features</a:t>
+            </a:r>
+          </a:p>
+          <a:p>
+            <a:r>
+              <a:rPr lang="en-US" sz="2400" dirty="0" smtClean="0">
+                <a:solidFill>
+                  <a:schemeClr val="bg2">
+                    <a:lumMod val="75000"/>
+                  </a:schemeClr>
+                </a:solidFill>
+                <a:latin typeface="Arial" panose="020B0604020202020204" pitchFamily="34" charset="0"/>
+                <a:cs typeface="Arial" panose="020B0604020202020204" pitchFamily="34" charset="0"/>
+              </a:rPr>
+              <a:t>Recommendation</a:t>
+            </a:r>
+          </a:p>
+          <a:p>
+            <a:pPr lvl="1"/>
+            <a:endParaRPr lang="en-US" sz="2000" dirty="0" smtClean="0">
+              <a:solidFill>
+                <a:schemeClr val="bg2">
+                  <a:lumMod val="25000"/>
+                </a:schemeClr>
+              </a:solidFill>
+              <a:latin typeface="Arial" panose="020B0604020202020204" pitchFamily="34" charset="0"/>
+              <a:cs typeface="Arial" panose="020B0604020202020204" pitchFamily="34" charset="0"/>
+            </a:endParaRPr>
+          </a:p>
+          <a:p>
+            <a:endParaRPr lang="en-US" sz="2400" dirty="0">
+              <a:solidFill>
+                <a:schemeClr val="bg2">
+                  <a:lumMod val="25000"/>
+                </a:schemeClr>
+              </a:solidFill>
+              <a:latin typeface="Arial" panose="020B0604020202020204" pitchFamily="34" charset="0"/>
+              <a:cs typeface="Arial" panose="020B0604020202020204" pitchFamily="34" charset="0"/>
+            </a:endParaRPr>
+          </a:p>
+        </p:txBody>
+      </p:sp>
+    </p:spTree>
+    <p:extLst>
+      <p:ext uri="{BB962C8B-B14F-4D97-AF65-F5344CB8AC3E}">
+        <p14:creationId xmlns:p14="http://schemas.microsoft.com/office/powerpoint/2010/main" val="3646604172"/>
+      </p:ext>
+    </p:extLst>
+  </p:cSld>
+  <p:clrMapOvr>
+    <a:masterClrMapping/>
+  </p:clrMapOvr>
+  <p:timing>
+    <p:tnLst>
+      <p:par>
+        <p:cTn id="1" dur="indefinite" restart="never" nodeType="tmRoot"/>
+      </p:par>
+    </p:tnLst>
+  </p:timing>
+</p:sld>
+</file>
+
+<file path=ppt/slides/slide31.xml><?xml version="1.0" encoding="utf-8"?>
+<p:sld xmlns:a="http://schemas.openxmlformats.org/drawingml/2006/main" xmlns:r="http://schemas.openxmlformats.org/officeDocument/2006/relationships" xmlns:p="http://schemas.openxmlformats.org/presentationml/2006/main">
+  <p:cSld>
+    <p:spTree>
+      <p:nvGrpSpPr>
+        <p:cNvPr id="1" name=""/>
+        <p:cNvGrpSpPr/>
+        <p:nvPr/>
+      </p:nvGrpSpPr>
+      <p:grpSpPr>
+        <a:xfrm>
+          <a:off x="0" y="0"/>
+          <a:ext cx="0" cy="0"/>
+          <a:chOff x="0" y="0"/>
+          <a:chExt cx="0" cy="0"/>
+        </a:xfrm>
+      </p:grpSpPr>
+      <p:sp>
+        <p:nvSpPr>
+          <p:cNvPr id="2" name="Title 1"/>
+          <p:cNvSpPr>
+            <a:spLocks noGrp="1"/>
+          </p:cNvSpPr>
+          <p:nvPr>
+            <p:ph type="title"/>
+          </p:nvPr>
+        </p:nvSpPr>
+        <p:spPr/>
+        <p:txBody>
+          <a:bodyPr/>
+          <a:lstStyle/>
+          <a:p>
+            <a:r>
               <a:rPr lang="en-US" dirty="0" smtClean="0">
                 <a:solidFill>
                   <a:schemeClr val="accent1"/>
@@ -17233,7 +18591,7 @@
 </p:sld>
 </file>
 
-<file path=ppt/slides/slide31.xml><?xml version="1.0" encoding="utf-8"?>
+<file path=ppt/slides/slide32.xml><?xml version="1.0" encoding="utf-8"?>
 <p:sld xmlns:a="http://schemas.openxmlformats.org/drawingml/2006/main" xmlns:r="http://schemas.openxmlformats.org/officeDocument/2006/relationships" xmlns:p="http://schemas.openxmlformats.org/presentationml/2006/main">
   <p:cSld>
     <p:spTree>
@@ -17430,7 +18788,7 @@
 </p:sld>
 </file>
 
-<file path=ppt/slides/slide32.xml><?xml version="1.0" encoding="utf-8"?>
+<file path=ppt/slides/slide33.xml><?xml version="1.0" encoding="utf-8"?>
 <p:sld xmlns:a="http://schemas.openxmlformats.org/drawingml/2006/main" xmlns:r="http://schemas.openxmlformats.org/officeDocument/2006/relationships" xmlns:p="http://schemas.openxmlformats.org/presentationml/2006/main">
   <p:cSld>
     <p:spTree>
@@ -18054,7 +19412,7 @@
 </p:sld>
 </file>
 
-<file path=ppt/slides/slide33.xml><?xml version="1.0" encoding="utf-8"?>
+<file path=ppt/slides/slide34.xml><?xml version="1.0" encoding="utf-8"?>
 <p:sld xmlns:a="http://schemas.openxmlformats.org/drawingml/2006/main" xmlns:r="http://schemas.openxmlformats.org/officeDocument/2006/relationships" xmlns:p="http://schemas.openxmlformats.org/presentationml/2006/main">
   <p:cSld>
     <p:spTree>
@@ -18644,11 +20002,7 @@
             </a:r>
             <a:r>
               <a:rPr lang="en-US" smtClean="0"/>
-              <a:t>image </a:t>
-            </a:r>
-            <a:r>
-              <a:rPr lang="en-US" smtClean="0"/>
-              <a:t>features</a:t>
+              <a:t>image features</a:t>
             </a:r>
             <a:endParaRPr lang="de-DE" dirty="0"/>
           </a:p>
@@ -19309,7 +20663,7 @@
 </p:sld>
 </file>
 
-<file path=ppt/slides/slide34.xml><?xml version="1.0" encoding="utf-8"?>
+<file path=ppt/slides/slide35.xml><?xml version="1.0" encoding="utf-8"?>
 <p:sld xmlns:a="http://schemas.openxmlformats.org/drawingml/2006/main" xmlns:r="http://schemas.openxmlformats.org/officeDocument/2006/relationships" xmlns:p="http://schemas.openxmlformats.org/presentationml/2006/main">
   <p:cSld>
     <p:spTree>
@@ -20219,7 +21573,7 @@
 </p:sld>
 </file>
 
-<file path=ppt/slides/slide35.xml><?xml version="1.0" encoding="utf-8"?>
+<file path=ppt/slides/slide36.xml><?xml version="1.0" encoding="utf-8"?>
 <p:sld xmlns:a="http://schemas.openxmlformats.org/drawingml/2006/main" xmlns:r="http://schemas.openxmlformats.org/officeDocument/2006/relationships" xmlns:p="http://schemas.openxmlformats.org/presentationml/2006/main">
   <p:cSld>
     <p:spTree>
@@ -21331,7 +22685,7 @@
 </p:sld>
 </file>
 
-<file path=ppt/slides/slide36.xml><?xml version="1.0" encoding="utf-8"?>
+<file path=ppt/slides/slide37.xml><?xml version="1.0" encoding="utf-8"?>
 <p:sld xmlns:a="http://schemas.openxmlformats.org/drawingml/2006/main" xmlns:r="http://schemas.openxmlformats.org/officeDocument/2006/relationships" xmlns:p="http://schemas.openxmlformats.org/presentationml/2006/main">
   <p:cSld>
     <p:spTree>
@@ -21730,7 +23084,7 @@
 </p:sld>
 </file>
 
-<file path=ppt/slides/slide37.xml><?xml version="1.0" encoding="utf-8"?>
+<file path=ppt/slides/slide38.xml><?xml version="1.0" encoding="utf-8"?>
 <p:sld xmlns:a="http://schemas.openxmlformats.org/drawingml/2006/main" xmlns:r="http://schemas.openxmlformats.org/officeDocument/2006/relationships" xmlns:p="http://schemas.openxmlformats.org/presentationml/2006/main">
   <p:cSld>
     <p:spTree>
@@ -22676,6 +24030,2449 @@
 </file>
 
 <file path=ppt/slides/slide5.xml><?xml version="1.0" encoding="utf-8"?>
+<p:sld xmlns:a="http://schemas.openxmlformats.org/drawingml/2006/main" xmlns:r="http://schemas.openxmlformats.org/officeDocument/2006/relationships" xmlns:p="http://schemas.openxmlformats.org/presentationml/2006/main">
+  <p:cSld>
+    <p:spTree>
+      <p:nvGrpSpPr>
+        <p:cNvPr id="1" name=""/>
+        <p:cNvGrpSpPr/>
+        <p:nvPr/>
+      </p:nvGrpSpPr>
+      <p:grpSpPr>
+        <a:xfrm>
+          <a:off x="0" y="0"/>
+          <a:ext cx="0" cy="0"/>
+          <a:chOff x="0" y="0"/>
+          <a:chExt cx="0" cy="0"/>
+        </a:xfrm>
+      </p:grpSpPr>
+      <p:sp>
+        <p:nvSpPr>
+          <p:cNvPr id="2" name="Title 1"/>
+          <p:cNvSpPr>
+            <a:spLocks noGrp="1"/>
+          </p:cNvSpPr>
+          <p:nvPr>
+            <p:ph type="title"/>
+          </p:nvPr>
+        </p:nvSpPr>
+        <p:spPr/>
+        <p:txBody>
+          <a:bodyPr/>
+          <a:lstStyle/>
+          <a:p>
+            <a:r>
+              <a:rPr lang="en-US" dirty="0" smtClean="0">
+                <a:solidFill>
+                  <a:schemeClr val="accent1"/>
+                </a:solidFill>
+                <a:latin typeface="Arial" panose="020B0604020202020204" pitchFamily="34" charset="0"/>
+                <a:cs typeface="Arial" panose="020B0604020202020204" pitchFamily="34" charset="0"/>
+              </a:rPr>
+              <a:t>How a sample look like?</a:t>
+            </a:r>
+            <a:endParaRPr lang="en-US" dirty="0">
+              <a:solidFill>
+                <a:schemeClr val="accent1"/>
+              </a:solidFill>
+              <a:latin typeface="Arial" panose="020B0604020202020204" pitchFamily="34" charset="0"/>
+              <a:cs typeface="Arial" panose="020B0604020202020204" pitchFamily="34" charset="0"/>
+            </a:endParaRPr>
+          </a:p>
+        </p:txBody>
+      </p:sp>
+      <p:sp>
+        <p:nvSpPr>
+          <p:cNvPr id="3" name="Content Placeholder 2"/>
+          <p:cNvSpPr txBox="1">
+            <a:spLocks/>
+          </p:cNvSpPr>
+          <p:nvPr/>
+        </p:nvSpPr>
+        <p:spPr>
+          <a:xfrm>
+            <a:off x="838200" y="1825625"/>
+            <a:ext cx="9398620" cy="4351338"/>
+          </a:xfrm>
+          <a:prstGeom prst="rect">
+            <a:avLst/>
+          </a:prstGeom>
+        </p:spPr>
+        <p:txBody>
+          <a:bodyPr vert="horz" lIns="91440" tIns="45720" rIns="91440" bIns="45720" rtlCol="0">
+            <a:normAutofit/>
+          </a:bodyPr>
+          <a:lstStyle>
+            <a:lvl1pPr marL="228600" indent="-228600" algn="l" defTabSz="914400" rtl="0" eaLnBrk="1" latinLnBrk="0" hangingPunct="1">
+              <a:lnSpc>
+                <a:spcPct val="90000"/>
+              </a:lnSpc>
+              <a:spcBef>
+                <a:spcPts val="1000"/>
+              </a:spcBef>
+              <a:buFont typeface="Arial" panose="020B0604020202020204" pitchFamily="34" charset="0"/>
+              <a:buChar char="•"/>
+              <a:defRPr sz="2800" kern="1200">
+                <a:solidFill>
+                  <a:schemeClr val="tx1"/>
+                </a:solidFill>
+                <a:latin typeface="+mn-lt"/>
+                <a:ea typeface="+mn-ea"/>
+                <a:cs typeface="+mn-cs"/>
+              </a:defRPr>
+            </a:lvl1pPr>
+            <a:lvl2pPr marL="685800" indent="-228600" algn="l" defTabSz="914400" rtl="0" eaLnBrk="1" latinLnBrk="0" hangingPunct="1">
+              <a:lnSpc>
+                <a:spcPct val="90000"/>
+              </a:lnSpc>
+              <a:spcBef>
+                <a:spcPts val="500"/>
+              </a:spcBef>
+              <a:buFont typeface="Arial" panose="020B0604020202020204" pitchFamily="34" charset="0"/>
+              <a:buChar char="•"/>
+              <a:defRPr sz="2400" kern="1200">
+                <a:solidFill>
+                  <a:schemeClr val="tx1"/>
+                </a:solidFill>
+                <a:latin typeface="+mn-lt"/>
+                <a:ea typeface="+mn-ea"/>
+                <a:cs typeface="+mn-cs"/>
+              </a:defRPr>
+            </a:lvl2pPr>
+            <a:lvl3pPr marL="1143000" indent="-228600" algn="l" defTabSz="914400" rtl="0" eaLnBrk="1" latinLnBrk="0" hangingPunct="1">
+              <a:lnSpc>
+                <a:spcPct val="90000"/>
+              </a:lnSpc>
+              <a:spcBef>
+                <a:spcPts val="500"/>
+              </a:spcBef>
+              <a:buFont typeface="Arial" panose="020B0604020202020204" pitchFamily="34" charset="0"/>
+              <a:buChar char="•"/>
+              <a:defRPr sz="2000" kern="1200">
+                <a:solidFill>
+                  <a:schemeClr val="tx1"/>
+                </a:solidFill>
+                <a:latin typeface="+mn-lt"/>
+                <a:ea typeface="+mn-ea"/>
+                <a:cs typeface="+mn-cs"/>
+              </a:defRPr>
+            </a:lvl3pPr>
+            <a:lvl4pPr marL="1600200" indent="-228600" algn="l" defTabSz="914400" rtl="0" eaLnBrk="1" latinLnBrk="0" hangingPunct="1">
+              <a:lnSpc>
+                <a:spcPct val="90000"/>
+              </a:lnSpc>
+              <a:spcBef>
+                <a:spcPts val="500"/>
+              </a:spcBef>
+              <a:buFont typeface="Arial" panose="020B0604020202020204" pitchFamily="34" charset="0"/>
+              <a:buChar char="•"/>
+              <a:defRPr sz="1800" kern="1200">
+                <a:solidFill>
+                  <a:schemeClr val="tx1"/>
+                </a:solidFill>
+                <a:latin typeface="+mn-lt"/>
+                <a:ea typeface="+mn-ea"/>
+                <a:cs typeface="+mn-cs"/>
+              </a:defRPr>
+            </a:lvl4pPr>
+            <a:lvl5pPr marL="2057400" indent="-228600" algn="l" defTabSz="914400" rtl="0" eaLnBrk="1" latinLnBrk="0" hangingPunct="1">
+              <a:lnSpc>
+                <a:spcPct val="90000"/>
+              </a:lnSpc>
+              <a:spcBef>
+                <a:spcPts val="500"/>
+              </a:spcBef>
+              <a:buFont typeface="Arial" panose="020B0604020202020204" pitchFamily="34" charset="0"/>
+              <a:buChar char="•"/>
+              <a:defRPr sz="1800" kern="1200">
+                <a:solidFill>
+                  <a:schemeClr val="tx1"/>
+                </a:solidFill>
+                <a:latin typeface="+mn-lt"/>
+                <a:ea typeface="+mn-ea"/>
+                <a:cs typeface="+mn-cs"/>
+              </a:defRPr>
+            </a:lvl5pPr>
+            <a:lvl6pPr marL="2514600" indent="-228600" algn="l" defTabSz="914400" rtl="0" eaLnBrk="1" latinLnBrk="0" hangingPunct="1">
+              <a:lnSpc>
+                <a:spcPct val="90000"/>
+              </a:lnSpc>
+              <a:spcBef>
+                <a:spcPts val="500"/>
+              </a:spcBef>
+              <a:buFont typeface="Arial" panose="020B0604020202020204" pitchFamily="34" charset="0"/>
+              <a:buChar char="•"/>
+              <a:defRPr sz="1800" kern="1200">
+                <a:solidFill>
+                  <a:schemeClr val="tx1"/>
+                </a:solidFill>
+                <a:latin typeface="+mn-lt"/>
+                <a:ea typeface="+mn-ea"/>
+                <a:cs typeface="+mn-cs"/>
+              </a:defRPr>
+            </a:lvl6pPr>
+            <a:lvl7pPr marL="2971800" indent="-228600" algn="l" defTabSz="914400" rtl="0" eaLnBrk="1" latinLnBrk="0" hangingPunct="1">
+              <a:lnSpc>
+                <a:spcPct val="90000"/>
+              </a:lnSpc>
+              <a:spcBef>
+                <a:spcPts val="500"/>
+              </a:spcBef>
+              <a:buFont typeface="Arial" panose="020B0604020202020204" pitchFamily="34" charset="0"/>
+              <a:buChar char="•"/>
+              <a:defRPr sz="1800" kern="1200">
+                <a:solidFill>
+                  <a:schemeClr val="tx1"/>
+                </a:solidFill>
+                <a:latin typeface="+mn-lt"/>
+                <a:ea typeface="+mn-ea"/>
+                <a:cs typeface="+mn-cs"/>
+              </a:defRPr>
+            </a:lvl7pPr>
+            <a:lvl8pPr marL="3429000" indent="-228600" algn="l" defTabSz="914400" rtl="0" eaLnBrk="1" latinLnBrk="0" hangingPunct="1">
+              <a:lnSpc>
+                <a:spcPct val="90000"/>
+              </a:lnSpc>
+              <a:spcBef>
+                <a:spcPts val="500"/>
+              </a:spcBef>
+              <a:buFont typeface="Arial" panose="020B0604020202020204" pitchFamily="34" charset="0"/>
+              <a:buChar char="•"/>
+              <a:defRPr sz="1800" kern="1200">
+                <a:solidFill>
+                  <a:schemeClr val="tx1"/>
+                </a:solidFill>
+                <a:latin typeface="+mn-lt"/>
+                <a:ea typeface="+mn-ea"/>
+                <a:cs typeface="+mn-cs"/>
+              </a:defRPr>
+            </a:lvl8pPr>
+            <a:lvl9pPr marL="3886200" indent="-228600" algn="l" defTabSz="914400" rtl="0" eaLnBrk="1" latinLnBrk="0" hangingPunct="1">
+              <a:lnSpc>
+                <a:spcPct val="90000"/>
+              </a:lnSpc>
+              <a:spcBef>
+                <a:spcPts val="500"/>
+              </a:spcBef>
+              <a:buFont typeface="Arial" panose="020B0604020202020204" pitchFamily="34" charset="0"/>
+              <a:buChar char="•"/>
+              <a:defRPr sz="1800" kern="1200">
+                <a:solidFill>
+                  <a:schemeClr val="tx1"/>
+                </a:solidFill>
+                <a:latin typeface="+mn-lt"/>
+                <a:ea typeface="+mn-ea"/>
+                <a:cs typeface="+mn-cs"/>
+              </a:defRPr>
+            </a:lvl9pPr>
+          </a:lstStyle>
+          <a:p>
+            <a:endParaRPr lang="en-US" sz="1800" dirty="0" smtClean="0">
+              <a:solidFill>
+                <a:schemeClr val="bg2">
+                  <a:lumMod val="25000"/>
+                </a:schemeClr>
+              </a:solidFill>
+              <a:latin typeface="Arial" panose="020B0604020202020204" pitchFamily="34" charset="0"/>
+              <a:cs typeface="Arial" panose="020B0604020202020204" pitchFamily="34" charset="0"/>
+            </a:endParaRPr>
+          </a:p>
+          <a:p>
+            <a:pPr marL="0" indent="0">
+              <a:buNone/>
+            </a:pPr>
+            <a:endParaRPr lang="en-US" sz="2400" dirty="0">
+              <a:solidFill>
+                <a:schemeClr val="bg2">
+                  <a:lumMod val="25000"/>
+                </a:schemeClr>
+              </a:solidFill>
+              <a:latin typeface="Arial" panose="020B0604020202020204" pitchFamily="34" charset="0"/>
+              <a:cs typeface="Arial" panose="020B0604020202020204" pitchFamily="34" charset="0"/>
+            </a:endParaRPr>
+          </a:p>
+        </p:txBody>
+      </p:sp>
+      <p:pic>
+        <p:nvPicPr>
+          <p:cNvPr id="11" name="Picture 10"/>
+          <p:cNvPicPr>
+            <a:picLocks noChangeAspect="1"/>
+          </p:cNvPicPr>
+          <p:nvPr/>
+        </p:nvPicPr>
+        <p:blipFill rotWithShape="1">
+          <a:blip r:embed="rId2">
+            <a:extLst>
+              <a:ext uri="{28A0092B-C50C-407E-A947-70E740481C1C}">
+                <a14:useLocalDpi xmlns:a14="http://schemas.microsoft.com/office/drawing/2010/main" val="0"/>
+              </a:ext>
+            </a:extLst>
+          </a:blip>
+          <a:srcRect l="6731" t="1339" r="68714" b="72068"/>
+          <a:stretch/>
+        </p:blipFill>
+        <p:spPr>
+          <a:xfrm>
+            <a:off x="3007474" y="1694128"/>
+            <a:ext cx="3119639" cy="3165740"/>
+          </a:xfrm>
+          <a:prstGeom prst="rect">
+            <a:avLst/>
+          </a:prstGeom>
+        </p:spPr>
+      </p:pic>
+      <p:graphicFrame>
+        <p:nvGraphicFramePr>
+          <p:cNvPr id="12" name="Table 11"/>
+          <p:cNvGraphicFramePr>
+            <a:graphicFrameLocks noGrp="1"/>
+          </p:cNvGraphicFramePr>
+          <p:nvPr>
+            <p:extLst>
+              <p:ext uri="{D42A27DB-BD31-4B8C-83A1-F6EECF244321}">
+                <p14:modId xmlns:p14="http://schemas.microsoft.com/office/powerpoint/2010/main" val="2746753356"/>
+              </p:ext>
+            </p:extLst>
+          </p:nvPr>
+        </p:nvGraphicFramePr>
+        <p:xfrm>
+          <a:off x="3032875" y="1800346"/>
+          <a:ext cx="2995392" cy="2926080"/>
+        </p:xfrm>
+        <a:graphic>
+          <a:graphicData uri="http://schemas.openxmlformats.org/drawingml/2006/table">
+            <a:tbl>
+              <a:tblPr firstRow="1" bandRow="1">
+                <a:tableStyleId>{5940675A-B579-460E-94D1-54222C63F5DA}</a:tableStyleId>
+              </a:tblPr>
+              <a:tblGrid>
+                <a:gridCol w="374424">
+                  <a:extLst>
+                    <a:ext uri="{9D8B030D-6E8A-4147-A177-3AD203B41FA5}">
+                      <a16:colId xmlns:a16="http://schemas.microsoft.com/office/drawing/2014/main" val="1944078059"/>
+                    </a:ext>
+                  </a:extLst>
+                </a:gridCol>
+                <a:gridCol w="374424">
+                  <a:extLst>
+                    <a:ext uri="{9D8B030D-6E8A-4147-A177-3AD203B41FA5}">
+                      <a16:colId xmlns:a16="http://schemas.microsoft.com/office/drawing/2014/main" val="3640372298"/>
+                    </a:ext>
+                  </a:extLst>
+                </a:gridCol>
+                <a:gridCol w="374424">
+                  <a:extLst>
+                    <a:ext uri="{9D8B030D-6E8A-4147-A177-3AD203B41FA5}">
+                      <a16:colId xmlns:a16="http://schemas.microsoft.com/office/drawing/2014/main" val="2388735820"/>
+                    </a:ext>
+                  </a:extLst>
+                </a:gridCol>
+                <a:gridCol w="374424">
+                  <a:extLst>
+                    <a:ext uri="{9D8B030D-6E8A-4147-A177-3AD203B41FA5}">
+                      <a16:colId xmlns:a16="http://schemas.microsoft.com/office/drawing/2014/main" val="2282780813"/>
+                    </a:ext>
+                  </a:extLst>
+                </a:gridCol>
+                <a:gridCol w="374424">
+                  <a:extLst>
+                    <a:ext uri="{9D8B030D-6E8A-4147-A177-3AD203B41FA5}">
+                      <a16:colId xmlns:a16="http://schemas.microsoft.com/office/drawing/2014/main" val="3225380936"/>
+                    </a:ext>
+                  </a:extLst>
+                </a:gridCol>
+                <a:gridCol w="374424">
+                  <a:extLst>
+                    <a:ext uri="{9D8B030D-6E8A-4147-A177-3AD203B41FA5}">
+                      <a16:colId xmlns:a16="http://schemas.microsoft.com/office/drawing/2014/main" val="241345177"/>
+                    </a:ext>
+                  </a:extLst>
+                </a:gridCol>
+                <a:gridCol w="374424">
+                  <a:extLst>
+                    <a:ext uri="{9D8B030D-6E8A-4147-A177-3AD203B41FA5}">
+                      <a16:colId xmlns:a16="http://schemas.microsoft.com/office/drawing/2014/main" val="3841458204"/>
+                    </a:ext>
+                  </a:extLst>
+                </a:gridCol>
+                <a:gridCol w="374424">
+                  <a:extLst>
+                    <a:ext uri="{9D8B030D-6E8A-4147-A177-3AD203B41FA5}">
+                      <a16:colId xmlns:a16="http://schemas.microsoft.com/office/drawing/2014/main" val="3402371315"/>
+                    </a:ext>
+                  </a:extLst>
+                </a:gridCol>
+              </a:tblGrid>
+              <a:tr h="349632">
+                <a:tc>
+                  <a:txBody>
+                    <a:bodyPr/>
+                    <a:lstStyle/>
+                    <a:p>
+                      <a:endParaRPr lang="de-DE" dirty="0"/>
+                    </a:p>
+                  </a:txBody>
+                  <a:tcPr/>
+                </a:tc>
+                <a:tc>
+                  <a:txBody>
+                    <a:bodyPr/>
+                    <a:lstStyle/>
+                    <a:p>
+                      <a:endParaRPr lang="de-DE"/>
+                    </a:p>
+                  </a:txBody>
+                  <a:tcPr/>
+                </a:tc>
+                <a:tc>
+                  <a:txBody>
+                    <a:bodyPr/>
+                    <a:lstStyle/>
+                    <a:p>
+                      <a:endParaRPr lang="de-DE"/>
+                    </a:p>
+                  </a:txBody>
+                  <a:tcPr/>
+                </a:tc>
+                <a:tc>
+                  <a:txBody>
+                    <a:bodyPr/>
+                    <a:lstStyle/>
+                    <a:p>
+                      <a:endParaRPr lang="de-DE"/>
+                    </a:p>
+                  </a:txBody>
+                  <a:tcPr/>
+                </a:tc>
+                <a:tc>
+                  <a:txBody>
+                    <a:bodyPr/>
+                    <a:lstStyle/>
+                    <a:p>
+                      <a:endParaRPr lang="de-DE"/>
+                    </a:p>
+                  </a:txBody>
+                  <a:tcPr/>
+                </a:tc>
+                <a:tc>
+                  <a:txBody>
+                    <a:bodyPr/>
+                    <a:lstStyle/>
+                    <a:p>
+                      <a:endParaRPr lang="de-DE"/>
+                    </a:p>
+                  </a:txBody>
+                  <a:tcPr/>
+                </a:tc>
+                <a:tc>
+                  <a:txBody>
+                    <a:bodyPr/>
+                    <a:lstStyle/>
+                    <a:p>
+                      <a:endParaRPr lang="de-DE"/>
+                    </a:p>
+                  </a:txBody>
+                  <a:tcPr/>
+                </a:tc>
+                <a:tc>
+                  <a:txBody>
+                    <a:bodyPr/>
+                    <a:lstStyle/>
+                    <a:p>
+                      <a:endParaRPr lang="de-DE"/>
+                    </a:p>
+                  </a:txBody>
+                  <a:tcPr/>
+                </a:tc>
+                <a:extLst>
+                  <a:ext uri="{0D108BD9-81ED-4DB2-BD59-A6C34878D82A}">
+                    <a16:rowId xmlns:a16="http://schemas.microsoft.com/office/drawing/2014/main" val="4177159803"/>
+                  </a:ext>
+                </a:extLst>
+              </a:tr>
+              <a:tr h="349632">
+                <a:tc>
+                  <a:txBody>
+                    <a:bodyPr/>
+                    <a:lstStyle/>
+                    <a:p>
+                      <a:endParaRPr lang="de-DE" dirty="0"/>
+                    </a:p>
+                  </a:txBody>
+                  <a:tcPr/>
+                </a:tc>
+                <a:tc>
+                  <a:txBody>
+                    <a:bodyPr/>
+                    <a:lstStyle/>
+                    <a:p>
+                      <a:endParaRPr lang="de-DE"/>
+                    </a:p>
+                  </a:txBody>
+                  <a:tcPr/>
+                </a:tc>
+                <a:tc>
+                  <a:txBody>
+                    <a:bodyPr/>
+                    <a:lstStyle/>
+                    <a:p>
+                      <a:endParaRPr lang="de-DE"/>
+                    </a:p>
+                  </a:txBody>
+                  <a:tcPr/>
+                </a:tc>
+                <a:tc>
+                  <a:txBody>
+                    <a:bodyPr/>
+                    <a:lstStyle/>
+                    <a:p>
+                      <a:endParaRPr lang="de-DE"/>
+                    </a:p>
+                  </a:txBody>
+                  <a:tcPr/>
+                </a:tc>
+                <a:tc>
+                  <a:txBody>
+                    <a:bodyPr/>
+                    <a:lstStyle/>
+                    <a:p>
+                      <a:endParaRPr lang="de-DE"/>
+                    </a:p>
+                  </a:txBody>
+                  <a:tcPr/>
+                </a:tc>
+                <a:tc>
+                  <a:txBody>
+                    <a:bodyPr/>
+                    <a:lstStyle/>
+                    <a:p>
+                      <a:endParaRPr lang="de-DE"/>
+                    </a:p>
+                  </a:txBody>
+                  <a:tcPr/>
+                </a:tc>
+                <a:tc>
+                  <a:txBody>
+                    <a:bodyPr/>
+                    <a:lstStyle/>
+                    <a:p>
+                      <a:endParaRPr lang="de-DE" dirty="0"/>
+                    </a:p>
+                  </a:txBody>
+                  <a:tcPr/>
+                </a:tc>
+                <a:tc>
+                  <a:txBody>
+                    <a:bodyPr/>
+                    <a:lstStyle/>
+                    <a:p>
+                      <a:endParaRPr lang="de-DE"/>
+                    </a:p>
+                  </a:txBody>
+                  <a:tcPr/>
+                </a:tc>
+                <a:extLst>
+                  <a:ext uri="{0D108BD9-81ED-4DB2-BD59-A6C34878D82A}">
+                    <a16:rowId xmlns:a16="http://schemas.microsoft.com/office/drawing/2014/main" val="2840869900"/>
+                  </a:ext>
+                </a:extLst>
+              </a:tr>
+              <a:tr h="349632">
+                <a:tc>
+                  <a:txBody>
+                    <a:bodyPr/>
+                    <a:lstStyle/>
+                    <a:p>
+                      <a:endParaRPr lang="de-DE"/>
+                    </a:p>
+                  </a:txBody>
+                  <a:tcPr/>
+                </a:tc>
+                <a:tc>
+                  <a:txBody>
+                    <a:bodyPr/>
+                    <a:lstStyle/>
+                    <a:p>
+                      <a:endParaRPr lang="de-DE"/>
+                    </a:p>
+                  </a:txBody>
+                  <a:tcPr/>
+                </a:tc>
+                <a:tc>
+                  <a:txBody>
+                    <a:bodyPr/>
+                    <a:lstStyle/>
+                    <a:p>
+                      <a:endParaRPr lang="de-DE"/>
+                    </a:p>
+                  </a:txBody>
+                  <a:tcPr/>
+                </a:tc>
+                <a:tc>
+                  <a:txBody>
+                    <a:bodyPr/>
+                    <a:lstStyle/>
+                    <a:p>
+                      <a:endParaRPr lang="de-DE"/>
+                    </a:p>
+                  </a:txBody>
+                  <a:tcPr/>
+                </a:tc>
+                <a:tc>
+                  <a:txBody>
+                    <a:bodyPr/>
+                    <a:lstStyle/>
+                    <a:p>
+                      <a:endParaRPr lang="de-DE"/>
+                    </a:p>
+                  </a:txBody>
+                  <a:tcPr/>
+                </a:tc>
+                <a:tc>
+                  <a:txBody>
+                    <a:bodyPr/>
+                    <a:lstStyle/>
+                    <a:p>
+                      <a:endParaRPr lang="de-DE"/>
+                    </a:p>
+                  </a:txBody>
+                  <a:tcPr/>
+                </a:tc>
+                <a:tc>
+                  <a:txBody>
+                    <a:bodyPr/>
+                    <a:lstStyle/>
+                    <a:p>
+                      <a:endParaRPr lang="de-DE" dirty="0"/>
+                    </a:p>
+                  </a:txBody>
+                  <a:tcPr/>
+                </a:tc>
+                <a:tc>
+                  <a:txBody>
+                    <a:bodyPr/>
+                    <a:lstStyle/>
+                    <a:p>
+                      <a:endParaRPr lang="de-DE"/>
+                    </a:p>
+                  </a:txBody>
+                  <a:tcPr/>
+                </a:tc>
+                <a:extLst>
+                  <a:ext uri="{0D108BD9-81ED-4DB2-BD59-A6C34878D82A}">
+                    <a16:rowId xmlns:a16="http://schemas.microsoft.com/office/drawing/2014/main" val="3537982223"/>
+                  </a:ext>
+                </a:extLst>
+              </a:tr>
+              <a:tr h="349632">
+                <a:tc>
+                  <a:txBody>
+                    <a:bodyPr/>
+                    <a:lstStyle/>
+                    <a:p>
+                      <a:endParaRPr lang="de-DE"/>
+                    </a:p>
+                  </a:txBody>
+                  <a:tcPr/>
+                </a:tc>
+                <a:tc>
+                  <a:txBody>
+                    <a:bodyPr/>
+                    <a:lstStyle/>
+                    <a:p>
+                      <a:endParaRPr lang="de-DE"/>
+                    </a:p>
+                  </a:txBody>
+                  <a:tcPr/>
+                </a:tc>
+                <a:tc>
+                  <a:txBody>
+                    <a:bodyPr/>
+                    <a:lstStyle/>
+                    <a:p>
+                      <a:endParaRPr lang="de-DE"/>
+                    </a:p>
+                  </a:txBody>
+                  <a:tcPr/>
+                </a:tc>
+                <a:tc>
+                  <a:txBody>
+                    <a:bodyPr/>
+                    <a:lstStyle/>
+                    <a:p>
+                      <a:endParaRPr lang="de-DE"/>
+                    </a:p>
+                  </a:txBody>
+                  <a:tcPr/>
+                </a:tc>
+                <a:tc>
+                  <a:txBody>
+                    <a:bodyPr/>
+                    <a:lstStyle/>
+                    <a:p>
+                      <a:endParaRPr lang="de-DE"/>
+                    </a:p>
+                  </a:txBody>
+                  <a:tcPr/>
+                </a:tc>
+                <a:tc>
+                  <a:txBody>
+                    <a:bodyPr/>
+                    <a:lstStyle/>
+                    <a:p>
+                      <a:endParaRPr lang="de-DE"/>
+                    </a:p>
+                  </a:txBody>
+                  <a:tcPr/>
+                </a:tc>
+                <a:tc>
+                  <a:txBody>
+                    <a:bodyPr/>
+                    <a:lstStyle/>
+                    <a:p>
+                      <a:endParaRPr lang="de-DE"/>
+                    </a:p>
+                  </a:txBody>
+                  <a:tcPr/>
+                </a:tc>
+                <a:tc>
+                  <a:txBody>
+                    <a:bodyPr/>
+                    <a:lstStyle/>
+                    <a:p>
+                      <a:endParaRPr lang="de-DE"/>
+                    </a:p>
+                  </a:txBody>
+                  <a:tcPr/>
+                </a:tc>
+                <a:extLst>
+                  <a:ext uri="{0D108BD9-81ED-4DB2-BD59-A6C34878D82A}">
+                    <a16:rowId xmlns:a16="http://schemas.microsoft.com/office/drawing/2014/main" val="2800280576"/>
+                  </a:ext>
+                </a:extLst>
+              </a:tr>
+              <a:tr h="349632">
+                <a:tc>
+                  <a:txBody>
+                    <a:bodyPr/>
+                    <a:lstStyle/>
+                    <a:p>
+                      <a:endParaRPr lang="de-DE"/>
+                    </a:p>
+                  </a:txBody>
+                  <a:tcPr/>
+                </a:tc>
+                <a:tc>
+                  <a:txBody>
+                    <a:bodyPr/>
+                    <a:lstStyle/>
+                    <a:p>
+                      <a:endParaRPr lang="de-DE"/>
+                    </a:p>
+                  </a:txBody>
+                  <a:tcPr/>
+                </a:tc>
+                <a:tc>
+                  <a:txBody>
+                    <a:bodyPr/>
+                    <a:lstStyle/>
+                    <a:p>
+                      <a:endParaRPr lang="de-DE"/>
+                    </a:p>
+                  </a:txBody>
+                  <a:tcPr/>
+                </a:tc>
+                <a:tc>
+                  <a:txBody>
+                    <a:bodyPr/>
+                    <a:lstStyle/>
+                    <a:p>
+                      <a:endParaRPr lang="de-DE"/>
+                    </a:p>
+                  </a:txBody>
+                  <a:tcPr/>
+                </a:tc>
+                <a:tc>
+                  <a:txBody>
+                    <a:bodyPr/>
+                    <a:lstStyle/>
+                    <a:p>
+                      <a:endParaRPr lang="de-DE"/>
+                    </a:p>
+                  </a:txBody>
+                  <a:tcPr/>
+                </a:tc>
+                <a:tc>
+                  <a:txBody>
+                    <a:bodyPr/>
+                    <a:lstStyle/>
+                    <a:p>
+                      <a:endParaRPr lang="de-DE"/>
+                    </a:p>
+                  </a:txBody>
+                  <a:tcPr/>
+                </a:tc>
+                <a:tc>
+                  <a:txBody>
+                    <a:bodyPr/>
+                    <a:lstStyle/>
+                    <a:p>
+                      <a:endParaRPr lang="de-DE"/>
+                    </a:p>
+                  </a:txBody>
+                  <a:tcPr/>
+                </a:tc>
+                <a:tc>
+                  <a:txBody>
+                    <a:bodyPr/>
+                    <a:lstStyle/>
+                    <a:p>
+                      <a:endParaRPr lang="de-DE"/>
+                    </a:p>
+                  </a:txBody>
+                  <a:tcPr/>
+                </a:tc>
+                <a:extLst>
+                  <a:ext uri="{0D108BD9-81ED-4DB2-BD59-A6C34878D82A}">
+                    <a16:rowId xmlns:a16="http://schemas.microsoft.com/office/drawing/2014/main" val="3027754330"/>
+                  </a:ext>
+                </a:extLst>
+              </a:tr>
+              <a:tr h="349632">
+                <a:tc>
+                  <a:txBody>
+                    <a:bodyPr/>
+                    <a:lstStyle/>
+                    <a:p>
+                      <a:endParaRPr lang="de-DE"/>
+                    </a:p>
+                  </a:txBody>
+                  <a:tcPr/>
+                </a:tc>
+                <a:tc>
+                  <a:txBody>
+                    <a:bodyPr/>
+                    <a:lstStyle/>
+                    <a:p>
+                      <a:endParaRPr lang="de-DE"/>
+                    </a:p>
+                  </a:txBody>
+                  <a:tcPr/>
+                </a:tc>
+                <a:tc>
+                  <a:txBody>
+                    <a:bodyPr/>
+                    <a:lstStyle/>
+                    <a:p>
+                      <a:endParaRPr lang="de-DE"/>
+                    </a:p>
+                  </a:txBody>
+                  <a:tcPr/>
+                </a:tc>
+                <a:tc>
+                  <a:txBody>
+                    <a:bodyPr/>
+                    <a:lstStyle/>
+                    <a:p>
+                      <a:endParaRPr lang="de-DE"/>
+                    </a:p>
+                  </a:txBody>
+                  <a:tcPr/>
+                </a:tc>
+                <a:tc>
+                  <a:txBody>
+                    <a:bodyPr/>
+                    <a:lstStyle/>
+                    <a:p>
+                      <a:endParaRPr lang="de-DE"/>
+                    </a:p>
+                  </a:txBody>
+                  <a:tcPr/>
+                </a:tc>
+                <a:tc>
+                  <a:txBody>
+                    <a:bodyPr/>
+                    <a:lstStyle/>
+                    <a:p>
+                      <a:endParaRPr lang="de-DE"/>
+                    </a:p>
+                  </a:txBody>
+                  <a:tcPr/>
+                </a:tc>
+                <a:tc>
+                  <a:txBody>
+                    <a:bodyPr/>
+                    <a:lstStyle/>
+                    <a:p>
+                      <a:endParaRPr lang="de-DE"/>
+                    </a:p>
+                  </a:txBody>
+                  <a:tcPr/>
+                </a:tc>
+                <a:tc>
+                  <a:txBody>
+                    <a:bodyPr/>
+                    <a:lstStyle/>
+                    <a:p>
+                      <a:endParaRPr lang="de-DE" dirty="0"/>
+                    </a:p>
+                  </a:txBody>
+                  <a:tcPr/>
+                </a:tc>
+                <a:extLst>
+                  <a:ext uri="{0D108BD9-81ED-4DB2-BD59-A6C34878D82A}">
+                    <a16:rowId xmlns:a16="http://schemas.microsoft.com/office/drawing/2014/main" val="2816430671"/>
+                  </a:ext>
+                </a:extLst>
+              </a:tr>
+              <a:tr h="349632">
+                <a:tc>
+                  <a:txBody>
+                    <a:bodyPr/>
+                    <a:lstStyle/>
+                    <a:p>
+                      <a:endParaRPr lang="de-DE"/>
+                    </a:p>
+                  </a:txBody>
+                  <a:tcPr/>
+                </a:tc>
+                <a:tc>
+                  <a:txBody>
+                    <a:bodyPr/>
+                    <a:lstStyle/>
+                    <a:p>
+                      <a:endParaRPr lang="de-DE"/>
+                    </a:p>
+                  </a:txBody>
+                  <a:tcPr/>
+                </a:tc>
+                <a:tc>
+                  <a:txBody>
+                    <a:bodyPr/>
+                    <a:lstStyle/>
+                    <a:p>
+                      <a:endParaRPr lang="de-DE"/>
+                    </a:p>
+                  </a:txBody>
+                  <a:tcPr/>
+                </a:tc>
+                <a:tc>
+                  <a:txBody>
+                    <a:bodyPr/>
+                    <a:lstStyle/>
+                    <a:p>
+                      <a:endParaRPr lang="de-DE"/>
+                    </a:p>
+                  </a:txBody>
+                  <a:tcPr/>
+                </a:tc>
+                <a:tc>
+                  <a:txBody>
+                    <a:bodyPr/>
+                    <a:lstStyle/>
+                    <a:p>
+                      <a:endParaRPr lang="de-DE"/>
+                    </a:p>
+                  </a:txBody>
+                  <a:tcPr/>
+                </a:tc>
+                <a:tc>
+                  <a:txBody>
+                    <a:bodyPr/>
+                    <a:lstStyle/>
+                    <a:p>
+                      <a:endParaRPr lang="de-DE"/>
+                    </a:p>
+                  </a:txBody>
+                  <a:tcPr/>
+                </a:tc>
+                <a:tc>
+                  <a:txBody>
+                    <a:bodyPr/>
+                    <a:lstStyle/>
+                    <a:p>
+                      <a:endParaRPr lang="de-DE"/>
+                    </a:p>
+                  </a:txBody>
+                  <a:tcPr/>
+                </a:tc>
+                <a:tc>
+                  <a:txBody>
+                    <a:bodyPr/>
+                    <a:lstStyle/>
+                    <a:p>
+                      <a:endParaRPr lang="de-DE"/>
+                    </a:p>
+                  </a:txBody>
+                  <a:tcPr/>
+                </a:tc>
+                <a:extLst>
+                  <a:ext uri="{0D108BD9-81ED-4DB2-BD59-A6C34878D82A}">
+                    <a16:rowId xmlns:a16="http://schemas.microsoft.com/office/drawing/2014/main" val="2931689276"/>
+                  </a:ext>
+                </a:extLst>
+              </a:tr>
+              <a:tr h="349632">
+                <a:tc>
+                  <a:txBody>
+                    <a:bodyPr/>
+                    <a:lstStyle/>
+                    <a:p>
+                      <a:endParaRPr lang="de-DE"/>
+                    </a:p>
+                  </a:txBody>
+                  <a:tcPr/>
+                </a:tc>
+                <a:tc>
+                  <a:txBody>
+                    <a:bodyPr/>
+                    <a:lstStyle/>
+                    <a:p>
+                      <a:endParaRPr lang="de-DE"/>
+                    </a:p>
+                  </a:txBody>
+                  <a:tcPr/>
+                </a:tc>
+                <a:tc>
+                  <a:txBody>
+                    <a:bodyPr/>
+                    <a:lstStyle/>
+                    <a:p>
+                      <a:endParaRPr lang="de-DE"/>
+                    </a:p>
+                  </a:txBody>
+                  <a:tcPr/>
+                </a:tc>
+                <a:tc>
+                  <a:txBody>
+                    <a:bodyPr/>
+                    <a:lstStyle/>
+                    <a:p>
+                      <a:endParaRPr lang="de-DE"/>
+                    </a:p>
+                  </a:txBody>
+                  <a:tcPr/>
+                </a:tc>
+                <a:tc>
+                  <a:txBody>
+                    <a:bodyPr/>
+                    <a:lstStyle/>
+                    <a:p>
+                      <a:endParaRPr lang="de-DE"/>
+                    </a:p>
+                  </a:txBody>
+                  <a:tcPr/>
+                </a:tc>
+                <a:tc>
+                  <a:txBody>
+                    <a:bodyPr/>
+                    <a:lstStyle/>
+                    <a:p>
+                      <a:endParaRPr lang="de-DE" dirty="0"/>
+                    </a:p>
+                  </a:txBody>
+                  <a:tcPr/>
+                </a:tc>
+                <a:tc>
+                  <a:txBody>
+                    <a:bodyPr/>
+                    <a:lstStyle/>
+                    <a:p>
+                      <a:endParaRPr lang="de-DE"/>
+                    </a:p>
+                  </a:txBody>
+                  <a:tcPr/>
+                </a:tc>
+                <a:tc>
+                  <a:txBody>
+                    <a:bodyPr/>
+                    <a:lstStyle/>
+                    <a:p>
+                      <a:endParaRPr lang="de-DE" dirty="0"/>
+                    </a:p>
+                  </a:txBody>
+                  <a:tcPr/>
+                </a:tc>
+                <a:extLst>
+                  <a:ext uri="{0D108BD9-81ED-4DB2-BD59-A6C34878D82A}">
+                    <a16:rowId xmlns:a16="http://schemas.microsoft.com/office/drawing/2014/main" val="1199427247"/>
+                  </a:ext>
+                </a:extLst>
+              </a:tr>
+            </a:tbl>
+          </a:graphicData>
+        </a:graphic>
+      </p:graphicFrame>
+      <p:pic>
+        <p:nvPicPr>
+          <p:cNvPr id="13" name="Picture 12"/>
+          <p:cNvPicPr>
+            <a:picLocks noChangeAspect="1"/>
+          </p:cNvPicPr>
+          <p:nvPr/>
+        </p:nvPicPr>
+        <p:blipFill rotWithShape="1">
+          <a:blip r:embed="rId2">
+            <a:extLst>
+              <a:ext uri="{28A0092B-C50C-407E-A947-70E740481C1C}">
+                <a14:useLocalDpi xmlns:a14="http://schemas.microsoft.com/office/drawing/2010/main" val="0"/>
+              </a:ext>
+            </a:extLst>
+          </a:blip>
+          <a:srcRect l="6785" t="34240" r="68660" b="39167"/>
+          <a:stretch/>
+        </p:blipFill>
+        <p:spPr>
+          <a:xfrm>
+            <a:off x="7493800" y="1715967"/>
+            <a:ext cx="3123027" cy="3169178"/>
+          </a:xfrm>
+          <a:prstGeom prst="rect">
+            <a:avLst/>
+          </a:prstGeom>
+        </p:spPr>
+      </p:pic>
+      <p:graphicFrame>
+        <p:nvGraphicFramePr>
+          <p:cNvPr id="14" name="Table 13"/>
+          <p:cNvGraphicFramePr>
+            <a:graphicFrameLocks noGrp="1"/>
+          </p:cNvGraphicFramePr>
+          <p:nvPr>
+            <p:extLst>
+              <p:ext uri="{D42A27DB-BD31-4B8C-83A1-F6EECF244321}">
+                <p14:modId xmlns:p14="http://schemas.microsoft.com/office/powerpoint/2010/main" val="4128366200"/>
+              </p:ext>
+            </p:extLst>
+          </p:nvPr>
+        </p:nvGraphicFramePr>
+        <p:xfrm>
+          <a:off x="7542920" y="1822186"/>
+          <a:ext cx="3023104" cy="3037680"/>
+        </p:xfrm>
+        <a:graphic>
+          <a:graphicData uri="http://schemas.openxmlformats.org/drawingml/2006/table">
+            <a:tbl>
+              <a:tblPr firstRow="1" bandRow="1">
+                <a:tableStyleId>{5940675A-B579-460E-94D1-54222C63F5DA}</a:tableStyleId>
+              </a:tblPr>
+              <a:tblGrid>
+                <a:gridCol w="377888">
+                  <a:extLst>
+                    <a:ext uri="{9D8B030D-6E8A-4147-A177-3AD203B41FA5}">
+                      <a16:colId xmlns:a16="http://schemas.microsoft.com/office/drawing/2014/main" val="1944078059"/>
+                    </a:ext>
+                  </a:extLst>
+                </a:gridCol>
+                <a:gridCol w="377888">
+                  <a:extLst>
+                    <a:ext uri="{9D8B030D-6E8A-4147-A177-3AD203B41FA5}">
+                      <a16:colId xmlns:a16="http://schemas.microsoft.com/office/drawing/2014/main" val="3640372298"/>
+                    </a:ext>
+                  </a:extLst>
+                </a:gridCol>
+                <a:gridCol w="377888">
+                  <a:extLst>
+                    <a:ext uri="{9D8B030D-6E8A-4147-A177-3AD203B41FA5}">
+                      <a16:colId xmlns:a16="http://schemas.microsoft.com/office/drawing/2014/main" val="2388735820"/>
+                    </a:ext>
+                  </a:extLst>
+                </a:gridCol>
+                <a:gridCol w="377888">
+                  <a:extLst>
+                    <a:ext uri="{9D8B030D-6E8A-4147-A177-3AD203B41FA5}">
+                      <a16:colId xmlns:a16="http://schemas.microsoft.com/office/drawing/2014/main" val="2282780813"/>
+                    </a:ext>
+                  </a:extLst>
+                </a:gridCol>
+                <a:gridCol w="377888">
+                  <a:extLst>
+                    <a:ext uri="{9D8B030D-6E8A-4147-A177-3AD203B41FA5}">
+                      <a16:colId xmlns:a16="http://schemas.microsoft.com/office/drawing/2014/main" val="3225380936"/>
+                    </a:ext>
+                  </a:extLst>
+                </a:gridCol>
+                <a:gridCol w="377888">
+                  <a:extLst>
+                    <a:ext uri="{9D8B030D-6E8A-4147-A177-3AD203B41FA5}">
+                      <a16:colId xmlns:a16="http://schemas.microsoft.com/office/drawing/2014/main" val="241345177"/>
+                    </a:ext>
+                  </a:extLst>
+                </a:gridCol>
+                <a:gridCol w="377888">
+                  <a:extLst>
+                    <a:ext uri="{9D8B030D-6E8A-4147-A177-3AD203B41FA5}">
+                      <a16:colId xmlns:a16="http://schemas.microsoft.com/office/drawing/2014/main" val="3841458204"/>
+                    </a:ext>
+                  </a:extLst>
+                </a:gridCol>
+                <a:gridCol w="377888">
+                  <a:extLst>
+                    <a:ext uri="{9D8B030D-6E8A-4147-A177-3AD203B41FA5}">
+                      <a16:colId xmlns:a16="http://schemas.microsoft.com/office/drawing/2014/main" val="3402371315"/>
+                    </a:ext>
+                  </a:extLst>
+                </a:gridCol>
+              </a:tblGrid>
+              <a:tr h="379710">
+                <a:tc>
+                  <a:txBody>
+                    <a:bodyPr/>
+                    <a:lstStyle/>
+                    <a:p>
+                      <a:endParaRPr lang="de-DE" dirty="0"/>
+                    </a:p>
+                  </a:txBody>
+                  <a:tcPr/>
+                </a:tc>
+                <a:tc>
+                  <a:txBody>
+                    <a:bodyPr/>
+                    <a:lstStyle/>
+                    <a:p>
+                      <a:endParaRPr lang="de-DE"/>
+                    </a:p>
+                  </a:txBody>
+                  <a:tcPr/>
+                </a:tc>
+                <a:tc>
+                  <a:txBody>
+                    <a:bodyPr/>
+                    <a:lstStyle/>
+                    <a:p>
+                      <a:endParaRPr lang="de-DE"/>
+                    </a:p>
+                  </a:txBody>
+                  <a:tcPr/>
+                </a:tc>
+                <a:tc>
+                  <a:txBody>
+                    <a:bodyPr/>
+                    <a:lstStyle/>
+                    <a:p>
+                      <a:endParaRPr lang="de-DE"/>
+                    </a:p>
+                  </a:txBody>
+                  <a:tcPr/>
+                </a:tc>
+                <a:tc>
+                  <a:txBody>
+                    <a:bodyPr/>
+                    <a:lstStyle/>
+                    <a:p>
+                      <a:endParaRPr lang="de-DE"/>
+                    </a:p>
+                  </a:txBody>
+                  <a:tcPr/>
+                </a:tc>
+                <a:tc>
+                  <a:txBody>
+                    <a:bodyPr/>
+                    <a:lstStyle/>
+                    <a:p>
+                      <a:endParaRPr lang="de-DE"/>
+                    </a:p>
+                  </a:txBody>
+                  <a:tcPr/>
+                </a:tc>
+                <a:tc>
+                  <a:txBody>
+                    <a:bodyPr/>
+                    <a:lstStyle/>
+                    <a:p>
+                      <a:endParaRPr lang="de-DE"/>
+                    </a:p>
+                  </a:txBody>
+                  <a:tcPr/>
+                </a:tc>
+                <a:tc>
+                  <a:txBody>
+                    <a:bodyPr/>
+                    <a:lstStyle/>
+                    <a:p>
+                      <a:endParaRPr lang="de-DE"/>
+                    </a:p>
+                  </a:txBody>
+                  <a:tcPr/>
+                </a:tc>
+                <a:extLst>
+                  <a:ext uri="{0D108BD9-81ED-4DB2-BD59-A6C34878D82A}">
+                    <a16:rowId xmlns:a16="http://schemas.microsoft.com/office/drawing/2014/main" val="4177159803"/>
+                  </a:ext>
+                </a:extLst>
+              </a:tr>
+              <a:tr h="379710">
+                <a:tc>
+                  <a:txBody>
+                    <a:bodyPr/>
+                    <a:lstStyle/>
+                    <a:p>
+                      <a:endParaRPr lang="de-DE"/>
+                    </a:p>
+                  </a:txBody>
+                  <a:tcPr/>
+                </a:tc>
+                <a:tc>
+                  <a:txBody>
+                    <a:bodyPr/>
+                    <a:lstStyle/>
+                    <a:p>
+                      <a:endParaRPr lang="de-DE"/>
+                    </a:p>
+                  </a:txBody>
+                  <a:tcPr/>
+                </a:tc>
+                <a:tc>
+                  <a:txBody>
+                    <a:bodyPr/>
+                    <a:lstStyle/>
+                    <a:p>
+                      <a:endParaRPr lang="de-DE"/>
+                    </a:p>
+                  </a:txBody>
+                  <a:tcPr/>
+                </a:tc>
+                <a:tc>
+                  <a:txBody>
+                    <a:bodyPr/>
+                    <a:lstStyle/>
+                    <a:p>
+                      <a:endParaRPr lang="de-DE"/>
+                    </a:p>
+                  </a:txBody>
+                  <a:tcPr/>
+                </a:tc>
+                <a:tc>
+                  <a:txBody>
+                    <a:bodyPr/>
+                    <a:lstStyle/>
+                    <a:p>
+                      <a:endParaRPr lang="de-DE"/>
+                    </a:p>
+                  </a:txBody>
+                  <a:tcPr/>
+                </a:tc>
+                <a:tc>
+                  <a:txBody>
+                    <a:bodyPr/>
+                    <a:lstStyle/>
+                    <a:p>
+                      <a:endParaRPr lang="de-DE"/>
+                    </a:p>
+                  </a:txBody>
+                  <a:tcPr/>
+                </a:tc>
+                <a:tc>
+                  <a:txBody>
+                    <a:bodyPr/>
+                    <a:lstStyle/>
+                    <a:p>
+                      <a:endParaRPr lang="de-DE" dirty="0"/>
+                    </a:p>
+                  </a:txBody>
+                  <a:tcPr/>
+                </a:tc>
+                <a:tc>
+                  <a:txBody>
+                    <a:bodyPr/>
+                    <a:lstStyle/>
+                    <a:p>
+                      <a:endParaRPr lang="de-DE"/>
+                    </a:p>
+                  </a:txBody>
+                  <a:tcPr/>
+                </a:tc>
+                <a:extLst>
+                  <a:ext uri="{0D108BD9-81ED-4DB2-BD59-A6C34878D82A}">
+                    <a16:rowId xmlns:a16="http://schemas.microsoft.com/office/drawing/2014/main" val="2840869900"/>
+                  </a:ext>
+                </a:extLst>
+              </a:tr>
+              <a:tr h="379710">
+                <a:tc>
+                  <a:txBody>
+                    <a:bodyPr/>
+                    <a:lstStyle/>
+                    <a:p>
+                      <a:endParaRPr lang="de-DE"/>
+                    </a:p>
+                  </a:txBody>
+                  <a:tcPr/>
+                </a:tc>
+                <a:tc>
+                  <a:txBody>
+                    <a:bodyPr/>
+                    <a:lstStyle/>
+                    <a:p>
+                      <a:endParaRPr lang="de-DE"/>
+                    </a:p>
+                  </a:txBody>
+                  <a:tcPr/>
+                </a:tc>
+                <a:tc>
+                  <a:txBody>
+                    <a:bodyPr/>
+                    <a:lstStyle/>
+                    <a:p>
+                      <a:endParaRPr lang="de-DE"/>
+                    </a:p>
+                  </a:txBody>
+                  <a:tcPr/>
+                </a:tc>
+                <a:tc>
+                  <a:txBody>
+                    <a:bodyPr/>
+                    <a:lstStyle/>
+                    <a:p>
+                      <a:endParaRPr lang="de-DE"/>
+                    </a:p>
+                  </a:txBody>
+                  <a:tcPr/>
+                </a:tc>
+                <a:tc>
+                  <a:txBody>
+                    <a:bodyPr/>
+                    <a:lstStyle/>
+                    <a:p>
+                      <a:endParaRPr lang="de-DE"/>
+                    </a:p>
+                  </a:txBody>
+                  <a:tcPr/>
+                </a:tc>
+                <a:tc>
+                  <a:txBody>
+                    <a:bodyPr/>
+                    <a:lstStyle/>
+                    <a:p>
+                      <a:endParaRPr lang="de-DE"/>
+                    </a:p>
+                  </a:txBody>
+                  <a:tcPr/>
+                </a:tc>
+                <a:tc>
+                  <a:txBody>
+                    <a:bodyPr/>
+                    <a:lstStyle/>
+                    <a:p>
+                      <a:endParaRPr lang="de-DE"/>
+                    </a:p>
+                  </a:txBody>
+                  <a:tcPr/>
+                </a:tc>
+                <a:tc>
+                  <a:txBody>
+                    <a:bodyPr/>
+                    <a:lstStyle/>
+                    <a:p>
+                      <a:endParaRPr lang="de-DE"/>
+                    </a:p>
+                  </a:txBody>
+                  <a:tcPr/>
+                </a:tc>
+                <a:extLst>
+                  <a:ext uri="{0D108BD9-81ED-4DB2-BD59-A6C34878D82A}">
+                    <a16:rowId xmlns:a16="http://schemas.microsoft.com/office/drawing/2014/main" val="3537982223"/>
+                  </a:ext>
+                </a:extLst>
+              </a:tr>
+              <a:tr h="379710">
+                <a:tc>
+                  <a:txBody>
+                    <a:bodyPr/>
+                    <a:lstStyle/>
+                    <a:p>
+                      <a:endParaRPr lang="de-DE"/>
+                    </a:p>
+                  </a:txBody>
+                  <a:tcPr/>
+                </a:tc>
+                <a:tc>
+                  <a:txBody>
+                    <a:bodyPr/>
+                    <a:lstStyle/>
+                    <a:p>
+                      <a:endParaRPr lang="de-DE"/>
+                    </a:p>
+                  </a:txBody>
+                  <a:tcPr/>
+                </a:tc>
+                <a:tc>
+                  <a:txBody>
+                    <a:bodyPr/>
+                    <a:lstStyle/>
+                    <a:p>
+                      <a:endParaRPr lang="de-DE"/>
+                    </a:p>
+                  </a:txBody>
+                  <a:tcPr/>
+                </a:tc>
+                <a:tc>
+                  <a:txBody>
+                    <a:bodyPr/>
+                    <a:lstStyle/>
+                    <a:p>
+                      <a:endParaRPr lang="de-DE"/>
+                    </a:p>
+                  </a:txBody>
+                  <a:tcPr/>
+                </a:tc>
+                <a:tc>
+                  <a:txBody>
+                    <a:bodyPr/>
+                    <a:lstStyle/>
+                    <a:p>
+                      <a:endParaRPr lang="de-DE"/>
+                    </a:p>
+                  </a:txBody>
+                  <a:tcPr/>
+                </a:tc>
+                <a:tc>
+                  <a:txBody>
+                    <a:bodyPr/>
+                    <a:lstStyle/>
+                    <a:p>
+                      <a:endParaRPr lang="de-DE"/>
+                    </a:p>
+                  </a:txBody>
+                  <a:tcPr/>
+                </a:tc>
+                <a:tc>
+                  <a:txBody>
+                    <a:bodyPr/>
+                    <a:lstStyle/>
+                    <a:p>
+                      <a:endParaRPr lang="de-DE"/>
+                    </a:p>
+                  </a:txBody>
+                  <a:tcPr/>
+                </a:tc>
+                <a:tc>
+                  <a:txBody>
+                    <a:bodyPr/>
+                    <a:lstStyle/>
+                    <a:p>
+                      <a:endParaRPr lang="de-DE"/>
+                    </a:p>
+                  </a:txBody>
+                  <a:tcPr/>
+                </a:tc>
+                <a:extLst>
+                  <a:ext uri="{0D108BD9-81ED-4DB2-BD59-A6C34878D82A}">
+                    <a16:rowId xmlns:a16="http://schemas.microsoft.com/office/drawing/2014/main" val="2800280576"/>
+                  </a:ext>
+                </a:extLst>
+              </a:tr>
+              <a:tr h="379710">
+                <a:tc>
+                  <a:txBody>
+                    <a:bodyPr/>
+                    <a:lstStyle/>
+                    <a:p>
+                      <a:endParaRPr lang="de-DE"/>
+                    </a:p>
+                  </a:txBody>
+                  <a:tcPr/>
+                </a:tc>
+                <a:tc>
+                  <a:txBody>
+                    <a:bodyPr/>
+                    <a:lstStyle/>
+                    <a:p>
+                      <a:endParaRPr lang="de-DE"/>
+                    </a:p>
+                  </a:txBody>
+                  <a:tcPr/>
+                </a:tc>
+                <a:tc>
+                  <a:txBody>
+                    <a:bodyPr/>
+                    <a:lstStyle/>
+                    <a:p>
+                      <a:endParaRPr lang="de-DE"/>
+                    </a:p>
+                  </a:txBody>
+                  <a:tcPr/>
+                </a:tc>
+                <a:tc>
+                  <a:txBody>
+                    <a:bodyPr/>
+                    <a:lstStyle/>
+                    <a:p>
+                      <a:endParaRPr lang="de-DE"/>
+                    </a:p>
+                  </a:txBody>
+                  <a:tcPr/>
+                </a:tc>
+                <a:tc>
+                  <a:txBody>
+                    <a:bodyPr/>
+                    <a:lstStyle/>
+                    <a:p>
+                      <a:endParaRPr lang="de-DE"/>
+                    </a:p>
+                  </a:txBody>
+                  <a:tcPr/>
+                </a:tc>
+                <a:tc>
+                  <a:txBody>
+                    <a:bodyPr/>
+                    <a:lstStyle/>
+                    <a:p>
+                      <a:endParaRPr lang="de-DE"/>
+                    </a:p>
+                  </a:txBody>
+                  <a:tcPr/>
+                </a:tc>
+                <a:tc>
+                  <a:txBody>
+                    <a:bodyPr/>
+                    <a:lstStyle/>
+                    <a:p>
+                      <a:endParaRPr lang="de-DE"/>
+                    </a:p>
+                  </a:txBody>
+                  <a:tcPr/>
+                </a:tc>
+                <a:tc>
+                  <a:txBody>
+                    <a:bodyPr/>
+                    <a:lstStyle/>
+                    <a:p>
+                      <a:endParaRPr lang="de-DE"/>
+                    </a:p>
+                  </a:txBody>
+                  <a:tcPr/>
+                </a:tc>
+                <a:extLst>
+                  <a:ext uri="{0D108BD9-81ED-4DB2-BD59-A6C34878D82A}">
+                    <a16:rowId xmlns:a16="http://schemas.microsoft.com/office/drawing/2014/main" val="3027754330"/>
+                  </a:ext>
+                </a:extLst>
+              </a:tr>
+              <a:tr h="379710">
+                <a:tc>
+                  <a:txBody>
+                    <a:bodyPr/>
+                    <a:lstStyle/>
+                    <a:p>
+                      <a:endParaRPr lang="de-DE"/>
+                    </a:p>
+                  </a:txBody>
+                  <a:tcPr/>
+                </a:tc>
+                <a:tc>
+                  <a:txBody>
+                    <a:bodyPr/>
+                    <a:lstStyle/>
+                    <a:p>
+                      <a:endParaRPr lang="de-DE"/>
+                    </a:p>
+                  </a:txBody>
+                  <a:tcPr/>
+                </a:tc>
+                <a:tc>
+                  <a:txBody>
+                    <a:bodyPr/>
+                    <a:lstStyle/>
+                    <a:p>
+                      <a:endParaRPr lang="de-DE"/>
+                    </a:p>
+                  </a:txBody>
+                  <a:tcPr/>
+                </a:tc>
+                <a:tc>
+                  <a:txBody>
+                    <a:bodyPr/>
+                    <a:lstStyle/>
+                    <a:p>
+                      <a:endParaRPr lang="de-DE"/>
+                    </a:p>
+                  </a:txBody>
+                  <a:tcPr/>
+                </a:tc>
+                <a:tc>
+                  <a:txBody>
+                    <a:bodyPr/>
+                    <a:lstStyle/>
+                    <a:p>
+                      <a:endParaRPr lang="de-DE"/>
+                    </a:p>
+                  </a:txBody>
+                  <a:tcPr/>
+                </a:tc>
+                <a:tc>
+                  <a:txBody>
+                    <a:bodyPr/>
+                    <a:lstStyle/>
+                    <a:p>
+                      <a:endParaRPr lang="de-DE"/>
+                    </a:p>
+                  </a:txBody>
+                  <a:tcPr/>
+                </a:tc>
+                <a:tc>
+                  <a:txBody>
+                    <a:bodyPr/>
+                    <a:lstStyle/>
+                    <a:p>
+                      <a:endParaRPr lang="de-DE"/>
+                    </a:p>
+                  </a:txBody>
+                  <a:tcPr/>
+                </a:tc>
+                <a:tc>
+                  <a:txBody>
+                    <a:bodyPr/>
+                    <a:lstStyle/>
+                    <a:p>
+                      <a:endParaRPr lang="de-DE"/>
+                    </a:p>
+                  </a:txBody>
+                  <a:tcPr/>
+                </a:tc>
+                <a:extLst>
+                  <a:ext uri="{0D108BD9-81ED-4DB2-BD59-A6C34878D82A}">
+                    <a16:rowId xmlns:a16="http://schemas.microsoft.com/office/drawing/2014/main" val="2816430671"/>
+                  </a:ext>
+                </a:extLst>
+              </a:tr>
+              <a:tr h="379710">
+                <a:tc>
+                  <a:txBody>
+                    <a:bodyPr/>
+                    <a:lstStyle/>
+                    <a:p>
+                      <a:endParaRPr lang="de-DE"/>
+                    </a:p>
+                  </a:txBody>
+                  <a:tcPr/>
+                </a:tc>
+                <a:tc>
+                  <a:txBody>
+                    <a:bodyPr/>
+                    <a:lstStyle/>
+                    <a:p>
+                      <a:endParaRPr lang="de-DE"/>
+                    </a:p>
+                  </a:txBody>
+                  <a:tcPr/>
+                </a:tc>
+                <a:tc>
+                  <a:txBody>
+                    <a:bodyPr/>
+                    <a:lstStyle/>
+                    <a:p>
+                      <a:endParaRPr lang="de-DE"/>
+                    </a:p>
+                  </a:txBody>
+                  <a:tcPr/>
+                </a:tc>
+                <a:tc>
+                  <a:txBody>
+                    <a:bodyPr/>
+                    <a:lstStyle/>
+                    <a:p>
+                      <a:endParaRPr lang="de-DE"/>
+                    </a:p>
+                  </a:txBody>
+                  <a:tcPr/>
+                </a:tc>
+                <a:tc>
+                  <a:txBody>
+                    <a:bodyPr/>
+                    <a:lstStyle/>
+                    <a:p>
+                      <a:endParaRPr lang="de-DE"/>
+                    </a:p>
+                  </a:txBody>
+                  <a:tcPr/>
+                </a:tc>
+                <a:tc>
+                  <a:txBody>
+                    <a:bodyPr/>
+                    <a:lstStyle/>
+                    <a:p>
+                      <a:endParaRPr lang="de-DE"/>
+                    </a:p>
+                  </a:txBody>
+                  <a:tcPr/>
+                </a:tc>
+                <a:tc>
+                  <a:txBody>
+                    <a:bodyPr/>
+                    <a:lstStyle/>
+                    <a:p>
+                      <a:endParaRPr lang="de-DE"/>
+                    </a:p>
+                  </a:txBody>
+                  <a:tcPr/>
+                </a:tc>
+                <a:tc>
+                  <a:txBody>
+                    <a:bodyPr/>
+                    <a:lstStyle/>
+                    <a:p>
+                      <a:endParaRPr lang="de-DE"/>
+                    </a:p>
+                  </a:txBody>
+                  <a:tcPr/>
+                </a:tc>
+                <a:extLst>
+                  <a:ext uri="{0D108BD9-81ED-4DB2-BD59-A6C34878D82A}">
+                    <a16:rowId xmlns:a16="http://schemas.microsoft.com/office/drawing/2014/main" val="2931689276"/>
+                  </a:ext>
+                </a:extLst>
+              </a:tr>
+              <a:tr h="379710">
+                <a:tc>
+                  <a:txBody>
+                    <a:bodyPr/>
+                    <a:lstStyle/>
+                    <a:p>
+                      <a:endParaRPr lang="de-DE"/>
+                    </a:p>
+                  </a:txBody>
+                  <a:tcPr/>
+                </a:tc>
+                <a:tc>
+                  <a:txBody>
+                    <a:bodyPr/>
+                    <a:lstStyle/>
+                    <a:p>
+                      <a:endParaRPr lang="de-DE" dirty="0"/>
+                    </a:p>
+                  </a:txBody>
+                  <a:tcPr/>
+                </a:tc>
+                <a:tc>
+                  <a:txBody>
+                    <a:bodyPr/>
+                    <a:lstStyle/>
+                    <a:p>
+                      <a:endParaRPr lang="de-DE"/>
+                    </a:p>
+                  </a:txBody>
+                  <a:tcPr/>
+                </a:tc>
+                <a:tc>
+                  <a:txBody>
+                    <a:bodyPr/>
+                    <a:lstStyle/>
+                    <a:p>
+                      <a:endParaRPr lang="de-DE"/>
+                    </a:p>
+                  </a:txBody>
+                  <a:tcPr/>
+                </a:tc>
+                <a:tc>
+                  <a:txBody>
+                    <a:bodyPr/>
+                    <a:lstStyle/>
+                    <a:p>
+                      <a:endParaRPr lang="de-DE"/>
+                    </a:p>
+                  </a:txBody>
+                  <a:tcPr/>
+                </a:tc>
+                <a:tc>
+                  <a:txBody>
+                    <a:bodyPr/>
+                    <a:lstStyle/>
+                    <a:p>
+                      <a:endParaRPr lang="de-DE" dirty="0"/>
+                    </a:p>
+                  </a:txBody>
+                  <a:tcPr/>
+                </a:tc>
+                <a:tc>
+                  <a:txBody>
+                    <a:bodyPr/>
+                    <a:lstStyle/>
+                    <a:p>
+                      <a:endParaRPr lang="de-DE"/>
+                    </a:p>
+                  </a:txBody>
+                  <a:tcPr/>
+                </a:tc>
+                <a:tc>
+                  <a:txBody>
+                    <a:bodyPr/>
+                    <a:lstStyle/>
+                    <a:p>
+                      <a:endParaRPr lang="de-DE" dirty="0"/>
+                    </a:p>
+                  </a:txBody>
+                  <a:tcPr/>
+                </a:tc>
+                <a:extLst>
+                  <a:ext uri="{0D108BD9-81ED-4DB2-BD59-A6C34878D82A}">
+                    <a16:rowId xmlns:a16="http://schemas.microsoft.com/office/drawing/2014/main" val="1199427247"/>
+                  </a:ext>
+                </a:extLst>
+              </a:tr>
+            </a:tbl>
+          </a:graphicData>
+        </a:graphic>
+      </p:graphicFrame>
+      <p:sp>
+        <p:nvSpPr>
+          <p:cNvPr id="15" name="TextBox 14"/>
+          <p:cNvSpPr txBox="1"/>
+          <p:nvPr/>
+        </p:nvSpPr>
+        <p:spPr>
+          <a:xfrm>
+            <a:off x="929570" y="2905780"/>
+            <a:ext cx="1076192" cy="523220"/>
+          </a:xfrm>
+          <a:prstGeom prst="rect">
+            <a:avLst/>
+          </a:prstGeom>
+          <a:noFill/>
+        </p:spPr>
+        <p:txBody>
+          <a:bodyPr wrap="none" rtlCol="0">
+            <a:spAutoFit/>
+          </a:bodyPr>
+          <a:lstStyle/>
+          <a:p>
+            <a:r>
+              <a:rPr lang="de-DE" sz="2800" dirty="0" smtClean="0"/>
+              <a:t>Image</a:t>
+            </a:r>
+            <a:endParaRPr lang="de-DE" sz="2800" dirty="0"/>
+          </a:p>
+        </p:txBody>
+      </p:sp>
+      <p:sp>
+        <p:nvSpPr>
+          <p:cNvPr id="16" name="TextBox 15"/>
+          <p:cNvSpPr txBox="1"/>
+          <p:nvPr/>
+        </p:nvSpPr>
+        <p:spPr>
+          <a:xfrm>
+            <a:off x="989811" y="5315820"/>
+            <a:ext cx="955711" cy="523220"/>
+          </a:xfrm>
+          <a:prstGeom prst="rect">
+            <a:avLst/>
+          </a:prstGeom>
+          <a:noFill/>
+        </p:spPr>
+        <p:txBody>
+          <a:bodyPr wrap="none" rtlCol="0">
+            <a:spAutoFit/>
+          </a:bodyPr>
+          <a:lstStyle/>
+          <a:p>
+            <a:r>
+              <a:rPr lang="de-DE" sz="2800" dirty="0"/>
+              <a:t>Label</a:t>
+            </a:r>
+            <a:endParaRPr lang="de-DE" sz="2800" dirty="0"/>
+          </a:p>
+        </p:txBody>
+      </p:sp>
+      <p:sp>
+        <p:nvSpPr>
+          <p:cNvPr id="17" name="TextBox 16"/>
+          <p:cNvSpPr txBox="1"/>
+          <p:nvPr/>
+        </p:nvSpPr>
+        <p:spPr>
+          <a:xfrm>
+            <a:off x="4073816" y="5298887"/>
+            <a:ext cx="1166986" cy="523220"/>
+          </a:xfrm>
+          <a:prstGeom prst="rect">
+            <a:avLst/>
+          </a:prstGeom>
+          <a:noFill/>
+        </p:spPr>
+        <p:txBody>
+          <a:bodyPr wrap="none" rtlCol="0">
+            <a:spAutoFit/>
+          </a:bodyPr>
+          <a:lstStyle/>
+          <a:p>
+            <a:r>
+              <a:rPr lang="de-DE" sz="2800" dirty="0" err="1"/>
+              <a:t>Singlet</a:t>
+            </a:r>
+            <a:endParaRPr lang="de-DE" sz="2800" dirty="0"/>
+          </a:p>
+        </p:txBody>
+      </p:sp>
+      <p:sp>
+        <p:nvSpPr>
+          <p:cNvPr id="18" name="TextBox 17"/>
+          <p:cNvSpPr txBox="1"/>
+          <p:nvPr/>
+        </p:nvSpPr>
+        <p:spPr>
+          <a:xfrm>
+            <a:off x="8399826" y="5315820"/>
+            <a:ext cx="1351332" cy="523220"/>
+          </a:xfrm>
+          <a:prstGeom prst="rect">
+            <a:avLst/>
+          </a:prstGeom>
+          <a:noFill/>
+        </p:spPr>
+        <p:txBody>
+          <a:bodyPr wrap="none" rtlCol="0">
+            <a:spAutoFit/>
+          </a:bodyPr>
+          <a:lstStyle/>
+          <a:p>
+            <a:r>
+              <a:rPr lang="de-DE" sz="2800" dirty="0" err="1"/>
+              <a:t>Doublet</a:t>
+            </a:r>
+            <a:endParaRPr lang="de-DE" sz="2800" dirty="0"/>
+          </a:p>
+        </p:txBody>
+      </p:sp>
+    </p:spTree>
+    <p:extLst>
+      <p:ext uri="{BB962C8B-B14F-4D97-AF65-F5344CB8AC3E}">
+        <p14:creationId xmlns:p14="http://schemas.microsoft.com/office/powerpoint/2010/main" val="399729597"/>
+      </p:ext>
+    </p:extLst>
+  </p:cSld>
+  <p:clrMapOvr>
+    <a:masterClrMapping/>
+  </p:clrMapOvr>
+  <p:timing>
+    <p:tnLst>
+      <p:par>
+        <p:cTn id="1" dur="indefinite" restart="never" nodeType="tmRoot">
+          <p:childTnLst>
+            <p:seq concurrent="1" nextAc="seek">
+              <p:cTn id="2" dur="indefinite" nodeType="mainSeq">
+                <p:childTnLst>
+                  <p:par>
+                    <p:cTn id="3" fill="hold">
+                      <p:stCondLst>
+                        <p:cond delay="indefinite"/>
+                      </p:stCondLst>
+                      <p:childTnLst>
+                        <p:par>
+                          <p:cTn id="4" fill="hold">
+                            <p:stCondLst>
+                              <p:cond delay="0"/>
+                            </p:stCondLst>
+                            <p:childTnLst>
+                              <p:par>
+                                <p:cTn id="5" presetID="10" presetClass="entr" presetSubtype="0" fill="hold" nodeType="clickEffect">
+                                  <p:stCondLst>
+                                    <p:cond delay="0"/>
+                                  </p:stCondLst>
+                                  <p:childTnLst>
+                                    <p:set>
+                                      <p:cBhvr>
+                                        <p:cTn id="6" dur="1" fill="hold">
+                                          <p:stCondLst>
+                                            <p:cond delay="0"/>
+                                          </p:stCondLst>
+                                        </p:cTn>
+                                        <p:tgtEl>
+                                          <p:spTgt spid="11"/>
+                                        </p:tgtEl>
+                                        <p:attrNameLst>
+                                          <p:attrName>style.visibility</p:attrName>
+                                        </p:attrNameLst>
+                                      </p:cBhvr>
+                                      <p:to>
+                                        <p:strVal val="visible"/>
+                                      </p:to>
+                                    </p:set>
+                                    <p:animEffect transition="in" filter="fade">
+                                      <p:cBhvr>
+                                        <p:cTn id="7" dur="500"/>
+                                        <p:tgtEl>
+                                          <p:spTgt spid="11"/>
+                                        </p:tgtEl>
+                                      </p:cBhvr>
+                                    </p:animEffect>
+                                  </p:childTnLst>
+                                </p:cTn>
+                              </p:par>
+                            </p:childTnLst>
+                          </p:cTn>
+                        </p:par>
+                      </p:childTnLst>
+                    </p:cTn>
+                  </p:par>
+                  <p:par>
+                    <p:cTn id="8" fill="hold">
+                      <p:stCondLst>
+                        <p:cond delay="indefinite"/>
+                      </p:stCondLst>
+                      <p:childTnLst>
+                        <p:par>
+                          <p:cTn id="9" fill="hold">
+                            <p:stCondLst>
+                              <p:cond delay="0"/>
+                            </p:stCondLst>
+                            <p:childTnLst>
+                              <p:par>
+                                <p:cTn id="10" presetID="10" presetClass="entr" presetSubtype="0" fill="hold" nodeType="clickEffect">
+                                  <p:stCondLst>
+                                    <p:cond delay="0"/>
+                                  </p:stCondLst>
+                                  <p:childTnLst>
+                                    <p:set>
+                                      <p:cBhvr>
+                                        <p:cTn id="11" dur="1" fill="hold">
+                                          <p:stCondLst>
+                                            <p:cond delay="0"/>
+                                          </p:stCondLst>
+                                        </p:cTn>
+                                        <p:tgtEl>
+                                          <p:spTgt spid="12"/>
+                                        </p:tgtEl>
+                                        <p:attrNameLst>
+                                          <p:attrName>style.visibility</p:attrName>
+                                        </p:attrNameLst>
+                                      </p:cBhvr>
+                                      <p:to>
+                                        <p:strVal val="visible"/>
+                                      </p:to>
+                                    </p:set>
+                                    <p:animEffect transition="in" filter="fade">
+                                      <p:cBhvr>
+                                        <p:cTn id="12" dur="500"/>
+                                        <p:tgtEl>
+                                          <p:spTgt spid="12"/>
+                                        </p:tgtEl>
+                                      </p:cBhvr>
+                                    </p:animEffect>
+                                  </p:childTnLst>
+                                </p:cTn>
+                              </p:par>
+                            </p:childTnLst>
+                          </p:cTn>
+                        </p:par>
+                      </p:childTnLst>
+                    </p:cTn>
+                  </p:par>
+                  <p:par>
+                    <p:cTn id="13" fill="hold">
+                      <p:stCondLst>
+                        <p:cond delay="indefinite"/>
+                      </p:stCondLst>
+                      <p:childTnLst>
+                        <p:par>
+                          <p:cTn id="14" fill="hold">
+                            <p:stCondLst>
+                              <p:cond delay="0"/>
+                            </p:stCondLst>
+                            <p:childTnLst>
+                              <p:par>
+                                <p:cTn id="15" presetID="10" presetClass="entr" presetSubtype="0" fill="hold" nodeType="clickEffect">
+                                  <p:stCondLst>
+                                    <p:cond delay="0"/>
+                                  </p:stCondLst>
+                                  <p:childTnLst>
+                                    <p:set>
+                                      <p:cBhvr>
+                                        <p:cTn id="16" dur="1" fill="hold">
+                                          <p:stCondLst>
+                                            <p:cond delay="0"/>
+                                          </p:stCondLst>
+                                        </p:cTn>
+                                        <p:tgtEl>
+                                          <p:spTgt spid="13"/>
+                                        </p:tgtEl>
+                                        <p:attrNameLst>
+                                          <p:attrName>style.visibility</p:attrName>
+                                        </p:attrNameLst>
+                                      </p:cBhvr>
+                                      <p:to>
+                                        <p:strVal val="visible"/>
+                                      </p:to>
+                                    </p:set>
+                                    <p:animEffect transition="in" filter="fade">
+                                      <p:cBhvr>
+                                        <p:cTn id="17" dur="500"/>
+                                        <p:tgtEl>
+                                          <p:spTgt spid="13"/>
+                                        </p:tgtEl>
+                                      </p:cBhvr>
+                                    </p:animEffect>
+                                  </p:childTnLst>
+                                </p:cTn>
+                              </p:par>
+                            </p:childTnLst>
+                          </p:cTn>
+                        </p:par>
+                      </p:childTnLst>
+                    </p:cTn>
+                  </p:par>
+                  <p:par>
+                    <p:cTn id="18" fill="hold">
+                      <p:stCondLst>
+                        <p:cond delay="indefinite"/>
+                      </p:stCondLst>
+                      <p:childTnLst>
+                        <p:par>
+                          <p:cTn id="19" fill="hold">
+                            <p:stCondLst>
+                              <p:cond delay="0"/>
+                            </p:stCondLst>
+                            <p:childTnLst>
+                              <p:par>
+                                <p:cTn id="20" presetID="10" presetClass="entr" presetSubtype="0" fill="hold" nodeType="clickEffect">
+                                  <p:stCondLst>
+                                    <p:cond delay="0"/>
+                                  </p:stCondLst>
+                                  <p:childTnLst>
+                                    <p:set>
+                                      <p:cBhvr>
+                                        <p:cTn id="21" dur="1" fill="hold">
+                                          <p:stCondLst>
+                                            <p:cond delay="0"/>
+                                          </p:stCondLst>
+                                        </p:cTn>
+                                        <p:tgtEl>
+                                          <p:spTgt spid="14"/>
+                                        </p:tgtEl>
+                                        <p:attrNameLst>
+                                          <p:attrName>style.visibility</p:attrName>
+                                        </p:attrNameLst>
+                                      </p:cBhvr>
+                                      <p:to>
+                                        <p:strVal val="visible"/>
+                                      </p:to>
+                                    </p:set>
+                                    <p:animEffect transition="in" filter="fade">
+                                      <p:cBhvr>
+                                        <p:cTn id="22" dur="500"/>
+                                        <p:tgtEl>
+                                          <p:spTgt spid="14"/>
+                                        </p:tgtEl>
+                                      </p:cBhvr>
+                                    </p:animEffect>
+                                  </p:childTnLst>
+                                </p:cTn>
+                              </p:par>
+                            </p:childTnLst>
+                          </p:cTn>
+                        </p:par>
+                      </p:childTnLst>
+                    </p:cTn>
+                  </p:par>
+                  <p:par>
+                    <p:cTn id="23" fill="hold">
+                      <p:stCondLst>
+                        <p:cond delay="indefinite"/>
+                      </p:stCondLst>
+                      <p:childTnLst>
+                        <p:par>
+                          <p:cTn id="24" fill="hold">
+                            <p:stCondLst>
+                              <p:cond delay="0"/>
+                            </p:stCondLst>
+                            <p:childTnLst>
+                              <p:par>
+                                <p:cTn id="25" presetID="10" presetClass="entr" presetSubtype="0" fill="hold" grpId="0" nodeType="clickEffect">
+                                  <p:stCondLst>
+                                    <p:cond delay="0"/>
+                                  </p:stCondLst>
+                                  <p:childTnLst>
+                                    <p:set>
+                                      <p:cBhvr>
+                                        <p:cTn id="26" dur="1" fill="hold">
+                                          <p:stCondLst>
+                                            <p:cond delay="0"/>
+                                          </p:stCondLst>
+                                        </p:cTn>
+                                        <p:tgtEl>
+                                          <p:spTgt spid="15"/>
+                                        </p:tgtEl>
+                                        <p:attrNameLst>
+                                          <p:attrName>style.visibility</p:attrName>
+                                        </p:attrNameLst>
+                                      </p:cBhvr>
+                                      <p:to>
+                                        <p:strVal val="visible"/>
+                                      </p:to>
+                                    </p:set>
+                                    <p:animEffect transition="in" filter="fade">
+                                      <p:cBhvr>
+                                        <p:cTn id="27" dur="500"/>
+                                        <p:tgtEl>
+                                          <p:spTgt spid="15"/>
+                                        </p:tgtEl>
+                                      </p:cBhvr>
+                                    </p:animEffect>
+                                  </p:childTnLst>
+                                </p:cTn>
+                              </p:par>
+                            </p:childTnLst>
+                          </p:cTn>
+                        </p:par>
+                      </p:childTnLst>
+                    </p:cTn>
+                  </p:par>
+                  <p:par>
+                    <p:cTn id="28" fill="hold">
+                      <p:stCondLst>
+                        <p:cond delay="indefinite"/>
+                      </p:stCondLst>
+                      <p:childTnLst>
+                        <p:par>
+                          <p:cTn id="29" fill="hold">
+                            <p:stCondLst>
+                              <p:cond delay="0"/>
+                            </p:stCondLst>
+                            <p:childTnLst>
+                              <p:par>
+                                <p:cTn id="30" presetID="10" presetClass="entr" presetSubtype="0" fill="hold" grpId="0" nodeType="clickEffect">
+                                  <p:stCondLst>
+                                    <p:cond delay="0"/>
+                                  </p:stCondLst>
+                                  <p:childTnLst>
+                                    <p:set>
+                                      <p:cBhvr>
+                                        <p:cTn id="31" dur="1" fill="hold">
+                                          <p:stCondLst>
+                                            <p:cond delay="0"/>
+                                          </p:stCondLst>
+                                        </p:cTn>
+                                        <p:tgtEl>
+                                          <p:spTgt spid="16"/>
+                                        </p:tgtEl>
+                                        <p:attrNameLst>
+                                          <p:attrName>style.visibility</p:attrName>
+                                        </p:attrNameLst>
+                                      </p:cBhvr>
+                                      <p:to>
+                                        <p:strVal val="visible"/>
+                                      </p:to>
+                                    </p:set>
+                                    <p:animEffect transition="in" filter="fade">
+                                      <p:cBhvr>
+                                        <p:cTn id="32" dur="500"/>
+                                        <p:tgtEl>
+                                          <p:spTgt spid="16"/>
+                                        </p:tgtEl>
+                                      </p:cBhvr>
+                                    </p:animEffect>
+                                  </p:childTnLst>
+                                </p:cTn>
+                              </p:par>
+                              <p:par>
+                                <p:cTn id="33" presetID="10" presetClass="entr" presetSubtype="0" fill="hold" grpId="0" nodeType="withEffect">
+                                  <p:stCondLst>
+                                    <p:cond delay="0"/>
+                                  </p:stCondLst>
+                                  <p:childTnLst>
+                                    <p:set>
+                                      <p:cBhvr>
+                                        <p:cTn id="34" dur="1" fill="hold">
+                                          <p:stCondLst>
+                                            <p:cond delay="0"/>
+                                          </p:stCondLst>
+                                        </p:cTn>
+                                        <p:tgtEl>
+                                          <p:spTgt spid="17"/>
+                                        </p:tgtEl>
+                                        <p:attrNameLst>
+                                          <p:attrName>style.visibility</p:attrName>
+                                        </p:attrNameLst>
+                                      </p:cBhvr>
+                                      <p:to>
+                                        <p:strVal val="visible"/>
+                                      </p:to>
+                                    </p:set>
+                                    <p:animEffect transition="in" filter="fade">
+                                      <p:cBhvr>
+                                        <p:cTn id="35" dur="500"/>
+                                        <p:tgtEl>
+                                          <p:spTgt spid="17"/>
+                                        </p:tgtEl>
+                                      </p:cBhvr>
+                                    </p:animEffect>
+                                  </p:childTnLst>
+                                </p:cTn>
+                              </p:par>
+                              <p:par>
+                                <p:cTn id="36" presetID="10" presetClass="entr" presetSubtype="0" fill="hold" grpId="0" nodeType="withEffect">
+                                  <p:stCondLst>
+                                    <p:cond delay="0"/>
+                                  </p:stCondLst>
+                                  <p:childTnLst>
+                                    <p:set>
+                                      <p:cBhvr>
+                                        <p:cTn id="37" dur="1" fill="hold">
+                                          <p:stCondLst>
+                                            <p:cond delay="0"/>
+                                          </p:stCondLst>
+                                        </p:cTn>
+                                        <p:tgtEl>
+                                          <p:spTgt spid="18"/>
+                                        </p:tgtEl>
+                                        <p:attrNameLst>
+                                          <p:attrName>style.visibility</p:attrName>
+                                        </p:attrNameLst>
+                                      </p:cBhvr>
+                                      <p:to>
+                                        <p:strVal val="visible"/>
+                                      </p:to>
+                                    </p:set>
+                                    <p:animEffect transition="in" filter="fade">
+                                      <p:cBhvr>
+                                        <p:cTn id="38" dur="500"/>
+                                        <p:tgtEl>
+                                          <p:spTgt spid="18"/>
+                                        </p:tgtEl>
+                                      </p:cBhvr>
+                                    </p:animEffect>
+                                  </p:childTnLst>
+                                </p:cTn>
+                              </p:par>
+                            </p:childTnLst>
+                          </p:cTn>
+                        </p:par>
+                      </p:childTnLst>
+                    </p:cTn>
+                  </p:par>
+                </p:childTnLst>
+              </p:cTn>
+              <p:prevCondLst>
+                <p:cond evt="onPrev" delay="0">
+                  <p:tgtEl>
+                    <p:sldTgt/>
+                  </p:tgtEl>
+                </p:cond>
+              </p:prevCondLst>
+              <p:nextCondLst>
+                <p:cond evt="onNext" delay="0">
+                  <p:tgtEl>
+                    <p:sldTgt/>
+                  </p:tgtEl>
+                </p:cond>
+              </p:nextCondLst>
+            </p:seq>
+          </p:childTnLst>
+        </p:cTn>
+      </p:par>
+    </p:tnLst>
+    <p:bldLst>
+      <p:bldP spid="15" grpId="0"/>
+      <p:bldP spid="16" grpId="0"/>
+      <p:bldP spid="17" grpId="0"/>
+      <p:bldP spid="18" grpId="0"/>
+    </p:bldLst>
+  </p:timing>
+</p:sld>
+</file>
+
+<file path=ppt/slides/slide6.xml><?xml version="1.0" encoding="utf-8"?>
 <p:sld xmlns:a="http://schemas.openxmlformats.org/drawingml/2006/main" xmlns:r="http://schemas.openxmlformats.org/officeDocument/2006/relationships" xmlns:p="http://schemas.openxmlformats.org/presentationml/2006/main">
   <p:cSld>
     <p:spTree>
@@ -25444,7 +29241,7 @@
 </p:sld>
 </file>
 
-<file path=ppt/slides/slide6.xml><?xml version="1.0" encoding="utf-8"?>
+<file path=ppt/slides/slide7.xml><?xml version="1.0" encoding="utf-8"?>
 <p:sld xmlns:a="http://schemas.openxmlformats.org/drawingml/2006/main" xmlns:r="http://schemas.openxmlformats.org/officeDocument/2006/relationships" xmlns:p="http://schemas.openxmlformats.org/presentationml/2006/main">
   <p:cSld>
     <p:spTree>
@@ -26087,7 +29884,7 @@
 </p:sld>
 </file>
 
-<file path=ppt/slides/slide7.xml><?xml version="1.0" encoding="utf-8"?>
+<file path=ppt/slides/slide8.xml><?xml version="1.0" encoding="utf-8"?>
 <p:sld xmlns:a="http://schemas.openxmlformats.org/drawingml/2006/main" xmlns:r="http://schemas.openxmlformats.org/officeDocument/2006/relationships" xmlns:p="http://schemas.openxmlformats.org/presentationml/2006/main">
   <p:cSld>
     <p:spTree>
@@ -26284,7 +30081,7 @@
 </p:sld>
 </file>
 
-<file path=ppt/slides/slide8.xml><?xml version="1.0" encoding="utf-8"?>
+<file path=ppt/slides/slide9.xml><?xml version="1.0" encoding="utf-8"?>
 <p:sld xmlns:a="http://schemas.openxmlformats.org/drawingml/2006/main" xmlns:r="http://schemas.openxmlformats.org/officeDocument/2006/relationships" xmlns:p="http://schemas.openxmlformats.org/presentationml/2006/main">
   <p:cSld>
     <p:spTree>
@@ -26555,988 +30352,13 @@
 </p:sld>
 </file>
 
-<file path=ppt/slides/slide9.xml><?xml version="1.0" encoding="utf-8"?>
-<p:sld xmlns:a="http://schemas.openxmlformats.org/drawingml/2006/main" xmlns:r="http://schemas.openxmlformats.org/officeDocument/2006/relationships" xmlns:p="http://schemas.openxmlformats.org/presentationml/2006/main">
-  <p:cSld>
-    <p:spTree>
-      <p:nvGrpSpPr>
-        <p:cNvPr id="1" name=""/>
-        <p:cNvGrpSpPr/>
-        <p:nvPr/>
-      </p:nvGrpSpPr>
-      <p:grpSpPr>
-        <a:xfrm>
-          <a:off x="0" y="0"/>
-          <a:ext cx="0" cy="0"/>
-          <a:chOff x="0" y="0"/>
-          <a:chExt cx="0" cy="0"/>
-        </a:xfrm>
-      </p:grpSpPr>
-      <p:sp>
-        <p:nvSpPr>
-          <p:cNvPr id="2" name="Title 1"/>
-          <p:cNvSpPr>
-            <a:spLocks noGrp="1"/>
-          </p:cNvSpPr>
-          <p:nvPr>
-            <p:ph type="title"/>
-          </p:nvPr>
-        </p:nvSpPr>
-        <p:spPr/>
-        <p:txBody>
-          <a:bodyPr/>
-          <a:lstStyle/>
-          <a:p>
-            <a:r>
-              <a:rPr lang="de-DE" dirty="0" smtClean="0">
-                <a:solidFill>
-                  <a:schemeClr val="accent1"/>
-                </a:solidFill>
-                <a:latin typeface="Arial" panose="020B0604020202020204" pitchFamily="34" charset="0"/>
-                <a:cs typeface="Arial" panose="020B0604020202020204" pitchFamily="34" charset="0"/>
-              </a:rPr>
-              <a:t>Statistical </a:t>
-            </a:r>
-            <a:r>
-              <a:rPr lang="en-US" dirty="0" smtClean="0">
-                <a:solidFill>
-                  <a:schemeClr val="accent1"/>
-                </a:solidFill>
-                <a:latin typeface="Arial" panose="020B0604020202020204" pitchFamily="34" charset="0"/>
-                <a:cs typeface="Arial" panose="020B0604020202020204" pitchFamily="34" charset="0"/>
-              </a:rPr>
-              <a:t>features</a:t>
-            </a:r>
-            <a:endParaRPr lang="en-US" dirty="0">
-              <a:solidFill>
-                <a:schemeClr val="accent1"/>
-              </a:solidFill>
-              <a:latin typeface="Arial" panose="020B0604020202020204" pitchFamily="34" charset="0"/>
-              <a:cs typeface="Arial" panose="020B0604020202020204" pitchFamily="34" charset="0"/>
-            </a:endParaRPr>
-          </a:p>
-        </p:txBody>
-      </p:sp>
-      <p:sp>
-        <p:nvSpPr>
-          <p:cNvPr id="41" name="Content Placeholder 2"/>
-          <p:cNvSpPr txBox="1">
-            <a:spLocks/>
-          </p:cNvSpPr>
-          <p:nvPr/>
-        </p:nvSpPr>
-        <p:spPr>
-          <a:xfrm>
-            <a:off x="838200" y="1825625"/>
-            <a:ext cx="11150600" cy="4351338"/>
-          </a:xfrm>
-          <a:prstGeom prst="rect">
-            <a:avLst/>
-          </a:prstGeom>
-        </p:spPr>
-        <p:txBody>
-          <a:bodyPr vert="horz" lIns="91440" tIns="45720" rIns="91440" bIns="45720" rtlCol="0">
-            <a:normAutofit/>
-          </a:bodyPr>
-          <a:lstStyle>
-            <a:lvl1pPr marL="228600" indent="-228600" algn="l" defTabSz="914400" rtl="0" eaLnBrk="1" latinLnBrk="0" hangingPunct="1">
-              <a:lnSpc>
-                <a:spcPct val="90000"/>
-              </a:lnSpc>
-              <a:spcBef>
-                <a:spcPts val="1000"/>
-              </a:spcBef>
-              <a:buFont typeface="Arial" panose="020B0604020202020204" pitchFamily="34" charset="0"/>
-              <a:buChar char="•"/>
-              <a:defRPr sz="2800" kern="1200">
-                <a:solidFill>
-                  <a:schemeClr val="tx1"/>
-                </a:solidFill>
-                <a:latin typeface="+mn-lt"/>
-                <a:ea typeface="+mn-ea"/>
-                <a:cs typeface="+mn-cs"/>
-              </a:defRPr>
-            </a:lvl1pPr>
-            <a:lvl2pPr marL="685800" indent="-228600" algn="l" defTabSz="914400" rtl="0" eaLnBrk="1" latinLnBrk="0" hangingPunct="1">
-              <a:lnSpc>
-                <a:spcPct val="90000"/>
-              </a:lnSpc>
-              <a:spcBef>
-                <a:spcPts val="500"/>
-              </a:spcBef>
-              <a:buFont typeface="Arial" panose="020B0604020202020204" pitchFamily="34" charset="0"/>
-              <a:buChar char="•"/>
-              <a:defRPr sz="2400" kern="1200">
-                <a:solidFill>
-                  <a:schemeClr val="tx1"/>
-                </a:solidFill>
-                <a:latin typeface="+mn-lt"/>
-                <a:ea typeface="+mn-ea"/>
-                <a:cs typeface="+mn-cs"/>
-              </a:defRPr>
-            </a:lvl2pPr>
-            <a:lvl3pPr marL="1143000" indent="-228600" algn="l" defTabSz="914400" rtl="0" eaLnBrk="1" latinLnBrk="0" hangingPunct="1">
-              <a:lnSpc>
-                <a:spcPct val="90000"/>
-              </a:lnSpc>
-              <a:spcBef>
-                <a:spcPts val="500"/>
-              </a:spcBef>
-              <a:buFont typeface="Arial" panose="020B0604020202020204" pitchFamily="34" charset="0"/>
-              <a:buChar char="•"/>
-              <a:defRPr sz="2000" kern="1200">
-                <a:solidFill>
-                  <a:schemeClr val="tx1"/>
-                </a:solidFill>
-                <a:latin typeface="+mn-lt"/>
-                <a:ea typeface="+mn-ea"/>
-                <a:cs typeface="+mn-cs"/>
-              </a:defRPr>
-            </a:lvl3pPr>
-            <a:lvl4pPr marL="1600200" indent="-228600" algn="l" defTabSz="914400" rtl="0" eaLnBrk="1" latinLnBrk="0" hangingPunct="1">
-              <a:lnSpc>
-                <a:spcPct val="90000"/>
-              </a:lnSpc>
-              <a:spcBef>
-                <a:spcPts val="500"/>
-              </a:spcBef>
-              <a:buFont typeface="Arial" panose="020B0604020202020204" pitchFamily="34" charset="0"/>
-              <a:buChar char="•"/>
-              <a:defRPr sz="1800" kern="1200">
-                <a:solidFill>
-                  <a:schemeClr val="tx1"/>
-                </a:solidFill>
-                <a:latin typeface="+mn-lt"/>
-                <a:ea typeface="+mn-ea"/>
-                <a:cs typeface="+mn-cs"/>
-              </a:defRPr>
-            </a:lvl4pPr>
-            <a:lvl5pPr marL="2057400" indent="-228600" algn="l" defTabSz="914400" rtl="0" eaLnBrk="1" latinLnBrk="0" hangingPunct="1">
-              <a:lnSpc>
-                <a:spcPct val="90000"/>
-              </a:lnSpc>
-              <a:spcBef>
-                <a:spcPts val="500"/>
-              </a:spcBef>
-              <a:buFont typeface="Arial" panose="020B0604020202020204" pitchFamily="34" charset="0"/>
-              <a:buChar char="•"/>
-              <a:defRPr sz="1800" kern="1200">
-                <a:solidFill>
-                  <a:schemeClr val="tx1"/>
-                </a:solidFill>
-                <a:latin typeface="+mn-lt"/>
-                <a:ea typeface="+mn-ea"/>
-                <a:cs typeface="+mn-cs"/>
-              </a:defRPr>
-            </a:lvl5pPr>
-            <a:lvl6pPr marL="2514600" indent="-228600" algn="l" defTabSz="914400" rtl="0" eaLnBrk="1" latinLnBrk="0" hangingPunct="1">
-              <a:lnSpc>
-                <a:spcPct val="90000"/>
-              </a:lnSpc>
-              <a:spcBef>
-                <a:spcPts val="500"/>
-              </a:spcBef>
-              <a:buFont typeface="Arial" panose="020B0604020202020204" pitchFamily="34" charset="0"/>
-              <a:buChar char="•"/>
-              <a:defRPr sz="1800" kern="1200">
-                <a:solidFill>
-                  <a:schemeClr val="tx1"/>
-                </a:solidFill>
-                <a:latin typeface="+mn-lt"/>
-                <a:ea typeface="+mn-ea"/>
-                <a:cs typeface="+mn-cs"/>
-              </a:defRPr>
-            </a:lvl6pPr>
-            <a:lvl7pPr marL="2971800" indent="-228600" algn="l" defTabSz="914400" rtl="0" eaLnBrk="1" latinLnBrk="0" hangingPunct="1">
-              <a:lnSpc>
-                <a:spcPct val="90000"/>
-              </a:lnSpc>
-              <a:spcBef>
-                <a:spcPts val="500"/>
-              </a:spcBef>
-              <a:buFont typeface="Arial" panose="020B0604020202020204" pitchFamily="34" charset="0"/>
-              <a:buChar char="•"/>
-              <a:defRPr sz="1800" kern="1200">
-                <a:solidFill>
-                  <a:schemeClr val="tx1"/>
-                </a:solidFill>
-                <a:latin typeface="+mn-lt"/>
-                <a:ea typeface="+mn-ea"/>
-                <a:cs typeface="+mn-cs"/>
-              </a:defRPr>
-            </a:lvl7pPr>
-            <a:lvl8pPr marL="3429000" indent="-228600" algn="l" defTabSz="914400" rtl="0" eaLnBrk="1" latinLnBrk="0" hangingPunct="1">
-              <a:lnSpc>
-                <a:spcPct val="90000"/>
-              </a:lnSpc>
-              <a:spcBef>
-                <a:spcPts val="500"/>
-              </a:spcBef>
-              <a:buFont typeface="Arial" panose="020B0604020202020204" pitchFamily="34" charset="0"/>
-              <a:buChar char="•"/>
-              <a:defRPr sz="1800" kern="1200">
-                <a:solidFill>
-                  <a:schemeClr val="tx1"/>
-                </a:solidFill>
-                <a:latin typeface="+mn-lt"/>
-                <a:ea typeface="+mn-ea"/>
-                <a:cs typeface="+mn-cs"/>
-              </a:defRPr>
-            </a:lvl8pPr>
-            <a:lvl9pPr marL="3886200" indent="-228600" algn="l" defTabSz="914400" rtl="0" eaLnBrk="1" latinLnBrk="0" hangingPunct="1">
-              <a:lnSpc>
-                <a:spcPct val="90000"/>
-              </a:lnSpc>
-              <a:spcBef>
-                <a:spcPts val="500"/>
-              </a:spcBef>
-              <a:buFont typeface="Arial" panose="020B0604020202020204" pitchFamily="34" charset="0"/>
-              <a:buChar char="•"/>
-              <a:defRPr sz="1800" kern="1200">
-                <a:solidFill>
-                  <a:schemeClr val="tx1"/>
-                </a:solidFill>
-                <a:latin typeface="+mn-lt"/>
-                <a:ea typeface="+mn-ea"/>
-                <a:cs typeface="+mn-cs"/>
-              </a:defRPr>
-            </a:lvl9pPr>
-          </a:lstStyle>
-          <a:p>
-            <a:r>
-              <a:rPr lang="en-US" sz="1800" dirty="0" smtClean="0">
-                <a:solidFill>
-                  <a:schemeClr val="bg2">
-                    <a:lumMod val="25000"/>
-                  </a:schemeClr>
-                </a:solidFill>
-                <a:latin typeface="Arial" panose="020B0604020202020204" pitchFamily="34" charset="0"/>
-                <a:cs typeface="Arial" panose="020B0604020202020204" pitchFamily="34" charset="0"/>
-              </a:rPr>
-              <a:t>For every image, calculate the main statistical features (per channel)</a:t>
-            </a:r>
-          </a:p>
-          <a:p>
-            <a:endParaRPr lang="en-US" sz="1800" dirty="0" smtClean="0">
-              <a:solidFill>
-                <a:schemeClr val="bg2">
-                  <a:lumMod val="25000"/>
-                </a:schemeClr>
-              </a:solidFill>
-              <a:latin typeface="Arial" panose="020B0604020202020204" pitchFamily="34" charset="0"/>
-              <a:cs typeface="Arial" panose="020B0604020202020204" pitchFamily="34" charset="0"/>
-            </a:endParaRPr>
-          </a:p>
-          <a:p>
-            <a:pPr marL="0" indent="0">
-              <a:buNone/>
-            </a:pPr>
-            <a:endParaRPr lang="en-US" sz="1800" dirty="0">
-              <a:solidFill>
-                <a:schemeClr val="bg2">
-                  <a:lumMod val="25000"/>
-                </a:schemeClr>
-              </a:solidFill>
-              <a:latin typeface="Arial" panose="020B0604020202020204" pitchFamily="34" charset="0"/>
-              <a:cs typeface="Arial" panose="020B0604020202020204" pitchFamily="34" charset="0"/>
-            </a:endParaRPr>
-          </a:p>
-          <a:p>
-            <a:pPr marL="0" indent="0">
-              <a:buNone/>
-            </a:pPr>
-            <a:r>
-              <a:rPr lang="en-US" sz="1800" dirty="0" smtClean="0">
-                <a:solidFill>
-                  <a:schemeClr val="bg2">
-                    <a:lumMod val="25000"/>
-                  </a:schemeClr>
-                </a:solidFill>
-                <a:latin typeface="Arial" panose="020B0604020202020204" pitchFamily="34" charset="0"/>
-                <a:cs typeface="Arial" panose="020B0604020202020204" pitchFamily="34" charset="0"/>
-              </a:rPr>
-              <a:t>		Min pixel intensity			Mean</a:t>
-            </a:r>
-            <a:endParaRPr lang="en-US" sz="1800" dirty="0">
-              <a:solidFill>
-                <a:schemeClr val="bg2">
-                  <a:lumMod val="25000"/>
-                </a:schemeClr>
-              </a:solidFill>
-              <a:latin typeface="Arial" panose="020B0604020202020204" pitchFamily="34" charset="0"/>
-              <a:cs typeface="Arial" panose="020B0604020202020204" pitchFamily="34" charset="0"/>
-            </a:endParaRPr>
-          </a:p>
-          <a:p>
-            <a:pPr marL="0" indent="0">
-              <a:buNone/>
-            </a:pPr>
-            <a:r>
-              <a:rPr lang="en-US" sz="1800" dirty="0" smtClean="0">
-                <a:solidFill>
-                  <a:schemeClr val="bg2">
-                    <a:lumMod val="25000"/>
-                  </a:schemeClr>
-                </a:solidFill>
-                <a:latin typeface="Arial" panose="020B0604020202020204" pitchFamily="34" charset="0"/>
-                <a:cs typeface="Arial" panose="020B0604020202020204" pitchFamily="34" charset="0"/>
-              </a:rPr>
-              <a:t>		Standard </a:t>
-            </a:r>
-            <a:r>
-              <a:rPr lang="en-US" sz="1800" dirty="0">
-                <a:solidFill>
-                  <a:schemeClr val="bg2">
-                    <a:lumMod val="25000"/>
-                  </a:schemeClr>
-                </a:solidFill>
-                <a:latin typeface="Arial" panose="020B0604020202020204" pitchFamily="34" charset="0"/>
-                <a:cs typeface="Arial" panose="020B0604020202020204" pitchFamily="34" charset="0"/>
-              </a:rPr>
-              <a:t>Deviation, </a:t>
-            </a:r>
-            <a:r>
-              <a:rPr lang="en-US" sz="1800" dirty="0" smtClean="0">
-                <a:solidFill>
-                  <a:schemeClr val="bg2">
-                    <a:lumMod val="25000"/>
-                  </a:schemeClr>
-                </a:solidFill>
-                <a:latin typeface="Arial" panose="020B0604020202020204" pitchFamily="34" charset="0"/>
-                <a:cs typeface="Arial" panose="020B0604020202020204" pitchFamily="34" charset="0"/>
-              </a:rPr>
-              <a:t>		kurtosis</a:t>
-            </a:r>
-          </a:p>
-          <a:p>
-            <a:pPr marL="0" indent="0">
-              <a:buNone/>
-            </a:pPr>
-            <a:r>
-              <a:rPr lang="en-US" sz="1800" dirty="0" smtClean="0">
-                <a:solidFill>
-                  <a:schemeClr val="bg2">
-                    <a:lumMod val="25000"/>
-                  </a:schemeClr>
-                </a:solidFill>
-                <a:latin typeface="Arial" panose="020B0604020202020204" pitchFamily="34" charset="0"/>
-                <a:cs typeface="Arial" panose="020B0604020202020204" pitchFamily="34" charset="0"/>
-              </a:rPr>
-              <a:t>		Skewness			Shannon entropy</a:t>
-            </a:r>
-          </a:p>
-          <a:p>
-            <a:pPr marL="0" indent="0">
-              <a:buNone/>
-            </a:pPr>
-            <a:r>
-              <a:rPr lang="en-US" sz="1800" dirty="0" smtClean="0">
-                <a:solidFill>
-                  <a:schemeClr val="bg2">
-                    <a:lumMod val="25000"/>
-                  </a:schemeClr>
-                </a:solidFill>
-                <a:latin typeface="Arial" panose="020B0604020202020204" pitchFamily="34" charset="0"/>
-                <a:cs typeface="Arial" panose="020B0604020202020204" pitchFamily="34" charset="0"/>
-              </a:rPr>
-              <a:t>		Percentiles 			Max pixel intensity</a:t>
-            </a:r>
-          </a:p>
-          <a:p>
-            <a:pPr marL="0" indent="0">
-              <a:buNone/>
-            </a:pPr>
-            <a:r>
-              <a:rPr lang="en-US" sz="1800" dirty="0">
-                <a:solidFill>
-                  <a:schemeClr val="bg2">
-                    <a:lumMod val="25000"/>
-                  </a:schemeClr>
-                </a:solidFill>
-                <a:latin typeface="Arial" panose="020B0604020202020204" pitchFamily="34" charset="0"/>
-                <a:cs typeface="Arial" panose="020B0604020202020204" pitchFamily="34" charset="0"/>
-              </a:rPr>
-              <a:t>	</a:t>
-            </a:r>
-            <a:r>
-              <a:rPr lang="en-US" sz="1800" dirty="0" smtClean="0">
-                <a:solidFill>
-                  <a:schemeClr val="bg2">
-                    <a:lumMod val="25000"/>
-                  </a:schemeClr>
-                </a:solidFill>
-                <a:latin typeface="Arial" panose="020B0604020202020204" pitchFamily="34" charset="0"/>
-                <a:cs typeface="Arial" panose="020B0604020202020204" pitchFamily="34" charset="0"/>
-              </a:rPr>
-              <a:t>	Sum of pixel intensities		Energy of signal (sum of squared pixels)</a:t>
-            </a:r>
-          </a:p>
-          <a:p>
-            <a:pPr marL="0" indent="0">
-              <a:buNone/>
-            </a:pPr>
-            <a:endParaRPr lang="en-US" sz="1800" dirty="0">
-              <a:solidFill>
-                <a:schemeClr val="bg2">
-                  <a:lumMod val="25000"/>
-                </a:schemeClr>
-              </a:solidFill>
-              <a:latin typeface="Arial" panose="020B0604020202020204" pitchFamily="34" charset="0"/>
-              <a:cs typeface="Arial" panose="020B0604020202020204" pitchFamily="34" charset="0"/>
-            </a:endParaRPr>
-          </a:p>
-          <a:p>
-            <a:pPr marL="0" indent="0">
-              <a:buNone/>
-            </a:pPr>
-            <a:endParaRPr lang="en-US" sz="1800" dirty="0" smtClean="0">
-              <a:solidFill>
-                <a:schemeClr val="bg2">
-                  <a:lumMod val="25000"/>
-                </a:schemeClr>
-              </a:solidFill>
-              <a:latin typeface="Arial" panose="020B0604020202020204" pitchFamily="34" charset="0"/>
-              <a:cs typeface="Arial" panose="020B0604020202020204" pitchFamily="34" charset="0"/>
-            </a:endParaRPr>
-          </a:p>
-          <a:p>
-            <a:pPr marL="0" indent="0">
-              <a:buNone/>
-            </a:pPr>
-            <a:r>
-              <a:rPr lang="en-US" sz="1800" dirty="0" smtClean="0">
-                <a:solidFill>
-                  <a:schemeClr val="bg2">
-                    <a:lumMod val="25000"/>
-                  </a:schemeClr>
-                </a:solidFill>
-                <a:latin typeface="Arial" panose="020B0604020202020204" pitchFamily="34" charset="0"/>
-                <a:cs typeface="Arial" panose="020B0604020202020204" pitchFamily="34" charset="0"/>
-              </a:rPr>
-              <a:t>This also works for time series, sequential data an so on…</a:t>
-            </a:r>
-          </a:p>
-          <a:p>
-            <a:pPr marL="0" indent="0">
-              <a:buNone/>
-            </a:pPr>
-            <a:endParaRPr lang="en-US" sz="1800" dirty="0">
-              <a:solidFill>
-                <a:schemeClr val="bg2">
-                  <a:lumMod val="25000"/>
-                </a:schemeClr>
-              </a:solidFill>
-              <a:latin typeface="Arial" panose="020B0604020202020204" pitchFamily="34" charset="0"/>
-              <a:cs typeface="Arial" panose="020B0604020202020204" pitchFamily="34" charset="0"/>
-            </a:endParaRPr>
-          </a:p>
-          <a:p>
-            <a:pPr marL="0" indent="0">
-              <a:buNone/>
-            </a:pPr>
-            <a:endParaRPr lang="en-US" sz="1800" dirty="0" smtClean="0">
-              <a:solidFill>
-                <a:schemeClr val="bg2">
-                  <a:lumMod val="25000"/>
-                </a:schemeClr>
-              </a:solidFill>
-              <a:latin typeface="Arial" panose="020B0604020202020204" pitchFamily="34" charset="0"/>
-              <a:cs typeface="Arial" panose="020B0604020202020204" pitchFamily="34" charset="0"/>
-            </a:endParaRPr>
-          </a:p>
-          <a:p>
-            <a:pPr marL="0" indent="0">
-              <a:buNone/>
-            </a:pPr>
-            <a:endParaRPr lang="en-US" sz="1800" dirty="0" smtClean="0">
-              <a:solidFill>
-                <a:schemeClr val="bg2">
-                  <a:lumMod val="25000"/>
-                </a:schemeClr>
-              </a:solidFill>
-              <a:latin typeface="Arial" panose="020B0604020202020204" pitchFamily="34" charset="0"/>
-              <a:cs typeface="Arial" panose="020B0604020202020204" pitchFamily="34" charset="0"/>
-            </a:endParaRPr>
-          </a:p>
-        </p:txBody>
-      </p:sp>
-    </p:spTree>
-    <p:extLst>
-      <p:ext uri="{BB962C8B-B14F-4D97-AF65-F5344CB8AC3E}">
-        <p14:creationId xmlns:p14="http://schemas.microsoft.com/office/powerpoint/2010/main" val="980105025"/>
-      </p:ext>
-    </p:extLst>
-  </p:cSld>
-  <p:clrMapOvr>
-    <a:masterClrMapping/>
-  </p:clrMapOvr>
-  <p:timing>
-    <p:tnLst>
-      <p:par>
-        <p:cTn id="1" dur="indefinite" restart="never" nodeType="tmRoot">
-          <p:childTnLst>
-            <p:seq concurrent="1" nextAc="seek">
-              <p:cTn id="2" dur="indefinite" nodeType="mainSeq">
-                <p:childTnLst>
-                  <p:par>
-                    <p:cTn id="3" fill="hold">
-                      <p:stCondLst>
-                        <p:cond delay="indefinite"/>
-                      </p:stCondLst>
-                      <p:childTnLst>
-                        <p:par>
-                          <p:cTn id="4" fill="hold">
-                            <p:stCondLst>
-                              <p:cond delay="0"/>
-                            </p:stCondLst>
-                            <p:childTnLst>
-                              <p:par>
-                                <p:cTn id="5" presetID="10" presetClass="entr" presetSubtype="0" fill="hold" nodeType="clickEffect">
-                                  <p:stCondLst>
-                                    <p:cond delay="0"/>
-                                  </p:stCondLst>
-                                  <p:childTnLst>
-                                    <p:set>
-                                      <p:cBhvr>
-                                        <p:cTn id="6" dur="1" fill="hold">
-                                          <p:stCondLst>
-                                            <p:cond delay="0"/>
-                                          </p:stCondLst>
-                                        </p:cTn>
-                                        <p:tgtEl>
-                                          <p:spTgt spid="41">
-                                            <p:txEl>
-                                              <p:pRg st="0" end="0"/>
-                                            </p:txEl>
-                                          </p:spTgt>
-                                        </p:tgtEl>
-                                        <p:attrNameLst>
-                                          <p:attrName>style.visibility</p:attrName>
-                                        </p:attrNameLst>
-                                      </p:cBhvr>
-                                      <p:to>
-                                        <p:strVal val="visible"/>
-                                      </p:to>
-                                    </p:set>
-                                    <p:animEffect transition="in" filter="fade">
-                                      <p:cBhvr>
-                                        <p:cTn id="7" dur="500"/>
-                                        <p:tgtEl>
-                                          <p:spTgt spid="41">
-                                            <p:txEl>
-                                              <p:pRg st="0" end="0"/>
-                                            </p:txEl>
-                                          </p:spTgt>
-                                        </p:tgtEl>
-                                      </p:cBhvr>
-                                    </p:animEffect>
-                                  </p:childTnLst>
-                                </p:cTn>
-                              </p:par>
-                            </p:childTnLst>
-                          </p:cTn>
-                        </p:par>
-                      </p:childTnLst>
-                    </p:cTn>
-                  </p:par>
-                  <p:par>
-                    <p:cTn id="8" fill="hold">
-                      <p:stCondLst>
-                        <p:cond delay="indefinite"/>
-                      </p:stCondLst>
-                      <p:childTnLst>
-                        <p:par>
-                          <p:cTn id="9" fill="hold">
-                            <p:stCondLst>
-                              <p:cond delay="0"/>
-                            </p:stCondLst>
-                            <p:childTnLst>
-                              <p:par>
-                                <p:cTn id="10" presetID="10" presetClass="entr" presetSubtype="0" fill="hold" nodeType="clickEffect">
-                                  <p:stCondLst>
-                                    <p:cond delay="0"/>
-                                  </p:stCondLst>
-                                  <p:childTnLst>
-                                    <p:set>
-                                      <p:cBhvr>
-                                        <p:cTn id="11" dur="1" fill="hold">
-                                          <p:stCondLst>
-                                            <p:cond delay="0"/>
-                                          </p:stCondLst>
-                                        </p:cTn>
-                                        <p:tgtEl>
-                                          <p:spTgt spid="41">
-                                            <p:txEl>
-                                              <p:pRg st="3" end="3"/>
-                                            </p:txEl>
-                                          </p:spTgt>
-                                        </p:tgtEl>
-                                        <p:attrNameLst>
-                                          <p:attrName>style.visibility</p:attrName>
-                                        </p:attrNameLst>
-                                      </p:cBhvr>
-                                      <p:to>
-                                        <p:strVal val="visible"/>
-                                      </p:to>
-                                    </p:set>
-                                    <p:animEffect transition="in" filter="fade">
-                                      <p:cBhvr>
-                                        <p:cTn id="12" dur="500"/>
-                                        <p:tgtEl>
-                                          <p:spTgt spid="41">
-                                            <p:txEl>
-                                              <p:pRg st="3" end="3"/>
-                                            </p:txEl>
-                                          </p:spTgt>
-                                        </p:tgtEl>
-                                      </p:cBhvr>
-                                    </p:animEffect>
-                                  </p:childTnLst>
-                                </p:cTn>
-                              </p:par>
-                            </p:childTnLst>
-                          </p:cTn>
-                        </p:par>
-                      </p:childTnLst>
-                    </p:cTn>
-                  </p:par>
-                  <p:par>
-                    <p:cTn id="13" fill="hold">
-                      <p:stCondLst>
-                        <p:cond delay="indefinite"/>
-                      </p:stCondLst>
-                      <p:childTnLst>
-                        <p:par>
-                          <p:cTn id="14" fill="hold">
-                            <p:stCondLst>
-                              <p:cond delay="0"/>
-                            </p:stCondLst>
-                            <p:childTnLst>
-                              <p:par>
-                                <p:cTn id="15" presetID="10" presetClass="entr" presetSubtype="0" fill="hold" nodeType="clickEffect">
-                                  <p:stCondLst>
-                                    <p:cond delay="0"/>
-                                  </p:stCondLst>
-                                  <p:childTnLst>
-                                    <p:set>
-                                      <p:cBhvr>
-                                        <p:cTn id="16" dur="1" fill="hold">
-                                          <p:stCondLst>
-                                            <p:cond delay="0"/>
-                                          </p:stCondLst>
-                                        </p:cTn>
-                                        <p:tgtEl>
-                                          <p:spTgt spid="41">
-                                            <p:txEl>
-                                              <p:pRg st="4" end="4"/>
-                                            </p:txEl>
-                                          </p:spTgt>
-                                        </p:tgtEl>
-                                        <p:attrNameLst>
-                                          <p:attrName>style.visibility</p:attrName>
-                                        </p:attrNameLst>
-                                      </p:cBhvr>
-                                      <p:to>
-                                        <p:strVal val="visible"/>
-                                      </p:to>
-                                    </p:set>
-                                    <p:animEffect transition="in" filter="fade">
-                                      <p:cBhvr>
-                                        <p:cTn id="17" dur="500"/>
-                                        <p:tgtEl>
-                                          <p:spTgt spid="41">
-                                            <p:txEl>
-                                              <p:pRg st="4" end="4"/>
-                                            </p:txEl>
-                                          </p:spTgt>
-                                        </p:tgtEl>
-                                      </p:cBhvr>
-                                    </p:animEffect>
-                                  </p:childTnLst>
-                                </p:cTn>
-                              </p:par>
-                            </p:childTnLst>
-                          </p:cTn>
-                        </p:par>
-                      </p:childTnLst>
-                    </p:cTn>
-                  </p:par>
-                  <p:par>
-                    <p:cTn id="18" fill="hold">
-                      <p:stCondLst>
-                        <p:cond delay="indefinite"/>
-                      </p:stCondLst>
-                      <p:childTnLst>
-                        <p:par>
-                          <p:cTn id="19" fill="hold">
-                            <p:stCondLst>
-                              <p:cond delay="0"/>
-                            </p:stCondLst>
-                            <p:childTnLst>
-                              <p:par>
-                                <p:cTn id="20" presetID="10" presetClass="entr" presetSubtype="0" fill="hold" nodeType="clickEffect">
-                                  <p:stCondLst>
-                                    <p:cond delay="0"/>
-                                  </p:stCondLst>
-                                  <p:childTnLst>
-                                    <p:set>
-                                      <p:cBhvr>
-                                        <p:cTn id="21" dur="1" fill="hold">
-                                          <p:stCondLst>
-                                            <p:cond delay="0"/>
-                                          </p:stCondLst>
-                                        </p:cTn>
-                                        <p:tgtEl>
-                                          <p:spTgt spid="41">
-                                            <p:txEl>
-                                              <p:pRg st="5" end="5"/>
-                                            </p:txEl>
-                                          </p:spTgt>
-                                        </p:tgtEl>
-                                        <p:attrNameLst>
-                                          <p:attrName>style.visibility</p:attrName>
-                                        </p:attrNameLst>
-                                      </p:cBhvr>
-                                      <p:to>
-                                        <p:strVal val="visible"/>
-                                      </p:to>
-                                    </p:set>
-                                    <p:animEffect transition="in" filter="fade">
-                                      <p:cBhvr>
-                                        <p:cTn id="22" dur="500"/>
-                                        <p:tgtEl>
-                                          <p:spTgt spid="41">
-                                            <p:txEl>
-                                              <p:pRg st="5" end="5"/>
-                                            </p:txEl>
-                                          </p:spTgt>
-                                        </p:tgtEl>
-                                      </p:cBhvr>
-                                    </p:animEffect>
-                                  </p:childTnLst>
-                                </p:cTn>
-                              </p:par>
-                            </p:childTnLst>
-                          </p:cTn>
-                        </p:par>
-                      </p:childTnLst>
-                    </p:cTn>
-                  </p:par>
-                  <p:par>
-                    <p:cTn id="23" fill="hold">
-                      <p:stCondLst>
-                        <p:cond delay="indefinite"/>
-                      </p:stCondLst>
-                      <p:childTnLst>
-                        <p:par>
-                          <p:cTn id="24" fill="hold">
-                            <p:stCondLst>
-                              <p:cond delay="0"/>
-                            </p:stCondLst>
-                            <p:childTnLst>
-                              <p:par>
-                                <p:cTn id="25" presetID="10" presetClass="entr" presetSubtype="0" fill="hold" nodeType="clickEffect">
-                                  <p:stCondLst>
-                                    <p:cond delay="0"/>
-                                  </p:stCondLst>
-                                  <p:childTnLst>
-                                    <p:set>
-                                      <p:cBhvr>
-                                        <p:cTn id="26" dur="1" fill="hold">
-                                          <p:stCondLst>
-                                            <p:cond delay="0"/>
-                                          </p:stCondLst>
-                                        </p:cTn>
-                                        <p:tgtEl>
-                                          <p:spTgt spid="41">
-                                            <p:txEl>
-                                              <p:pRg st="6" end="6"/>
-                                            </p:txEl>
-                                          </p:spTgt>
-                                        </p:tgtEl>
-                                        <p:attrNameLst>
-                                          <p:attrName>style.visibility</p:attrName>
-                                        </p:attrNameLst>
-                                      </p:cBhvr>
-                                      <p:to>
-                                        <p:strVal val="visible"/>
-                                      </p:to>
-                                    </p:set>
-                                    <p:animEffect transition="in" filter="fade">
-                                      <p:cBhvr>
-                                        <p:cTn id="27" dur="500"/>
-                                        <p:tgtEl>
-                                          <p:spTgt spid="41">
-                                            <p:txEl>
-                                              <p:pRg st="6" end="6"/>
-                                            </p:txEl>
-                                          </p:spTgt>
-                                        </p:tgtEl>
-                                      </p:cBhvr>
-                                    </p:animEffect>
-                                  </p:childTnLst>
-                                </p:cTn>
-                              </p:par>
-                            </p:childTnLst>
-                          </p:cTn>
-                        </p:par>
-                      </p:childTnLst>
-                    </p:cTn>
-                  </p:par>
-                  <p:par>
-                    <p:cTn id="28" fill="hold">
-                      <p:stCondLst>
-                        <p:cond delay="indefinite"/>
-                      </p:stCondLst>
-                      <p:childTnLst>
-                        <p:par>
-                          <p:cTn id="29" fill="hold">
-                            <p:stCondLst>
-                              <p:cond delay="0"/>
-                            </p:stCondLst>
-                            <p:childTnLst>
-                              <p:par>
-                                <p:cTn id="30" presetID="10" presetClass="entr" presetSubtype="0" fill="hold" nodeType="clickEffect">
-                                  <p:stCondLst>
-                                    <p:cond delay="0"/>
-                                  </p:stCondLst>
-                                  <p:childTnLst>
-                                    <p:set>
-                                      <p:cBhvr>
-                                        <p:cTn id="31" dur="1" fill="hold">
-                                          <p:stCondLst>
-                                            <p:cond delay="0"/>
-                                          </p:stCondLst>
-                                        </p:cTn>
-                                        <p:tgtEl>
-                                          <p:spTgt spid="41">
-                                            <p:txEl>
-                                              <p:pRg st="7" end="7"/>
-                                            </p:txEl>
-                                          </p:spTgt>
-                                        </p:tgtEl>
-                                        <p:attrNameLst>
-                                          <p:attrName>style.visibility</p:attrName>
-                                        </p:attrNameLst>
-                                      </p:cBhvr>
-                                      <p:to>
-                                        <p:strVal val="visible"/>
-                                      </p:to>
-                                    </p:set>
-                                    <p:animEffect transition="in" filter="fade">
-                                      <p:cBhvr>
-                                        <p:cTn id="32" dur="500"/>
-                                        <p:tgtEl>
-                                          <p:spTgt spid="41">
-                                            <p:txEl>
-                                              <p:pRg st="7" end="7"/>
-                                            </p:txEl>
-                                          </p:spTgt>
-                                        </p:tgtEl>
-                                      </p:cBhvr>
-                                    </p:animEffect>
-                                  </p:childTnLst>
-                                </p:cTn>
-                              </p:par>
-                            </p:childTnLst>
-                          </p:cTn>
-                        </p:par>
-                      </p:childTnLst>
-                    </p:cTn>
-                  </p:par>
-                  <p:par>
-                    <p:cTn id="33" fill="hold">
-                      <p:stCondLst>
-                        <p:cond delay="indefinite"/>
-                      </p:stCondLst>
-                      <p:childTnLst>
-                        <p:par>
-                          <p:cTn id="34" fill="hold">
-                            <p:stCondLst>
-                              <p:cond delay="0"/>
-                            </p:stCondLst>
-                            <p:childTnLst>
-                              <p:par>
-                                <p:cTn id="35" presetID="10" presetClass="entr" presetSubtype="0" fill="hold" nodeType="clickEffect">
-                                  <p:stCondLst>
-                                    <p:cond delay="0"/>
-                                  </p:stCondLst>
-                                  <p:childTnLst>
-                                    <p:set>
-                                      <p:cBhvr>
-                                        <p:cTn id="36" dur="1" fill="hold">
-                                          <p:stCondLst>
-                                            <p:cond delay="0"/>
-                                          </p:stCondLst>
-                                        </p:cTn>
-                                        <p:tgtEl>
-                                          <p:spTgt spid="41">
-                                            <p:txEl>
-                                              <p:pRg st="10" end="10"/>
-                                            </p:txEl>
-                                          </p:spTgt>
-                                        </p:tgtEl>
-                                        <p:attrNameLst>
-                                          <p:attrName>style.visibility</p:attrName>
-                                        </p:attrNameLst>
-                                      </p:cBhvr>
-                                      <p:to>
-                                        <p:strVal val="visible"/>
-                                      </p:to>
-                                    </p:set>
-                                    <p:animEffect transition="in" filter="fade">
-                                      <p:cBhvr>
-                                        <p:cTn id="37" dur="500"/>
-                                        <p:tgtEl>
-                                          <p:spTgt spid="41">
-                                            <p:txEl>
-                                              <p:pRg st="10" end="10"/>
-                                            </p:txEl>
-                                          </p:spTgt>
-                                        </p:tgtEl>
-                                      </p:cBhvr>
-                                    </p:animEffect>
-                                  </p:childTnLst>
-                                </p:cTn>
-                              </p:par>
-                            </p:childTnLst>
-                          </p:cTn>
-                        </p:par>
-                      </p:childTnLst>
-                    </p:cTn>
-                  </p:par>
-                </p:childTnLst>
-              </p:cTn>
-              <p:prevCondLst>
-                <p:cond evt="onPrev" delay="0">
-                  <p:tgtEl>
-                    <p:sldTgt/>
-                  </p:tgtEl>
-                </p:cond>
-              </p:prevCondLst>
-              <p:nextCondLst>
-                <p:cond evt="onNext" delay="0">
-                  <p:tgtEl>
-                    <p:sldTgt/>
-                  </p:tgtEl>
-                </p:cond>
-              </p:nextCondLst>
-            </p:seq>
-          </p:childTnLst>
-        </p:cTn>
-      </p:par>
-    </p:tnLst>
-  </p:timing>
-</p:sld>
-</file>
-
 <file path=ppt/tags/tag1.xml><?xml version="1.0" encoding="utf-8"?>
 <p:tagLst xmlns:a="http://schemas.openxmlformats.org/drawingml/2006/main" xmlns:r="http://schemas.openxmlformats.org/officeDocument/2006/relationships" xmlns:p="http://schemas.openxmlformats.org/presentationml/2006/main">
   <p:tag name="VARPPTCOMPATIBLE4" val="RXP"/>
   <p:tag name="VARPPTCOMPATIBLERD03" val="RXP"/>
   <p:tag name="VARPPTTYPE" val="RXP"/>
   <p:tag name="VARPPTSLIDEFORMAT" val="RXP"/>
-  <p:tag name="VARSAVEMESSAGETIMESTAMP" val="RXP5/17/2021"/>
+  <p:tag name="VARSAVEMESSAGETIMESTAMP" val="RXP5/19/2021"/>
 </p:tagLst>
 </file>
 
